--- a/reports/ProjectPresentation_v1.0.pptx
+++ b/reports/ProjectPresentation_v1.0.pptx
@@ -7,16 +7,20 @@
   <p:sldIdLst>
     <p:sldId id="256" r:id="rId2"/>
     <p:sldId id="257" r:id="rId3"/>
-    <p:sldId id="267" r:id="rId4"/>
-    <p:sldId id="266" r:id="rId5"/>
-    <p:sldId id="265" r:id="rId6"/>
+    <p:sldId id="268" r:id="rId4"/>
+    <p:sldId id="265" r:id="rId5"/>
+    <p:sldId id="269" r:id="rId6"/>
     <p:sldId id="264" r:id="rId7"/>
     <p:sldId id="263" r:id="rId8"/>
-    <p:sldId id="262" r:id="rId9"/>
-    <p:sldId id="261" r:id="rId10"/>
-    <p:sldId id="260" r:id="rId11"/>
-    <p:sldId id="259" r:id="rId12"/>
-    <p:sldId id="258" r:id="rId13"/>
+    <p:sldId id="270" r:id="rId9"/>
+    <p:sldId id="271" r:id="rId10"/>
+    <p:sldId id="262" r:id="rId11"/>
+    <p:sldId id="261" r:id="rId12"/>
+    <p:sldId id="260" r:id="rId13"/>
+    <p:sldId id="272" r:id="rId14"/>
+    <p:sldId id="259" r:id="rId15"/>
+    <p:sldId id="258" r:id="rId16"/>
+    <p:sldId id="267" r:id="rId17"/>
   </p:sldIdLst>
   <p:sldSz cx="12192000" cy="6858000"/>
   <p:notesSz cx="6858000" cy="9144000"/>
@@ -3825,8 +3829,8 @@
         </p:nvSpPr>
         <p:spPr>
           <a:xfrm>
-            <a:off x="1915385" y="1699591"/>
-            <a:ext cx="8361229" cy="2098226"/>
+            <a:off x="1807809" y="1202047"/>
+            <a:ext cx="8361229" cy="2684634"/>
           </a:xfrm>
         </p:spPr>
         <p:txBody>
@@ -3834,14 +3838,9 @@
           <a:lstStyle/>
           <a:p>
             <a:r>
-              <a:rPr lang="en-US" dirty="0"/>
-              <a:t>LA County Crime rate </a:t>
-            </a:r>
-            <a:r>
-              <a:rPr lang="en-US"/>
-              <a:t>trend prediction</a:t>
-            </a:r>
-            <a:endParaRPr lang="en-US" dirty="0"/>
+              <a:rPr lang="en-US" sz="6500" dirty="0"/>
+              <a:t>LA County Crime rate trend prediction</a:t>
+            </a:r>
           </a:p>
         </p:txBody>
       </p:sp>
@@ -3863,38 +3862,48 @@
         </p:nvSpPr>
         <p:spPr>
           <a:xfrm>
-            <a:off x="2679906" y="3886681"/>
-            <a:ext cx="6990868" cy="1271728"/>
+            <a:off x="1485900" y="3886681"/>
+            <a:ext cx="9045836" cy="1271728"/>
           </a:xfrm>
         </p:spPr>
         <p:txBody>
           <a:bodyPr>
-            <a:normAutofit fontScale="92500"/>
+            <a:noAutofit/>
           </a:bodyPr>
           <a:lstStyle/>
           <a:p>
             <a:r>
-              <a:rPr lang="en-US" dirty="0"/>
+              <a:rPr lang="en-US" sz="1700" dirty="0">
+                <a:latin typeface="Century Gothic" panose="020B0502020202020204" pitchFamily="34" charset="0"/>
+              </a:rPr>
               <a:t>Presented by: </a:t>
             </a:r>
           </a:p>
           <a:p>
             <a:r>
-              <a:rPr lang="en-US" dirty="0"/>
+              <a:rPr lang="en-US" sz="1700" dirty="0">
+                <a:latin typeface="Century Gothic" panose="020B0502020202020204" pitchFamily="34" charset="0"/>
+              </a:rPr>
               <a:t>Thant </a:t>
             </a:r>
             <a:r>
-              <a:rPr lang="en-US" dirty="0" err="1"/>
+              <a:rPr lang="en-US" sz="1700" dirty="0" err="1">
+                <a:latin typeface="Century Gothic" panose="020B0502020202020204" pitchFamily="34" charset="0"/>
+              </a:rPr>
               <a:t>Thiri</a:t>
             </a:r>
             <a:r>
-              <a:rPr lang="en-US" dirty="0"/>
+              <a:rPr lang="en-US" sz="1700" dirty="0">
+                <a:latin typeface="Century Gothic" panose="020B0502020202020204" pitchFamily="34" charset="0"/>
+              </a:rPr>
               <a:t> M. Kyi</a:t>
             </a:r>
           </a:p>
           <a:p>
             <a:r>
-              <a:rPr lang="en-US" dirty="0"/>
+              <a:rPr lang="en-US" sz="1700" dirty="0">
+                <a:latin typeface="Century Gothic" panose="020B0502020202020204" pitchFamily="34" charset="0"/>
+              </a:rPr>
               <a:t>(Springboard Data Science Career Track, July 2023 Cohort)</a:t>
             </a:r>
           </a:p>
@@ -3935,7 +3944,7 @@
           <p:cNvPr id="2" name="Title 1">
             <a:extLst>
               <a:ext uri="{FF2B5EF4-FFF2-40B4-BE49-F238E27FC236}">
-                <a16:creationId xmlns:a16="http://schemas.microsoft.com/office/drawing/2014/main" id="{BFD538B8-20B9-670A-14A7-14F72DD9EFF5}"/>
+                <a16:creationId xmlns:a16="http://schemas.microsoft.com/office/drawing/2014/main" id="{2955DDFF-5AB1-E8AF-227B-D7A2FB665133}"/>
               </a:ext>
             </a:extLst>
           </p:cNvPr>
@@ -3946,12 +3955,49 @@
             <p:ph type="title"/>
           </p:nvPr>
         </p:nvSpPr>
-        <p:spPr/>
-        <p:txBody>
-          <a:bodyPr/>
+        <p:spPr>
+          <a:xfrm>
+            <a:off x="754827" y="0"/>
+            <a:ext cx="11541163" cy="742950"/>
+          </a:xfrm>
+        </p:spPr>
+        <p:txBody>
+          <a:bodyPr>
+            <a:normAutofit fontScale="90000"/>
+          </a:bodyPr>
           <a:lstStyle/>
           <a:p>
-            <a:endParaRPr lang="en-US"/>
+            <a:r>
+              <a:rPr lang="en-SG" sz="3400" b="0" i="0" dirty="0">
+                <a:solidFill>
+                  <a:srgbClr val="374151"/>
+                </a:solidFill>
+                <a:effectLst/>
+                <a:latin typeface="Century Gothic" panose="020B0502020202020204" pitchFamily="34" charset="0"/>
+              </a:rPr>
+              <a:t>Building the Framework for Prediction – Feature Engineering</a:t>
+            </a:r>
+            <a:br>
+              <a:rPr lang="en-SG" sz="4200" b="0" i="0" dirty="0">
+                <a:solidFill>
+                  <a:srgbClr val="374151"/>
+                </a:solidFill>
+                <a:effectLst/>
+                <a:latin typeface="Century Gothic" panose="020B0502020202020204" pitchFamily="34" charset="0"/>
+              </a:rPr>
+            </a:br>
+            <a:br>
+              <a:rPr lang="en-SG" b="0" i="0" dirty="0">
+                <a:solidFill>
+                  <a:srgbClr val="374151"/>
+                </a:solidFill>
+                <a:effectLst/>
+                <a:latin typeface="Century Gothic" panose="020B0502020202020204" pitchFamily="34" charset="0"/>
+              </a:rPr>
+            </a:br>
+            <a:endParaRPr lang="en-US" dirty="0">
+              <a:latin typeface="Century Gothic" panose="020B0502020202020204" pitchFamily="34" charset="0"/>
+            </a:endParaRPr>
           </a:p>
         </p:txBody>
       </p:sp>
@@ -3960,7 +4006,7 @@
           <p:cNvPr id="3" name="Content Placeholder 2">
             <a:extLst>
               <a:ext uri="{FF2B5EF4-FFF2-40B4-BE49-F238E27FC236}">
-                <a16:creationId xmlns:a16="http://schemas.microsoft.com/office/drawing/2014/main" id="{1DA4C5D6-D910-AE61-327C-1D5B1B4B9CB4}"/>
+                <a16:creationId xmlns:a16="http://schemas.microsoft.com/office/drawing/2014/main" id="{C16439B3-80E7-8CB9-3138-ABBC839DA32B}"/>
               </a:ext>
             </a:extLst>
           </p:cNvPr>
@@ -3971,19 +4017,929 @@
             <p:ph idx="1"/>
           </p:nvPr>
         </p:nvSpPr>
-        <p:spPr/>
-        <p:txBody>
-          <a:bodyPr/>
+        <p:spPr>
+          <a:xfrm>
+            <a:off x="855233" y="930536"/>
+            <a:ext cx="4986169" cy="4871421"/>
+          </a:xfrm>
+        </p:spPr>
+        <p:txBody>
+          <a:bodyPr>
+            <a:normAutofit fontScale="92500" lnSpcReduction="20000"/>
+          </a:bodyPr>
           <a:lstStyle/>
           <a:p>
-            <a:endParaRPr lang="en-US"/>
-          </a:p>
-        </p:txBody>
-      </p:sp>
+            <a:pPr marL="0" indent="0" algn="l">
+              <a:buNone/>
+            </a:pPr>
+            <a:r>
+              <a:rPr lang="en-SG" b="1" i="0" dirty="0">
+                <a:effectLst/>
+                <a:latin typeface="Century Gothic" panose="020B0502020202020204" pitchFamily="34" charset="0"/>
+              </a:rPr>
+              <a:t>1. Data Pre-processing Steps</a:t>
+            </a:r>
+            <a:endParaRPr lang="en-SG" b="1" dirty="0">
+              <a:latin typeface="Century Gothic" panose="020B0502020202020204" pitchFamily="34" charset="0"/>
+            </a:endParaRPr>
+          </a:p>
+          <a:p>
+            <a:pPr lvl="1">
+              <a:buFont typeface="+mj-lt"/>
+              <a:buAutoNum type="arabicPeriod"/>
+            </a:pPr>
+            <a:r>
+              <a:rPr lang="en-SG" b="1" i="0" dirty="0">
+                <a:solidFill>
+                  <a:srgbClr val="374151"/>
+                </a:solidFill>
+                <a:effectLst/>
+                <a:latin typeface="Century Gothic" panose="020B0502020202020204" pitchFamily="34" charset="0"/>
+              </a:rPr>
+              <a:t>Data Preparation:</a:t>
+            </a:r>
+            <a:endParaRPr lang="en-SG" b="0" i="0" dirty="0">
+              <a:solidFill>
+                <a:srgbClr val="374151"/>
+              </a:solidFill>
+              <a:effectLst/>
+              <a:latin typeface="Century Gothic" panose="020B0502020202020204" pitchFamily="34" charset="0"/>
+            </a:endParaRPr>
+          </a:p>
+          <a:p>
+            <a:pPr marL="1200150" lvl="2" indent="-285750">
+              <a:buFont typeface="+mj-lt"/>
+              <a:buAutoNum type="arabicPeriod"/>
+            </a:pPr>
+            <a:r>
+              <a:rPr lang="en-SG" b="0" i="0" dirty="0">
+                <a:solidFill>
+                  <a:srgbClr val="374151"/>
+                </a:solidFill>
+                <a:effectLst/>
+                <a:latin typeface="Century Gothic" panose="020B0502020202020204" pitchFamily="34" charset="0"/>
+              </a:rPr>
+              <a:t>Loaded 'top 5 crime data' dataset</a:t>
+            </a:r>
+          </a:p>
+          <a:p>
+            <a:pPr marL="1200150" lvl="2" indent="-285750">
+              <a:buFont typeface="+mj-lt"/>
+              <a:buAutoNum type="arabicPeriod"/>
+            </a:pPr>
+            <a:r>
+              <a:rPr lang="en-SG" b="0" i="0" dirty="0">
+                <a:solidFill>
+                  <a:srgbClr val="374151"/>
+                </a:solidFill>
+                <a:effectLst/>
+                <a:latin typeface="Century Gothic" panose="020B0502020202020204" pitchFamily="34" charset="0"/>
+              </a:rPr>
+              <a:t>Removed irrelevant columns (e.g., 'ID')</a:t>
+            </a:r>
+          </a:p>
+          <a:p>
+            <a:pPr lvl="1">
+              <a:buFont typeface="+mj-lt"/>
+              <a:buAutoNum type="arabicPeriod"/>
+            </a:pPr>
+            <a:r>
+              <a:rPr lang="en-SG" b="1" i="0" dirty="0">
+                <a:solidFill>
+                  <a:srgbClr val="374151"/>
+                </a:solidFill>
+                <a:effectLst/>
+                <a:latin typeface="Century Gothic" panose="020B0502020202020204" pitchFamily="34" charset="0"/>
+              </a:rPr>
+              <a:t>Feature Engineering:</a:t>
+            </a:r>
+            <a:endParaRPr lang="en-SG" b="0" i="0" dirty="0">
+              <a:solidFill>
+                <a:srgbClr val="374151"/>
+              </a:solidFill>
+              <a:effectLst/>
+              <a:latin typeface="Century Gothic" panose="020B0502020202020204" pitchFamily="34" charset="0"/>
+            </a:endParaRPr>
+          </a:p>
+          <a:p>
+            <a:pPr marL="1200150" lvl="2" indent="-285750">
+              <a:buFont typeface="+mj-lt"/>
+              <a:buAutoNum type="arabicPeriod"/>
+            </a:pPr>
+            <a:r>
+              <a:rPr lang="en-SG" b="0" i="0" dirty="0">
+                <a:solidFill>
+                  <a:srgbClr val="374151"/>
+                </a:solidFill>
+                <a:effectLst/>
+                <a:latin typeface="Century Gothic" panose="020B0502020202020204" pitchFamily="34" charset="0"/>
+              </a:rPr>
+              <a:t>Categorical Encoding:</a:t>
+            </a:r>
+          </a:p>
+          <a:p>
+            <a:pPr marL="1600200" lvl="3" indent="-228600">
+              <a:buFont typeface="+mj-lt"/>
+              <a:buAutoNum type="arabicPeriod"/>
+            </a:pPr>
+            <a:r>
+              <a:rPr lang="en-SG" b="0" i="0" dirty="0">
+                <a:solidFill>
+                  <a:srgbClr val="374151"/>
+                </a:solidFill>
+                <a:effectLst/>
+                <a:latin typeface="Century Gothic" panose="020B0502020202020204" pitchFamily="34" charset="0"/>
+              </a:rPr>
+              <a:t>'VICT_SEX', 'VICT_DESCENT' via Label Encoding</a:t>
+            </a:r>
+          </a:p>
+          <a:p>
+            <a:pPr marL="1600200" lvl="3" indent="-228600">
+              <a:buFont typeface="+mj-lt"/>
+              <a:buAutoNum type="arabicPeriod"/>
+            </a:pPr>
+            <a:r>
+              <a:rPr lang="en-SG" b="0" i="0" dirty="0">
+                <a:solidFill>
+                  <a:srgbClr val="374151"/>
+                </a:solidFill>
+                <a:effectLst/>
+                <a:latin typeface="Century Gothic" panose="020B0502020202020204" pitchFamily="34" charset="0"/>
+              </a:rPr>
+              <a:t>One-hot Encoding for binary column transformation</a:t>
+            </a:r>
+          </a:p>
+          <a:p>
+            <a:pPr lvl="1">
+              <a:buFont typeface="+mj-lt"/>
+              <a:buAutoNum type="arabicPeriod"/>
+            </a:pPr>
+            <a:r>
+              <a:rPr lang="en-SG" b="1" i="0" dirty="0">
+                <a:solidFill>
+                  <a:srgbClr val="374151"/>
+                </a:solidFill>
+                <a:effectLst/>
+                <a:latin typeface="Century Gothic" panose="020B0502020202020204" pitchFamily="34" charset="0"/>
+              </a:rPr>
+              <a:t>Data Cleaning:</a:t>
+            </a:r>
+            <a:endParaRPr lang="en-SG" b="0" i="0" dirty="0">
+              <a:solidFill>
+                <a:srgbClr val="374151"/>
+              </a:solidFill>
+              <a:effectLst/>
+              <a:latin typeface="Century Gothic" panose="020B0502020202020204" pitchFamily="34" charset="0"/>
+            </a:endParaRPr>
+          </a:p>
+          <a:p>
+            <a:pPr marL="1200150" lvl="2" indent="-285750">
+              <a:buFont typeface="+mj-lt"/>
+              <a:buAutoNum type="arabicPeriod"/>
+            </a:pPr>
+            <a:r>
+              <a:rPr lang="en-SG" b="0" i="0" dirty="0">
+                <a:solidFill>
+                  <a:srgbClr val="374151"/>
+                </a:solidFill>
+                <a:effectLst/>
+                <a:latin typeface="Century Gothic" panose="020B0502020202020204" pitchFamily="34" charset="0"/>
+              </a:rPr>
+              <a:t>Duplicates removed post-encoding</a:t>
+            </a:r>
+          </a:p>
+          <a:p>
+            <a:pPr lvl="1">
+              <a:buFont typeface="+mj-lt"/>
+              <a:buAutoNum type="arabicPeriod"/>
+            </a:pPr>
+            <a:r>
+              <a:rPr lang="en-SG" b="1" i="0" dirty="0">
+                <a:solidFill>
+                  <a:srgbClr val="374151"/>
+                </a:solidFill>
+                <a:effectLst/>
+                <a:latin typeface="Century Gothic" panose="020B0502020202020204" pitchFamily="34" charset="0"/>
+              </a:rPr>
+              <a:t>Feature Scaling:</a:t>
+            </a:r>
+            <a:endParaRPr lang="en-SG" b="0" i="0" dirty="0">
+              <a:solidFill>
+                <a:srgbClr val="374151"/>
+              </a:solidFill>
+              <a:effectLst/>
+              <a:latin typeface="Century Gothic" panose="020B0502020202020204" pitchFamily="34" charset="0"/>
+            </a:endParaRPr>
+          </a:p>
+          <a:p>
+            <a:pPr marL="1200150" lvl="2" indent="-285750">
+              <a:buFont typeface="+mj-lt"/>
+              <a:buAutoNum type="arabicPeriod"/>
+            </a:pPr>
+            <a:r>
+              <a:rPr lang="en-SG" b="0" i="0" dirty="0">
+                <a:solidFill>
+                  <a:srgbClr val="374151"/>
+                </a:solidFill>
+                <a:effectLst/>
+                <a:latin typeface="Century Gothic" panose="020B0502020202020204" pitchFamily="34" charset="0"/>
+              </a:rPr>
+              <a:t>Standardization using </a:t>
+            </a:r>
+            <a:r>
+              <a:rPr lang="en-SG" b="0" i="0" dirty="0" err="1">
+                <a:solidFill>
+                  <a:srgbClr val="374151"/>
+                </a:solidFill>
+                <a:effectLst/>
+                <a:latin typeface="Century Gothic" panose="020B0502020202020204" pitchFamily="34" charset="0"/>
+              </a:rPr>
+              <a:t>StandardScaler</a:t>
+            </a:r>
+            <a:endParaRPr lang="en-SG" b="0" i="0" dirty="0">
+              <a:solidFill>
+                <a:srgbClr val="374151"/>
+              </a:solidFill>
+              <a:effectLst/>
+              <a:latin typeface="Century Gothic" panose="020B0502020202020204" pitchFamily="34" charset="0"/>
+            </a:endParaRPr>
+          </a:p>
+          <a:p>
+            <a:pPr marL="742950" lvl="1" indent="-285750" algn="l">
+              <a:buFont typeface="+mj-lt"/>
+              <a:buAutoNum type="arabicPeriod"/>
+            </a:pPr>
+            <a:endParaRPr lang="en-SG" b="0" i="0" dirty="0">
+              <a:solidFill>
+                <a:srgbClr val="374151"/>
+              </a:solidFill>
+              <a:effectLst/>
+              <a:latin typeface="Century Gothic" panose="020B0502020202020204" pitchFamily="34" charset="0"/>
+            </a:endParaRPr>
+          </a:p>
+          <a:p>
+            <a:pPr marL="742950" lvl="1" indent="-285750" algn="l">
+              <a:buFont typeface="+mj-lt"/>
+              <a:buAutoNum type="arabicPeriod"/>
+            </a:pPr>
+            <a:endParaRPr lang="en-SG" i="0" dirty="0">
+              <a:solidFill>
+                <a:srgbClr val="374151"/>
+              </a:solidFill>
+              <a:latin typeface="Century Gothic" panose="020B0502020202020204" pitchFamily="34" charset="0"/>
+            </a:endParaRPr>
+          </a:p>
+        </p:txBody>
+      </p:sp>
+      <p:sp>
+        <p:nvSpPr>
+          <p:cNvPr id="4" name="Content Placeholder 2">
+            <a:extLst>
+              <a:ext uri="{FF2B5EF4-FFF2-40B4-BE49-F238E27FC236}">
+                <a16:creationId xmlns:a16="http://schemas.microsoft.com/office/drawing/2014/main" id="{B4732BC6-7610-C861-5151-F3BB4B5FE032}"/>
+              </a:ext>
+            </a:extLst>
+          </p:cNvPr>
+          <p:cNvSpPr txBox="1">
+            <a:spLocks/>
+          </p:cNvSpPr>
+          <p:nvPr/>
+        </p:nvSpPr>
+        <p:spPr>
+          <a:xfrm>
+            <a:off x="6350600" y="871367"/>
+            <a:ext cx="5611904" cy="4930589"/>
+          </a:xfrm>
+          <a:prstGeom prst="rect">
+            <a:avLst/>
+          </a:prstGeom>
+        </p:spPr>
+        <p:txBody>
+          <a:bodyPr vert="horz" lIns="91440" tIns="45720" rIns="91440" bIns="45720" rtlCol="0">
+            <a:normAutofit fontScale="62500" lnSpcReduction="20000"/>
+          </a:bodyPr>
+          <a:lstStyle>
+            <a:lvl1pPr marL="384048" indent="-384048" algn="l" defTabSz="914400" rtl="0" eaLnBrk="1" latinLnBrk="0" hangingPunct="1">
+              <a:lnSpc>
+                <a:spcPct val="94000"/>
+              </a:lnSpc>
+              <a:spcBef>
+                <a:spcPts val="1000"/>
+              </a:spcBef>
+              <a:spcAft>
+                <a:spcPts val="200"/>
+              </a:spcAft>
+              <a:buFont typeface="Franklin Gothic Book" panose="020B0503020102020204" pitchFamily="34" charset="0"/>
+              <a:buChar char="■"/>
+              <a:defRPr sz="2000" kern="1200" baseline="0">
+                <a:solidFill>
+                  <a:schemeClr val="tx2"/>
+                </a:solidFill>
+                <a:latin typeface="+mn-lt"/>
+                <a:ea typeface="+mn-ea"/>
+                <a:cs typeface="+mn-cs"/>
+              </a:defRPr>
+            </a:lvl1pPr>
+            <a:lvl2pPr marL="914400" indent="-384048" algn="l" defTabSz="914400" rtl="0" eaLnBrk="1" latinLnBrk="0" hangingPunct="1">
+              <a:lnSpc>
+                <a:spcPct val="94000"/>
+              </a:lnSpc>
+              <a:spcBef>
+                <a:spcPts val="500"/>
+              </a:spcBef>
+              <a:spcAft>
+                <a:spcPts val="200"/>
+              </a:spcAft>
+              <a:buFont typeface="Franklin Gothic Book" panose="020B0503020102020204" pitchFamily="34" charset="0"/>
+              <a:buChar char="–"/>
+              <a:defRPr sz="2000" i="1" kern="1200" baseline="0">
+                <a:solidFill>
+                  <a:schemeClr val="tx2"/>
+                </a:solidFill>
+                <a:latin typeface="+mn-lt"/>
+                <a:ea typeface="+mn-ea"/>
+                <a:cs typeface="+mn-cs"/>
+              </a:defRPr>
+            </a:lvl2pPr>
+            <a:lvl3pPr marL="1371600" indent="-384048" algn="l" defTabSz="914400" rtl="0" eaLnBrk="1" latinLnBrk="0" hangingPunct="1">
+              <a:lnSpc>
+                <a:spcPct val="94000"/>
+              </a:lnSpc>
+              <a:spcBef>
+                <a:spcPts val="500"/>
+              </a:spcBef>
+              <a:spcAft>
+                <a:spcPts val="200"/>
+              </a:spcAft>
+              <a:buFont typeface="Franklin Gothic Book" panose="020B0503020102020204" pitchFamily="34" charset="0"/>
+              <a:buChar char="■"/>
+              <a:defRPr sz="1800" kern="1200" baseline="0">
+                <a:solidFill>
+                  <a:schemeClr val="tx2"/>
+                </a:solidFill>
+                <a:latin typeface="+mn-lt"/>
+                <a:ea typeface="+mn-ea"/>
+                <a:cs typeface="+mn-cs"/>
+              </a:defRPr>
+            </a:lvl3pPr>
+            <a:lvl4pPr marL="1828800" indent="-384048" algn="l" defTabSz="914400" rtl="0" eaLnBrk="1" latinLnBrk="0" hangingPunct="1">
+              <a:lnSpc>
+                <a:spcPct val="94000"/>
+              </a:lnSpc>
+              <a:spcBef>
+                <a:spcPts val="500"/>
+              </a:spcBef>
+              <a:spcAft>
+                <a:spcPts val="200"/>
+              </a:spcAft>
+              <a:buFont typeface="Franklin Gothic Book" panose="020B0503020102020204" pitchFamily="34" charset="0"/>
+              <a:buChar char="–"/>
+              <a:defRPr sz="1800" i="1" kern="1200" baseline="0">
+                <a:solidFill>
+                  <a:schemeClr val="tx2"/>
+                </a:solidFill>
+                <a:latin typeface="+mn-lt"/>
+                <a:ea typeface="+mn-ea"/>
+                <a:cs typeface="+mn-cs"/>
+              </a:defRPr>
+            </a:lvl4pPr>
+            <a:lvl5pPr marL="2286000" indent="-384048" algn="l" defTabSz="914400" rtl="0" eaLnBrk="1" latinLnBrk="0" hangingPunct="1">
+              <a:lnSpc>
+                <a:spcPct val="94000"/>
+              </a:lnSpc>
+              <a:spcBef>
+                <a:spcPts val="500"/>
+              </a:spcBef>
+              <a:spcAft>
+                <a:spcPts val="200"/>
+              </a:spcAft>
+              <a:buFont typeface="Franklin Gothic Book" panose="020B0503020102020204" pitchFamily="34" charset="0"/>
+              <a:buChar char="■"/>
+              <a:defRPr sz="1600" kern="1200" baseline="0">
+                <a:solidFill>
+                  <a:schemeClr val="tx2"/>
+                </a:solidFill>
+                <a:latin typeface="+mn-lt"/>
+                <a:ea typeface="+mn-ea"/>
+                <a:cs typeface="+mn-cs"/>
+              </a:defRPr>
+            </a:lvl5pPr>
+            <a:lvl6pPr marL="2743200" indent="-384048" algn="l" defTabSz="914400" rtl="0" eaLnBrk="1" latinLnBrk="0" hangingPunct="1">
+              <a:lnSpc>
+                <a:spcPct val="94000"/>
+              </a:lnSpc>
+              <a:spcBef>
+                <a:spcPts val="500"/>
+              </a:spcBef>
+              <a:spcAft>
+                <a:spcPts val="200"/>
+              </a:spcAft>
+              <a:buFont typeface="Franklin Gothic Book" panose="020B0503020102020204" pitchFamily="34" charset="0"/>
+              <a:buChar char="–"/>
+              <a:defRPr sz="1600" i="1" kern="1200" baseline="0">
+                <a:solidFill>
+                  <a:schemeClr val="tx2"/>
+                </a:solidFill>
+                <a:latin typeface="+mn-lt"/>
+                <a:ea typeface="+mn-ea"/>
+                <a:cs typeface="+mn-cs"/>
+              </a:defRPr>
+            </a:lvl6pPr>
+            <a:lvl7pPr marL="3200400" indent="-384048" algn="l" defTabSz="914400" rtl="0" eaLnBrk="1" latinLnBrk="0" hangingPunct="1">
+              <a:lnSpc>
+                <a:spcPct val="94000"/>
+              </a:lnSpc>
+              <a:spcBef>
+                <a:spcPts val="500"/>
+              </a:spcBef>
+              <a:spcAft>
+                <a:spcPts val="200"/>
+              </a:spcAft>
+              <a:buFont typeface="Franklin Gothic Book" panose="020B0503020102020204" pitchFamily="34" charset="0"/>
+              <a:buChar char="■"/>
+              <a:defRPr sz="1400" kern="1200" baseline="0">
+                <a:solidFill>
+                  <a:schemeClr val="tx2"/>
+                </a:solidFill>
+                <a:latin typeface="+mn-lt"/>
+                <a:ea typeface="+mn-ea"/>
+                <a:cs typeface="+mn-cs"/>
+              </a:defRPr>
+            </a:lvl7pPr>
+            <a:lvl8pPr marL="3657600" indent="-384048" algn="l" defTabSz="914400" rtl="0" eaLnBrk="1" latinLnBrk="0" hangingPunct="1">
+              <a:lnSpc>
+                <a:spcPct val="94000"/>
+              </a:lnSpc>
+              <a:spcBef>
+                <a:spcPts val="500"/>
+              </a:spcBef>
+              <a:spcAft>
+                <a:spcPts val="200"/>
+              </a:spcAft>
+              <a:buFont typeface="Franklin Gothic Book" panose="020B0503020102020204" pitchFamily="34" charset="0"/>
+              <a:buChar char="–"/>
+              <a:defRPr sz="1400" i="1" kern="1200" baseline="0">
+                <a:solidFill>
+                  <a:schemeClr val="tx2"/>
+                </a:solidFill>
+                <a:latin typeface="+mn-lt"/>
+                <a:ea typeface="+mn-ea"/>
+                <a:cs typeface="+mn-cs"/>
+              </a:defRPr>
+            </a:lvl8pPr>
+            <a:lvl9pPr marL="4114800" indent="-384048" algn="l" defTabSz="914400" rtl="0" eaLnBrk="1" latinLnBrk="0" hangingPunct="1">
+              <a:lnSpc>
+                <a:spcPct val="94000"/>
+              </a:lnSpc>
+              <a:spcBef>
+                <a:spcPts val="500"/>
+              </a:spcBef>
+              <a:spcAft>
+                <a:spcPts val="200"/>
+              </a:spcAft>
+              <a:buFont typeface="Franklin Gothic Book" panose="020B0503020102020204" pitchFamily="34" charset="0"/>
+              <a:buChar char="■"/>
+              <a:defRPr sz="1400" kern="1200" baseline="0">
+                <a:solidFill>
+                  <a:schemeClr val="tx2"/>
+                </a:solidFill>
+                <a:latin typeface="+mn-lt"/>
+                <a:ea typeface="+mn-ea"/>
+                <a:cs typeface="+mn-cs"/>
+              </a:defRPr>
+            </a:lvl9pPr>
+          </a:lstStyle>
+          <a:p>
+            <a:pPr marL="0" indent="0" algn="l">
+              <a:buNone/>
+            </a:pPr>
+            <a:r>
+              <a:rPr lang="en-SG" b="1" i="0" dirty="0">
+                <a:effectLst/>
+                <a:latin typeface="Century Gothic" panose="020B0502020202020204" pitchFamily="34" charset="0"/>
+              </a:rPr>
+              <a:t>2. Data Preparation for Modelling and Training</a:t>
+            </a:r>
+          </a:p>
+          <a:p>
+            <a:pPr lvl="1">
+              <a:buFont typeface="+mj-lt"/>
+              <a:buAutoNum type="arabicPeriod"/>
+            </a:pPr>
+            <a:r>
+              <a:rPr lang="en-SG" b="1" i="0" dirty="0">
+                <a:solidFill>
+                  <a:srgbClr val="374151"/>
+                </a:solidFill>
+                <a:effectLst/>
+                <a:latin typeface="Century Gothic" panose="020B0502020202020204" pitchFamily="34" charset="0"/>
+              </a:rPr>
+              <a:t>Dataset Segmentation for Modelling:</a:t>
+            </a:r>
+            <a:endParaRPr lang="en-SG" b="0" i="0" dirty="0">
+              <a:solidFill>
+                <a:srgbClr val="374151"/>
+              </a:solidFill>
+              <a:effectLst/>
+              <a:latin typeface="Century Gothic" panose="020B0502020202020204" pitchFamily="34" charset="0"/>
+            </a:endParaRPr>
+          </a:p>
+          <a:p>
+            <a:pPr marL="1200150" lvl="2" indent="-285750">
+              <a:buFont typeface="+mj-lt"/>
+              <a:buAutoNum type="arabicPeriod"/>
+            </a:pPr>
+            <a:r>
+              <a:rPr lang="en-SG" b="0" i="0" dirty="0">
+                <a:solidFill>
+                  <a:srgbClr val="374151"/>
+                </a:solidFill>
+                <a:effectLst/>
+                <a:latin typeface="Century Gothic" panose="020B0502020202020204" pitchFamily="34" charset="0"/>
+              </a:rPr>
+              <a:t>Large dataset necessitated creation of smaller, focused datasets:</a:t>
+            </a:r>
+          </a:p>
+          <a:p>
+            <a:pPr marL="1600200" lvl="3" indent="-228600">
+              <a:buFont typeface="+mj-lt"/>
+              <a:buAutoNum type="arabicPeriod"/>
+            </a:pPr>
+            <a:r>
+              <a:rPr lang="en-SG" b="0" i="0" dirty="0">
+                <a:solidFill>
+                  <a:srgbClr val="374151"/>
+                </a:solidFill>
+                <a:effectLst/>
+                <a:latin typeface="Century Gothic" panose="020B0502020202020204" pitchFamily="34" charset="0"/>
+              </a:rPr>
+              <a:t>Crime category prediction dataset with key features</a:t>
+            </a:r>
+          </a:p>
+          <a:p>
+            <a:pPr marL="1600200" lvl="3" indent="-228600">
+              <a:buFont typeface="+mj-lt"/>
+              <a:buAutoNum type="arabicPeriod"/>
+            </a:pPr>
+            <a:r>
+              <a:rPr lang="en-SG" b="0" i="0" dirty="0">
+                <a:solidFill>
+                  <a:srgbClr val="374151"/>
+                </a:solidFill>
+                <a:effectLst/>
+                <a:latin typeface="Century Gothic" panose="020B0502020202020204" pitchFamily="34" charset="0"/>
+              </a:rPr>
+              <a:t>Crime count prediction/forecasting dataset</a:t>
+            </a:r>
+          </a:p>
+          <a:p>
+            <a:pPr marL="1600200" lvl="3" indent="-228600">
+              <a:buFont typeface="+mj-lt"/>
+              <a:buAutoNum type="arabicPeriod"/>
+            </a:pPr>
+            <a:endParaRPr lang="en-SG" i="0" dirty="0">
+              <a:solidFill>
+                <a:srgbClr val="374151"/>
+              </a:solidFill>
+              <a:latin typeface="Century Gothic" panose="020B0502020202020204" pitchFamily="34" charset="0"/>
+            </a:endParaRPr>
+          </a:p>
+          <a:p>
+            <a:pPr marL="1600200" lvl="3" indent="-228600">
+              <a:buFont typeface="+mj-lt"/>
+              <a:buAutoNum type="arabicPeriod"/>
+            </a:pPr>
+            <a:endParaRPr lang="en-SG" i="0" dirty="0">
+              <a:solidFill>
+                <a:srgbClr val="374151"/>
+              </a:solidFill>
+              <a:latin typeface="Century Gothic" panose="020B0502020202020204" pitchFamily="34" charset="0"/>
+            </a:endParaRPr>
+          </a:p>
+          <a:p>
+            <a:pPr marL="1600200" lvl="3" indent="-228600">
+              <a:buFont typeface="+mj-lt"/>
+              <a:buAutoNum type="arabicPeriod"/>
+            </a:pPr>
+            <a:endParaRPr lang="en-SG" i="0" dirty="0">
+              <a:solidFill>
+                <a:srgbClr val="374151"/>
+              </a:solidFill>
+              <a:latin typeface="Century Gothic" panose="020B0502020202020204" pitchFamily="34" charset="0"/>
+            </a:endParaRPr>
+          </a:p>
+          <a:p>
+            <a:pPr marL="1600200" lvl="3" indent="-228600">
+              <a:buFont typeface="+mj-lt"/>
+              <a:buAutoNum type="arabicPeriod"/>
+            </a:pPr>
+            <a:endParaRPr lang="en-SG" i="0" dirty="0">
+              <a:solidFill>
+                <a:srgbClr val="374151"/>
+              </a:solidFill>
+              <a:latin typeface="Century Gothic" panose="020B0502020202020204" pitchFamily="34" charset="0"/>
+            </a:endParaRPr>
+          </a:p>
+          <a:p>
+            <a:pPr marL="1600200" lvl="3" indent="-228600">
+              <a:buFont typeface="+mj-lt"/>
+              <a:buAutoNum type="arabicPeriod"/>
+            </a:pPr>
+            <a:endParaRPr lang="en-SG" i="0" dirty="0">
+              <a:solidFill>
+                <a:srgbClr val="374151"/>
+              </a:solidFill>
+              <a:latin typeface="Century Gothic" panose="020B0502020202020204" pitchFamily="34" charset="0"/>
+            </a:endParaRPr>
+          </a:p>
+          <a:p>
+            <a:pPr marL="1600200" lvl="3" indent="-228600">
+              <a:buFont typeface="+mj-lt"/>
+              <a:buAutoNum type="arabicPeriod"/>
+            </a:pPr>
+            <a:endParaRPr lang="en-SG" b="0" i="0" dirty="0">
+              <a:solidFill>
+                <a:srgbClr val="374151"/>
+              </a:solidFill>
+              <a:effectLst/>
+              <a:latin typeface="Century Gothic" panose="020B0502020202020204" pitchFamily="34" charset="0"/>
+            </a:endParaRPr>
+          </a:p>
+          <a:p>
+            <a:pPr lvl="1">
+              <a:buFont typeface="+mj-lt"/>
+              <a:buAutoNum type="arabicPeriod"/>
+            </a:pPr>
+            <a:r>
+              <a:rPr lang="en-SG" b="1" i="0" dirty="0">
+                <a:solidFill>
+                  <a:srgbClr val="374151"/>
+                </a:solidFill>
+                <a:effectLst/>
+                <a:latin typeface="Century Gothic" panose="020B0502020202020204" pitchFamily="34" charset="0"/>
+              </a:rPr>
+              <a:t>Model Data Setup:</a:t>
+            </a:r>
+            <a:endParaRPr lang="en-SG" b="0" i="0" dirty="0">
+              <a:solidFill>
+                <a:srgbClr val="374151"/>
+              </a:solidFill>
+              <a:effectLst/>
+              <a:latin typeface="Century Gothic" panose="020B0502020202020204" pitchFamily="34" charset="0"/>
+            </a:endParaRPr>
+          </a:p>
+          <a:p>
+            <a:pPr marL="1200150" lvl="2" indent="-285750">
+              <a:buFont typeface="+mj-lt"/>
+              <a:buAutoNum type="arabicPeriod"/>
+            </a:pPr>
+            <a:r>
+              <a:rPr lang="en-SG" b="0" i="0" dirty="0">
+                <a:solidFill>
+                  <a:srgbClr val="374151"/>
+                </a:solidFill>
+                <a:effectLst/>
+                <a:latin typeface="Century Gothic" panose="020B0502020202020204" pitchFamily="34" charset="0"/>
+              </a:rPr>
+              <a:t>Data split into features (X) and targets (y)</a:t>
+            </a:r>
+          </a:p>
+          <a:p>
+            <a:pPr lvl="1">
+              <a:buFont typeface="+mj-lt"/>
+              <a:buAutoNum type="arabicPeriod"/>
+            </a:pPr>
+            <a:r>
+              <a:rPr lang="en-SG" b="1" i="0" dirty="0">
+                <a:solidFill>
+                  <a:srgbClr val="374151"/>
+                </a:solidFill>
+                <a:effectLst/>
+                <a:latin typeface="Century Gothic" panose="020B0502020202020204" pitchFamily="34" charset="0"/>
+              </a:rPr>
+              <a:t>Training and Testing Sets:</a:t>
+            </a:r>
+            <a:endParaRPr lang="en-SG" b="0" i="0" dirty="0">
+              <a:solidFill>
+                <a:srgbClr val="374151"/>
+              </a:solidFill>
+              <a:effectLst/>
+              <a:latin typeface="Century Gothic" panose="020B0502020202020204" pitchFamily="34" charset="0"/>
+            </a:endParaRPr>
+          </a:p>
+          <a:p>
+            <a:pPr marL="1200150" lvl="2" indent="-285750">
+              <a:buFont typeface="+mj-lt"/>
+              <a:buAutoNum type="arabicPeriod"/>
+            </a:pPr>
+            <a:r>
+              <a:rPr lang="en-SG" b="0" i="0" dirty="0">
+                <a:solidFill>
+                  <a:srgbClr val="374151"/>
+                </a:solidFill>
+                <a:effectLst/>
+                <a:latin typeface="Century Gothic" panose="020B0502020202020204" pitchFamily="34" charset="0"/>
+              </a:rPr>
+              <a:t>Typical split ratio applied</a:t>
+            </a:r>
+          </a:p>
+          <a:p>
+            <a:pPr marL="1200150" lvl="2" indent="-285750">
+              <a:buFont typeface="+mj-lt"/>
+              <a:buAutoNum type="arabicPeriod"/>
+            </a:pPr>
+            <a:r>
+              <a:rPr lang="en-SG" b="0" i="0" dirty="0">
+                <a:solidFill>
+                  <a:srgbClr val="374151"/>
+                </a:solidFill>
+                <a:effectLst/>
+                <a:latin typeface="Century Gothic" panose="020B0502020202020204" pitchFamily="34" charset="0"/>
+              </a:rPr>
+              <a:t>Training set for model building</a:t>
+            </a:r>
+          </a:p>
+          <a:p>
+            <a:pPr marL="1200150" lvl="2" indent="-285750">
+              <a:buFont typeface="+mj-lt"/>
+              <a:buAutoNum type="arabicPeriod"/>
+            </a:pPr>
+            <a:r>
+              <a:rPr lang="en-SG" b="0" i="0" dirty="0">
+                <a:solidFill>
+                  <a:srgbClr val="374151"/>
+                </a:solidFill>
+                <a:effectLst/>
+                <a:latin typeface="Century Gothic" panose="020B0502020202020204" pitchFamily="34" charset="0"/>
+              </a:rPr>
+              <a:t>Testing set for model evaluation</a:t>
+            </a:r>
+          </a:p>
+          <a:p>
+            <a:pPr lvl="1">
+              <a:buFont typeface="+mj-lt"/>
+              <a:buAutoNum type="arabicPeriod"/>
+            </a:pPr>
+            <a:r>
+              <a:rPr lang="en-SG" b="1" i="0" dirty="0">
+                <a:solidFill>
+                  <a:srgbClr val="374151"/>
+                </a:solidFill>
+                <a:effectLst/>
+                <a:latin typeface="Century Gothic" panose="020B0502020202020204" pitchFamily="34" charset="0"/>
+              </a:rPr>
+              <a:t>Data Saving:</a:t>
+            </a:r>
+            <a:endParaRPr lang="en-SG" b="0" i="0" dirty="0">
+              <a:solidFill>
+                <a:srgbClr val="374151"/>
+              </a:solidFill>
+              <a:effectLst/>
+              <a:latin typeface="Century Gothic" panose="020B0502020202020204" pitchFamily="34" charset="0"/>
+            </a:endParaRPr>
+          </a:p>
+          <a:p>
+            <a:pPr marL="1200150" lvl="2" indent="-285750">
+              <a:buFont typeface="+mj-lt"/>
+              <a:buAutoNum type="arabicPeriod"/>
+            </a:pPr>
+            <a:r>
+              <a:rPr lang="en-SG" b="0" i="0" dirty="0">
+                <a:solidFill>
+                  <a:srgbClr val="374151"/>
+                </a:solidFill>
+                <a:effectLst/>
+                <a:latin typeface="Century Gothic" panose="020B0502020202020204" pitchFamily="34" charset="0"/>
+              </a:rPr>
+              <a:t>Processed data saved in </a:t>
+            </a:r>
+            <a:r>
+              <a:rPr lang="en-SG" b="1" i="0" dirty="0">
+                <a:solidFill>
+                  <a:srgbClr val="374151"/>
+                </a:solidFill>
+                <a:effectLst/>
+                <a:latin typeface="Century Gothic" panose="020B0502020202020204" pitchFamily="34" charset="0"/>
+              </a:rPr>
+              <a:t>'</a:t>
+            </a:r>
+            <a:r>
+              <a:rPr lang="en-SG" b="1" i="0" dirty="0" err="1">
+                <a:solidFill>
+                  <a:srgbClr val="374151"/>
+                </a:solidFill>
+                <a:effectLst/>
+                <a:latin typeface="Century Gothic" panose="020B0502020202020204" pitchFamily="34" charset="0"/>
+              </a:rPr>
+              <a:t>train_test_split.pkl</a:t>
+            </a:r>
+            <a:r>
+              <a:rPr lang="en-SG" b="1" i="0" dirty="0">
+                <a:solidFill>
+                  <a:srgbClr val="374151"/>
+                </a:solidFill>
+                <a:effectLst/>
+                <a:latin typeface="Century Gothic" panose="020B0502020202020204" pitchFamily="34" charset="0"/>
+              </a:rPr>
+              <a:t>'</a:t>
+            </a:r>
+          </a:p>
+          <a:p>
+            <a:pPr marL="1200150" lvl="2" indent="-285750">
+              <a:buFont typeface="+mj-lt"/>
+              <a:buAutoNum type="arabicPeriod"/>
+            </a:pPr>
+            <a:r>
+              <a:rPr lang="en-SG" b="0" i="0" dirty="0" err="1">
+                <a:solidFill>
+                  <a:srgbClr val="374151"/>
+                </a:solidFill>
+                <a:effectLst/>
+                <a:latin typeface="Century Gothic" panose="020B0502020202020204" pitchFamily="34" charset="0"/>
+              </a:rPr>
+              <a:t>Preprocessed</a:t>
+            </a:r>
+            <a:r>
+              <a:rPr lang="en-SG" b="0" i="0" dirty="0">
+                <a:solidFill>
+                  <a:srgbClr val="374151"/>
+                </a:solidFill>
+                <a:effectLst/>
+                <a:latin typeface="Century Gothic" panose="020B0502020202020204" pitchFamily="34" charset="0"/>
+              </a:rPr>
+              <a:t> data for modelling saved in </a:t>
+            </a:r>
+            <a:r>
+              <a:rPr lang="en-SG" b="1" i="0" dirty="0">
+                <a:solidFill>
+                  <a:srgbClr val="374151"/>
+                </a:solidFill>
+                <a:effectLst/>
+                <a:latin typeface="Century Gothic" panose="020B0502020202020204" pitchFamily="34" charset="0"/>
+              </a:rPr>
+              <a:t>'top5_crime_pre.csv'</a:t>
+            </a:r>
+          </a:p>
+          <a:p>
+            <a:pPr marL="742950" lvl="1" indent="-285750">
+              <a:buFont typeface="+mj-lt"/>
+              <a:buAutoNum type="arabicPeriod"/>
+            </a:pPr>
+            <a:endParaRPr lang="en-SG" i="0" dirty="0">
+              <a:solidFill>
+                <a:srgbClr val="374151"/>
+              </a:solidFill>
+              <a:latin typeface="Century Gothic" panose="020B0502020202020204" pitchFamily="34" charset="0"/>
+            </a:endParaRPr>
+          </a:p>
+          <a:p>
+            <a:pPr marL="742950" lvl="1" indent="-285750">
+              <a:buFont typeface="+mj-lt"/>
+              <a:buAutoNum type="arabicPeriod"/>
+            </a:pPr>
+            <a:endParaRPr lang="en-SG" i="0" dirty="0">
+              <a:solidFill>
+                <a:srgbClr val="374151"/>
+              </a:solidFill>
+              <a:latin typeface="Century Gothic" panose="020B0502020202020204" pitchFamily="34" charset="0"/>
+            </a:endParaRPr>
+          </a:p>
+        </p:txBody>
+      </p:sp>
+      <p:pic>
+        <p:nvPicPr>
+          <p:cNvPr id="6" name="Picture 5">
+            <a:extLst>
+              <a:ext uri="{FF2B5EF4-FFF2-40B4-BE49-F238E27FC236}">
+                <a16:creationId xmlns:a16="http://schemas.microsoft.com/office/drawing/2014/main" id="{E929EE46-0D08-6745-B569-1C0849E88A5A}"/>
+              </a:ext>
+            </a:extLst>
+          </p:cNvPr>
+          <p:cNvPicPr>
+            <a:picLocks noChangeAspect="1"/>
+          </p:cNvPicPr>
+          <p:nvPr/>
+        </p:nvPicPr>
+        <p:blipFill>
+          <a:blip r:embed="rId2"/>
+          <a:stretch>
+            <a:fillRect/>
+          </a:stretch>
+        </p:blipFill>
+        <p:spPr>
+          <a:xfrm>
+            <a:off x="7033709" y="2171700"/>
+            <a:ext cx="4724400" cy="1143000"/>
+          </a:xfrm>
+          <a:prstGeom prst="rect">
+            <a:avLst/>
+          </a:prstGeom>
+        </p:spPr>
+      </p:pic>
     </p:spTree>
     <p:extLst>
       <p:ext uri="{BB962C8B-B14F-4D97-AF65-F5344CB8AC3E}">
-        <p14:creationId xmlns:p14="http://schemas.microsoft.com/office/powerpoint/2010/main" val="1571039621"/>
+        <p14:creationId xmlns:p14="http://schemas.microsoft.com/office/powerpoint/2010/main" val="838821048"/>
       </p:ext>
     </p:extLst>
   </p:cSld>
@@ -4015,6 +4971,1341 @@
           <p:cNvPr id="2" name="Title 1">
             <a:extLst>
               <a:ext uri="{FF2B5EF4-FFF2-40B4-BE49-F238E27FC236}">
+                <a16:creationId xmlns:a16="http://schemas.microsoft.com/office/drawing/2014/main" id="{89BCAEF3-615E-B9F7-0AB3-4FC21B1E3B4C}"/>
+              </a:ext>
+            </a:extLst>
+          </p:cNvPr>
+          <p:cNvSpPr>
+            <a:spLocks noGrp="1"/>
+          </p:cNvSpPr>
+          <p:nvPr>
+            <p:ph type="title"/>
+          </p:nvPr>
+        </p:nvSpPr>
+        <p:spPr>
+          <a:xfrm>
+            <a:off x="1485900" y="147917"/>
+            <a:ext cx="9601200" cy="648149"/>
+          </a:xfrm>
+        </p:spPr>
+        <p:txBody>
+          <a:bodyPr>
+            <a:normAutofit fontScale="90000"/>
+          </a:bodyPr>
+          <a:lstStyle/>
+          <a:p>
+            <a:r>
+              <a:rPr lang="en-SG" sz="4000" i="0" dirty="0">
+                <a:effectLst/>
+                <a:latin typeface="Century Gothic" panose="020B0502020202020204" pitchFamily="34" charset="0"/>
+              </a:rPr>
+              <a:t>Model Training and Evaluation</a:t>
+            </a:r>
+            <a:br>
+              <a:rPr lang="en-SG" b="1" i="0" dirty="0">
+                <a:effectLst/>
+                <a:latin typeface="Söhne"/>
+              </a:rPr>
+            </a:br>
+            <a:endParaRPr lang="en-US" dirty="0">
+              <a:latin typeface="Century Gothic" panose="020B0502020202020204" pitchFamily="34" charset="0"/>
+            </a:endParaRPr>
+          </a:p>
+        </p:txBody>
+      </p:sp>
+      <p:sp>
+        <p:nvSpPr>
+          <p:cNvPr id="3" name="Content Placeholder 2">
+            <a:extLst>
+              <a:ext uri="{FF2B5EF4-FFF2-40B4-BE49-F238E27FC236}">
+                <a16:creationId xmlns:a16="http://schemas.microsoft.com/office/drawing/2014/main" id="{166D4EEC-A315-3728-BEB7-15D475DA4DB8}"/>
+              </a:ext>
+            </a:extLst>
+          </p:cNvPr>
+          <p:cNvSpPr>
+            <a:spLocks noGrp="1"/>
+          </p:cNvSpPr>
+          <p:nvPr>
+            <p:ph idx="1"/>
+          </p:nvPr>
+        </p:nvSpPr>
+        <p:spPr>
+          <a:xfrm>
+            <a:off x="1485900" y="796066"/>
+            <a:ext cx="10460180" cy="944843"/>
+          </a:xfrm>
+        </p:spPr>
+        <p:txBody>
+          <a:bodyPr>
+            <a:normAutofit fontScale="85000" lnSpcReduction="20000"/>
+          </a:bodyPr>
+          <a:lstStyle/>
+          <a:p>
+            <a:pPr marL="0" indent="0" algn="l">
+              <a:buNone/>
+            </a:pPr>
+            <a:r>
+              <a:rPr lang="en-SG" b="1" i="0" dirty="0">
+                <a:solidFill>
+                  <a:srgbClr val="374151"/>
+                </a:solidFill>
+                <a:effectLst/>
+                <a:latin typeface="Century Gothic" panose="020B0502020202020204" pitchFamily="34" charset="0"/>
+              </a:rPr>
+              <a:t>Model Building:</a:t>
+            </a:r>
+            <a:endParaRPr lang="en-SG" b="0" i="0" dirty="0">
+              <a:solidFill>
+                <a:srgbClr val="374151"/>
+              </a:solidFill>
+              <a:effectLst/>
+              <a:latin typeface="Century Gothic" panose="020B0502020202020204" pitchFamily="34" charset="0"/>
+            </a:endParaRPr>
+          </a:p>
+          <a:p>
+            <a:pPr marL="800100" lvl="1" indent="-342900"/>
+            <a:r>
+              <a:rPr lang="en-SG" b="0" i="0" dirty="0">
+                <a:solidFill>
+                  <a:srgbClr val="374151"/>
+                </a:solidFill>
+                <a:effectLst/>
+                <a:latin typeface="Century Gothic" panose="020B0502020202020204" pitchFamily="34" charset="0"/>
+              </a:rPr>
+              <a:t>Models: Linear Regression, Random Forest, </a:t>
+            </a:r>
+            <a:r>
+              <a:rPr lang="en-SG" b="0" i="0" dirty="0" err="1">
+                <a:solidFill>
+                  <a:srgbClr val="374151"/>
+                </a:solidFill>
+                <a:effectLst/>
+                <a:latin typeface="Century Gothic" panose="020B0502020202020204" pitchFamily="34" charset="0"/>
+              </a:rPr>
+              <a:t>XGBoost</a:t>
+            </a:r>
+            <a:r>
+              <a:rPr lang="en-SG" b="0" i="0" dirty="0">
+                <a:solidFill>
+                  <a:srgbClr val="374151"/>
+                </a:solidFill>
+                <a:effectLst/>
+                <a:latin typeface="Century Gothic" panose="020B0502020202020204" pitchFamily="34" charset="0"/>
+              </a:rPr>
+              <a:t>, </a:t>
+            </a:r>
+            <a:r>
+              <a:rPr lang="en-SG" b="0" i="0" dirty="0" err="1">
+                <a:solidFill>
+                  <a:srgbClr val="374151"/>
+                </a:solidFill>
+                <a:effectLst/>
+                <a:latin typeface="Century Gothic" panose="020B0502020202020204" pitchFamily="34" charset="0"/>
+              </a:rPr>
+              <a:t>CatBoost</a:t>
+            </a:r>
+            <a:r>
+              <a:rPr lang="en-SG" b="0" i="0" dirty="0">
+                <a:solidFill>
+                  <a:srgbClr val="374151"/>
+                </a:solidFill>
+                <a:effectLst/>
+                <a:latin typeface="Century Gothic" panose="020B0502020202020204" pitchFamily="34" charset="0"/>
+              </a:rPr>
+              <a:t>, Decision Tree</a:t>
+            </a:r>
+          </a:p>
+          <a:p>
+            <a:pPr marL="800100" lvl="1" indent="-342900"/>
+            <a:r>
+              <a:rPr lang="en-SG" b="0" i="0" dirty="0">
+                <a:solidFill>
+                  <a:srgbClr val="374151"/>
+                </a:solidFill>
+                <a:effectLst/>
+                <a:latin typeface="Century Gothic" panose="020B0502020202020204" pitchFamily="34" charset="0"/>
+              </a:rPr>
+              <a:t>Metrics: MSE, RMSE, MAE, R-squared, and Cross-Validation Scores</a:t>
+            </a:r>
+          </a:p>
+          <a:p>
+            <a:pPr marL="0" indent="0">
+              <a:buNone/>
+            </a:pPr>
+            <a:endParaRPr lang="en-US" dirty="0"/>
+          </a:p>
+        </p:txBody>
+      </p:sp>
+      <p:sp>
+        <p:nvSpPr>
+          <p:cNvPr id="4" name="Content Placeholder 2">
+            <a:extLst>
+              <a:ext uri="{FF2B5EF4-FFF2-40B4-BE49-F238E27FC236}">
+                <a16:creationId xmlns:a16="http://schemas.microsoft.com/office/drawing/2014/main" id="{2D70B0C3-3FFB-DE80-4FC9-471959CF3659}"/>
+              </a:ext>
+            </a:extLst>
+          </p:cNvPr>
+          <p:cNvSpPr txBox="1">
+            <a:spLocks/>
+          </p:cNvSpPr>
+          <p:nvPr/>
+        </p:nvSpPr>
+        <p:spPr>
+          <a:xfrm>
+            <a:off x="1542911" y="3026784"/>
+            <a:ext cx="6033546" cy="3512372"/>
+          </a:xfrm>
+          <a:prstGeom prst="rect">
+            <a:avLst/>
+          </a:prstGeom>
+        </p:spPr>
+        <p:txBody>
+          <a:bodyPr vert="horz" lIns="91440" tIns="45720" rIns="91440" bIns="45720" rtlCol="0">
+            <a:normAutofit fontScale="70000" lnSpcReduction="20000"/>
+          </a:bodyPr>
+          <a:lstStyle>
+            <a:lvl1pPr marL="384048" indent="-384048" algn="l" defTabSz="914400" rtl="0" eaLnBrk="1" latinLnBrk="0" hangingPunct="1">
+              <a:lnSpc>
+                <a:spcPct val="94000"/>
+              </a:lnSpc>
+              <a:spcBef>
+                <a:spcPts val="1000"/>
+              </a:spcBef>
+              <a:spcAft>
+                <a:spcPts val="200"/>
+              </a:spcAft>
+              <a:buFont typeface="Franklin Gothic Book" panose="020B0503020102020204" pitchFamily="34" charset="0"/>
+              <a:buChar char="■"/>
+              <a:defRPr sz="2000" kern="1200" baseline="0">
+                <a:solidFill>
+                  <a:schemeClr val="tx2"/>
+                </a:solidFill>
+                <a:latin typeface="+mn-lt"/>
+                <a:ea typeface="+mn-ea"/>
+                <a:cs typeface="+mn-cs"/>
+              </a:defRPr>
+            </a:lvl1pPr>
+            <a:lvl2pPr marL="914400" indent="-384048" algn="l" defTabSz="914400" rtl="0" eaLnBrk="1" latinLnBrk="0" hangingPunct="1">
+              <a:lnSpc>
+                <a:spcPct val="94000"/>
+              </a:lnSpc>
+              <a:spcBef>
+                <a:spcPts val="500"/>
+              </a:spcBef>
+              <a:spcAft>
+                <a:spcPts val="200"/>
+              </a:spcAft>
+              <a:buFont typeface="Franklin Gothic Book" panose="020B0503020102020204" pitchFamily="34" charset="0"/>
+              <a:buChar char="–"/>
+              <a:defRPr sz="2000" i="1" kern="1200" baseline="0">
+                <a:solidFill>
+                  <a:schemeClr val="tx2"/>
+                </a:solidFill>
+                <a:latin typeface="+mn-lt"/>
+                <a:ea typeface="+mn-ea"/>
+                <a:cs typeface="+mn-cs"/>
+              </a:defRPr>
+            </a:lvl2pPr>
+            <a:lvl3pPr marL="1371600" indent="-384048" algn="l" defTabSz="914400" rtl="0" eaLnBrk="1" latinLnBrk="0" hangingPunct="1">
+              <a:lnSpc>
+                <a:spcPct val="94000"/>
+              </a:lnSpc>
+              <a:spcBef>
+                <a:spcPts val="500"/>
+              </a:spcBef>
+              <a:spcAft>
+                <a:spcPts val="200"/>
+              </a:spcAft>
+              <a:buFont typeface="Franklin Gothic Book" panose="020B0503020102020204" pitchFamily="34" charset="0"/>
+              <a:buChar char="■"/>
+              <a:defRPr sz="1800" kern="1200" baseline="0">
+                <a:solidFill>
+                  <a:schemeClr val="tx2"/>
+                </a:solidFill>
+                <a:latin typeface="+mn-lt"/>
+                <a:ea typeface="+mn-ea"/>
+                <a:cs typeface="+mn-cs"/>
+              </a:defRPr>
+            </a:lvl3pPr>
+            <a:lvl4pPr marL="1828800" indent="-384048" algn="l" defTabSz="914400" rtl="0" eaLnBrk="1" latinLnBrk="0" hangingPunct="1">
+              <a:lnSpc>
+                <a:spcPct val="94000"/>
+              </a:lnSpc>
+              <a:spcBef>
+                <a:spcPts val="500"/>
+              </a:spcBef>
+              <a:spcAft>
+                <a:spcPts val="200"/>
+              </a:spcAft>
+              <a:buFont typeface="Franklin Gothic Book" panose="020B0503020102020204" pitchFamily="34" charset="0"/>
+              <a:buChar char="–"/>
+              <a:defRPr sz="1800" i="1" kern="1200" baseline="0">
+                <a:solidFill>
+                  <a:schemeClr val="tx2"/>
+                </a:solidFill>
+                <a:latin typeface="+mn-lt"/>
+                <a:ea typeface="+mn-ea"/>
+                <a:cs typeface="+mn-cs"/>
+              </a:defRPr>
+            </a:lvl4pPr>
+            <a:lvl5pPr marL="2286000" indent="-384048" algn="l" defTabSz="914400" rtl="0" eaLnBrk="1" latinLnBrk="0" hangingPunct="1">
+              <a:lnSpc>
+                <a:spcPct val="94000"/>
+              </a:lnSpc>
+              <a:spcBef>
+                <a:spcPts val="500"/>
+              </a:spcBef>
+              <a:spcAft>
+                <a:spcPts val="200"/>
+              </a:spcAft>
+              <a:buFont typeface="Franklin Gothic Book" panose="020B0503020102020204" pitchFamily="34" charset="0"/>
+              <a:buChar char="■"/>
+              <a:defRPr sz="1600" kern="1200" baseline="0">
+                <a:solidFill>
+                  <a:schemeClr val="tx2"/>
+                </a:solidFill>
+                <a:latin typeface="+mn-lt"/>
+                <a:ea typeface="+mn-ea"/>
+                <a:cs typeface="+mn-cs"/>
+              </a:defRPr>
+            </a:lvl5pPr>
+            <a:lvl6pPr marL="2743200" indent="-384048" algn="l" defTabSz="914400" rtl="0" eaLnBrk="1" latinLnBrk="0" hangingPunct="1">
+              <a:lnSpc>
+                <a:spcPct val="94000"/>
+              </a:lnSpc>
+              <a:spcBef>
+                <a:spcPts val="500"/>
+              </a:spcBef>
+              <a:spcAft>
+                <a:spcPts val="200"/>
+              </a:spcAft>
+              <a:buFont typeface="Franklin Gothic Book" panose="020B0503020102020204" pitchFamily="34" charset="0"/>
+              <a:buChar char="–"/>
+              <a:defRPr sz="1600" i="1" kern="1200" baseline="0">
+                <a:solidFill>
+                  <a:schemeClr val="tx2"/>
+                </a:solidFill>
+                <a:latin typeface="+mn-lt"/>
+                <a:ea typeface="+mn-ea"/>
+                <a:cs typeface="+mn-cs"/>
+              </a:defRPr>
+            </a:lvl6pPr>
+            <a:lvl7pPr marL="3200400" indent="-384048" algn="l" defTabSz="914400" rtl="0" eaLnBrk="1" latinLnBrk="0" hangingPunct="1">
+              <a:lnSpc>
+                <a:spcPct val="94000"/>
+              </a:lnSpc>
+              <a:spcBef>
+                <a:spcPts val="500"/>
+              </a:spcBef>
+              <a:spcAft>
+                <a:spcPts val="200"/>
+              </a:spcAft>
+              <a:buFont typeface="Franklin Gothic Book" panose="020B0503020102020204" pitchFamily="34" charset="0"/>
+              <a:buChar char="■"/>
+              <a:defRPr sz="1400" kern="1200" baseline="0">
+                <a:solidFill>
+                  <a:schemeClr val="tx2"/>
+                </a:solidFill>
+                <a:latin typeface="+mn-lt"/>
+                <a:ea typeface="+mn-ea"/>
+                <a:cs typeface="+mn-cs"/>
+              </a:defRPr>
+            </a:lvl7pPr>
+            <a:lvl8pPr marL="3657600" indent="-384048" algn="l" defTabSz="914400" rtl="0" eaLnBrk="1" latinLnBrk="0" hangingPunct="1">
+              <a:lnSpc>
+                <a:spcPct val="94000"/>
+              </a:lnSpc>
+              <a:spcBef>
+                <a:spcPts val="500"/>
+              </a:spcBef>
+              <a:spcAft>
+                <a:spcPts val="200"/>
+              </a:spcAft>
+              <a:buFont typeface="Franklin Gothic Book" panose="020B0503020102020204" pitchFamily="34" charset="0"/>
+              <a:buChar char="–"/>
+              <a:defRPr sz="1400" i="1" kern="1200" baseline="0">
+                <a:solidFill>
+                  <a:schemeClr val="tx2"/>
+                </a:solidFill>
+                <a:latin typeface="+mn-lt"/>
+                <a:ea typeface="+mn-ea"/>
+                <a:cs typeface="+mn-cs"/>
+              </a:defRPr>
+            </a:lvl8pPr>
+            <a:lvl9pPr marL="4114800" indent="-384048" algn="l" defTabSz="914400" rtl="0" eaLnBrk="1" latinLnBrk="0" hangingPunct="1">
+              <a:lnSpc>
+                <a:spcPct val="94000"/>
+              </a:lnSpc>
+              <a:spcBef>
+                <a:spcPts val="500"/>
+              </a:spcBef>
+              <a:spcAft>
+                <a:spcPts val="200"/>
+              </a:spcAft>
+              <a:buFont typeface="Franklin Gothic Book" panose="020B0503020102020204" pitchFamily="34" charset="0"/>
+              <a:buChar char="■"/>
+              <a:defRPr sz="1400" kern="1200" baseline="0">
+                <a:solidFill>
+                  <a:schemeClr val="tx2"/>
+                </a:solidFill>
+                <a:latin typeface="+mn-lt"/>
+                <a:ea typeface="+mn-ea"/>
+                <a:cs typeface="+mn-cs"/>
+              </a:defRPr>
+            </a:lvl9pPr>
+          </a:lstStyle>
+          <a:p>
+            <a:pPr marL="0" indent="0">
+              <a:buNone/>
+            </a:pPr>
+            <a:r>
+              <a:rPr lang="en-SG" b="1" dirty="0">
+                <a:solidFill>
+                  <a:srgbClr val="374151"/>
+                </a:solidFill>
+                <a:latin typeface="Century Gothic" panose="020B0502020202020204" pitchFamily="34" charset="0"/>
+              </a:rPr>
+              <a:t>Performance Analysis:</a:t>
+            </a:r>
+            <a:endParaRPr lang="en-SG" dirty="0">
+              <a:solidFill>
+                <a:srgbClr val="374151"/>
+              </a:solidFill>
+              <a:latin typeface="Century Gothic" panose="020B0502020202020204" pitchFamily="34" charset="0"/>
+            </a:endParaRPr>
+          </a:p>
+          <a:p>
+            <a:pPr marL="742950" lvl="1" indent="-285750">
+              <a:buFont typeface="+mj-lt"/>
+              <a:buAutoNum type="arabicPeriod"/>
+            </a:pPr>
+            <a:r>
+              <a:rPr lang="en-SG" i="0" dirty="0">
+                <a:solidFill>
+                  <a:srgbClr val="374151"/>
+                </a:solidFill>
+                <a:latin typeface="Century Gothic" panose="020B0502020202020204" pitchFamily="34" charset="0"/>
+              </a:rPr>
+              <a:t>Linear Regression: High errors, negative R-squared (poor performance)</a:t>
+            </a:r>
+          </a:p>
+          <a:p>
+            <a:pPr marL="742950" lvl="1" indent="-285750">
+              <a:buFont typeface="+mj-lt"/>
+              <a:buAutoNum type="arabicPeriod"/>
+            </a:pPr>
+            <a:r>
+              <a:rPr lang="en-SG" i="0" dirty="0">
+                <a:solidFill>
+                  <a:srgbClr val="374151"/>
+                </a:solidFill>
+                <a:latin typeface="Century Gothic" panose="020B0502020202020204" pitchFamily="34" charset="0"/>
+              </a:rPr>
+              <a:t>Random Forest: Low errors, high R-squared (good performance)</a:t>
+            </a:r>
+          </a:p>
+          <a:p>
+            <a:pPr marL="742950" lvl="1" indent="-285750">
+              <a:buFont typeface="+mj-lt"/>
+              <a:buAutoNum type="arabicPeriod"/>
+            </a:pPr>
+            <a:r>
+              <a:rPr lang="en-SG" i="0" dirty="0" err="1">
+                <a:solidFill>
+                  <a:srgbClr val="374151"/>
+                </a:solidFill>
+                <a:latin typeface="Century Gothic" panose="020B0502020202020204" pitchFamily="34" charset="0"/>
+              </a:rPr>
+              <a:t>XGBoost</a:t>
+            </a:r>
+            <a:r>
+              <a:rPr lang="en-SG" i="0" dirty="0">
+                <a:solidFill>
+                  <a:srgbClr val="374151"/>
+                </a:solidFill>
+                <a:latin typeface="Century Gothic" panose="020B0502020202020204" pitchFamily="34" charset="0"/>
+              </a:rPr>
+              <a:t>: Moderate errors, negative R-squared (average to below-average performance)</a:t>
+            </a:r>
+          </a:p>
+          <a:p>
+            <a:pPr marL="742950" lvl="1" indent="-285750">
+              <a:buFont typeface="+mj-lt"/>
+              <a:buAutoNum type="arabicPeriod"/>
+            </a:pPr>
+            <a:r>
+              <a:rPr lang="en-SG" i="0" dirty="0" err="1">
+                <a:solidFill>
+                  <a:srgbClr val="374151"/>
+                </a:solidFill>
+                <a:latin typeface="Century Gothic" panose="020B0502020202020204" pitchFamily="34" charset="0"/>
+              </a:rPr>
+              <a:t>CatBoost</a:t>
+            </a:r>
+            <a:r>
+              <a:rPr lang="en-SG" i="0" dirty="0">
+                <a:solidFill>
+                  <a:srgbClr val="374151"/>
+                </a:solidFill>
+                <a:latin typeface="Century Gothic" panose="020B0502020202020204" pitchFamily="34" charset="0"/>
+              </a:rPr>
+              <a:t>: High errors, negative R-squared (poor performance)</a:t>
+            </a:r>
+          </a:p>
+          <a:p>
+            <a:pPr marL="742950" lvl="1" indent="-285750">
+              <a:buFont typeface="+mj-lt"/>
+              <a:buAutoNum type="arabicPeriod"/>
+            </a:pPr>
+            <a:r>
+              <a:rPr lang="en-SG" i="0" dirty="0">
+                <a:solidFill>
+                  <a:srgbClr val="374151"/>
+                </a:solidFill>
+                <a:latin typeface="Century Gothic" panose="020B0502020202020204" pitchFamily="34" charset="0"/>
+              </a:rPr>
+              <a:t>Decision Tree: Moderate errors, high R-squared (good performance)</a:t>
+            </a:r>
+          </a:p>
+          <a:p>
+            <a:pPr marL="0" indent="0">
+              <a:buNone/>
+            </a:pPr>
+            <a:r>
+              <a:rPr lang="en-SG" b="1" dirty="0">
+                <a:solidFill>
+                  <a:srgbClr val="374151"/>
+                </a:solidFill>
+                <a:latin typeface="Century Gothic" panose="020B0502020202020204" pitchFamily="34" charset="0"/>
+              </a:rPr>
+              <a:t>Initial Conclusion:</a:t>
+            </a:r>
+            <a:endParaRPr lang="en-SG" dirty="0">
+              <a:solidFill>
+                <a:srgbClr val="374151"/>
+              </a:solidFill>
+              <a:latin typeface="Century Gothic" panose="020B0502020202020204" pitchFamily="34" charset="0"/>
+            </a:endParaRPr>
+          </a:p>
+          <a:p>
+            <a:pPr marL="800100" lvl="1" indent="-342900"/>
+            <a:r>
+              <a:rPr lang="en-SG" i="0" dirty="0">
+                <a:solidFill>
+                  <a:srgbClr val="374151"/>
+                </a:solidFill>
+                <a:latin typeface="Century Gothic" panose="020B0502020202020204" pitchFamily="34" charset="0"/>
+              </a:rPr>
+              <a:t>Best Performers: Random Forest and Decision Tree</a:t>
+            </a:r>
+          </a:p>
+          <a:p>
+            <a:pPr marL="800100" lvl="1" indent="-342900"/>
+            <a:r>
+              <a:rPr lang="en-SG" i="0" dirty="0">
+                <a:solidFill>
+                  <a:srgbClr val="374151"/>
+                </a:solidFill>
+                <a:latin typeface="Century Gothic" panose="020B0502020202020204" pitchFamily="34" charset="0"/>
+              </a:rPr>
+              <a:t>Random Forest has the lowest MAE and highest R-squared</a:t>
+            </a:r>
+          </a:p>
+          <a:p>
+            <a:pPr marL="800100" lvl="1" indent="-342900"/>
+            <a:r>
+              <a:rPr lang="en-SG" i="0" dirty="0">
+                <a:solidFill>
+                  <a:srgbClr val="374151"/>
+                </a:solidFill>
+                <a:latin typeface="Century Gothic" panose="020B0502020202020204" pitchFamily="34" charset="0"/>
+              </a:rPr>
+              <a:t>Decision Tree has a slightly lower RMSE and the same R-squared as Random Forest</a:t>
+            </a:r>
+          </a:p>
+          <a:p>
+            <a:pPr marL="0" indent="0">
+              <a:buFont typeface="Franklin Gothic Book" panose="020B0503020102020204" pitchFamily="34" charset="0"/>
+              <a:buNone/>
+            </a:pPr>
+            <a:endParaRPr lang="en-US" dirty="0"/>
+          </a:p>
+        </p:txBody>
+      </p:sp>
+      <p:pic>
+        <p:nvPicPr>
+          <p:cNvPr id="5" name="Picture 4" descr="A table of numbers and a few black text&#10;&#10;Description automatically generated with medium confidence">
+            <a:extLst>
+              <a:ext uri="{FF2B5EF4-FFF2-40B4-BE49-F238E27FC236}">
+                <a16:creationId xmlns:a16="http://schemas.microsoft.com/office/drawing/2014/main" id="{70ECB3B0-FC85-A644-0958-B919450685B4}"/>
+              </a:ext>
+            </a:extLst>
+          </p:cNvPr>
+          <p:cNvPicPr>
+            <a:picLocks noChangeAspect="1"/>
+          </p:cNvPicPr>
+          <p:nvPr/>
+        </p:nvPicPr>
+        <p:blipFill>
+          <a:blip r:embed="rId2"/>
+          <a:stretch>
+            <a:fillRect/>
+          </a:stretch>
+        </p:blipFill>
+        <p:spPr>
+          <a:xfrm>
+            <a:off x="1954872" y="1688295"/>
+            <a:ext cx="5853814" cy="1285875"/>
+          </a:xfrm>
+          <a:prstGeom prst="rect">
+            <a:avLst/>
+          </a:prstGeom>
+        </p:spPr>
+      </p:pic>
+      <p:pic>
+        <p:nvPicPr>
+          <p:cNvPr id="6" name="Picture 5" descr="A graph of different colored rectangles&#10;&#10;Description automatically generated">
+            <a:extLst>
+              <a:ext uri="{FF2B5EF4-FFF2-40B4-BE49-F238E27FC236}">
+                <a16:creationId xmlns:a16="http://schemas.microsoft.com/office/drawing/2014/main" id="{48CBF9D3-0CB4-DC25-F0B9-7C3499FFF005}"/>
+              </a:ext>
+            </a:extLst>
+          </p:cNvPr>
+          <p:cNvPicPr>
+            <a:picLocks noChangeAspect="1"/>
+          </p:cNvPicPr>
+          <p:nvPr/>
+        </p:nvPicPr>
+        <p:blipFill>
+          <a:blip r:embed="rId3">
+            <a:extLst>
+              <a:ext uri="{28A0092B-C50C-407E-A947-70E740481C1C}">
+                <a14:useLocalDpi xmlns:a14="http://schemas.microsoft.com/office/drawing/2010/main" val="0"/>
+              </a:ext>
+            </a:extLst>
+          </a:blip>
+          <a:srcRect/>
+          <a:stretch>
+            <a:fillRect/>
+          </a:stretch>
+        </p:blipFill>
+        <p:spPr bwMode="auto">
+          <a:xfrm>
+            <a:off x="7692571" y="2974170"/>
+            <a:ext cx="4137394" cy="2590799"/>
+          </a:xfrm>
+          <a:prstGeom prst="rect">
+            <a:avLst/>
+          </a:prstGeom>
+          <a:noFill/>
+          <a:ln>
+            <a:noFill/>
+          </a:ln>
+        </p:spPr>
+      </p:pic>
+    </p:spTree>
+    <p:extLst>
+      <p:ext uri="{BB962C8B-B14F-4D97-AF65-F5344CB8AC3E}">
+        <p14:creationId xmlns:p14="http://schemas.microsoft.com/office/powerpoint/2010/main" val="3177881104"/>
+      </p:ext>
+    </p:extLst>
+  </p:cSld>
+  <p:clrMapOvr>
+    <a:masterClrMapping/>
+  </p:clrMapOvr>
+</p:sld>
+</file>
+
+<file path=ppt/slides/slide12.xml><?xml version="1.0" encoding="utf-8"?>
+<p:sld xmlns:a="http://schemas.openxmlformats.org/drawingml/2006/main" xmlns:r="http://schemas.openxmlformats.org/officeDocument/2006/relationships" xmlns:p="http://schemas.openxmlformats.org/presentationml/2006/main">
+  <p:cSld>
+    <p:bg>
+      <p:bgPr>
+        <a:solidFill>
+          <a:schemeClr val="bg2"/>
+        </a:solidFill>
+        <a:effectLst/>
+      </p:bgPr>
+    </p:bg>
+    <p:spTree>
+      <p:nvGrpSpPr>
+        <p:cNvPr id="1" name=""/>
+        <p:cNvGrpSpPr/>
+        <p:nvPr/>
+      </p:nvGrpSpPr>
+      <p:grpSpPr>
+        <a:xfrm>
+          <a:off x="0" y="0"/>
+          <a:ext cx="0" cy="0"/>
+          <a:chOff x="0" y="0"/>
+          <a:chExt cx="0" cy="0"/>
+        </a:xfrm>
+      </p:grpSpPr>
+      <p:sp>
+        <p:nvSpPr>
+          <p:cNvPr id="2" name="Title 1">
+            <a:extLst>
+              <a:ext uri="{FF2B5EF4-FFF2-40B4-BE49-F238E27FC236}">
+                <a16:creationId xmlns:a16="http://schemas.microsoft.com/office/drawing/2014/main" id="{BFD538B8-20B9-670A-14A7-14F72DD9EFF5}"/>
+              </a:ext>
+            </a:extLst>
+          </p:cNvPr>
+          <p:cNvSpPr>
+            <a:spLocks noGrp="1"/>
+          </p:cNvSpPr>
+          <p:nvPr>
+            <p:ph type="title"/>
+          </p:nvPr>
+        </p:nvSpPr>
+        <p:spPr>
+          <a:xfrm>
+            <a:off x="1371600" y="685800"/>
+            <a:ext cx="7336971" cy="891248"/>
+          </a:xfrm>
+        </p:spPr>
+        <p:txBody>
+          <a:bodyPr>
+            <a:normAutofit/>
+          </a:bodyPr>
+          <a:lstStyle/>
+          <a:p>
+            <a:r>
+              <a:rPr lang="en-SG" sz="3100" i="0" dirty="0">
+                <a:effectLst/>
+                <a:latin typeface="Century Gothic" panose="020B0502020202020204" pitchFamily="34" charset="0"/>
+              </a:rPr>
+              <a:t>Model Validation and Final Choice</a:t>
+            </a:r>
+            <a:endParaRPr lang="en-US" sz="3100" dirty="0">
+              <a:latin typeface="Century Gothic" panose="020B0502020202020204" pitchFamily="34" charset="0"/>
+            </a:endParaRPr>
+          </a:p>
+        </p:txBody>
+      </p:sp>
+      <p:sp>
+        <p:nvSpPr>
+          <p:cNvPr id="3" name="Content Placeholder 2">
+            <a:extLst>
+              <a:ext uri="{FF2B5EF4-FFF2-40B4-BE49-F238E27FC236}">
+                <a16:creationId xmlns:a16="http://schemas.microsoft.com/office/drawing/2014/main" id="{1DA4C5D6-D910-AE61-327C-1D5B1B4B9CB4}"/>
+              </a:ext>
+            </a:extLst>
+          </p:cNvPr>
+          <p:cNvSpPr>
+            <a:spLocks noGrp="1"/>
+          </p:cNvSpPr>
+          <p:nvPr>
+            <p:ph idx="1"/>
+          </p:nvPr>
+        </p:nvSpPr>
+        <p:spPr>
+          <a:xfrm>
+            <a:off x="1371600" y="1342571"/>
+            <a:ext cx="3282694" cy="4391255"/>
+          </a:xfrm>
+        </p:spPr>
+        <p:txBody>
+          <a:bodyPr>
+            <a:normAutofit fontScale="92500" lnSpcReduction="20000"/>
+          </a:bodyPr>
+          <a:lstStyle/>
+          <a:p>
+            <a:r>
+              <a:rPr lang="en-SG" sz="1400" b="1" i="0" dirty="0">
+                <a:effectLst/>
+                <a:latin typeface="Century Gothic" panose="020B0502020202020204" pitchFamily="34" charset="0"/>
+              </a:rPr>
+              <a:t>Overfitting and Underfitting Analysis:</a:t>
+            </a:r>
+            <a:endParaRPr lang="en-SG" sz="1400" b="0" i="0" dirty="0">
+              <a:effectLst/>
+              <a:latin typeface="Century Gothic" panose="020B0502020202020204" pitchFamily="34" charset="0"/>
+            </a:endParaRPr>
+          </a:p>
+          <a:p>
+            <a:pPr marL="800100" lvl="1" indent="-342900"/>
+            <a:r>
+              <a:rPr lang="en-SG" sz="1400" b="0" i="0" dirty="0">
+                <a:effectLst/>
+                <a:latin typeface="Century Gothic" panose="020B0502020202020204" pitchFamily="34" charset="0"/>
+              </a:rPr>
+              <a:t>Learning curves are used to evaluate model generalization</a:t>
+            </a:r>
+          </a:p>
+          <a:p>
+            <a:pPr lvl="1"/>
+            <a:r>
+              <a:rPr lang="en-SG" sz="1400" b="1" i="0" dirty="0">
+                <a:effectLst/>
+                <a:latin typeface="Century Gothic" panose="020B0502020202020204" pitchFamily="34" charset="0"/>
+              </a:rPr>
+              <a:t>Random Forest </a:t>
+            </a:r>
+            <a:r>
+              <a:rPr lang="en-SG" sz="1400" b="1" i="0" dirty="0" err="1">
+                <a:effectLst/>
+                <a:latin typeface="Century Gothic" panose="020B0502020202020204" pitchFamily="34" charset="0"/>
+              </a:rPr>
+              <a:t>Analysis:</a:t>
+            </a:r>
+            <a:r>
+              <a:rPr lang="en-SG" sz="1400" b="0" i="0" dirty="0" err="1">
+                <a:effectLst/>
+                <a:latin typeface="Century Gothic" panose="020B0502020202020204" pitchFamily="34" charset="0"/>
+              </a:rPr>
+              <a:t>Learning</a:t>
+            </a:r>
+            <a:r>
+              <a:rPr lang="en-SG" sz="1400" b="0" i="0" dirty="0">
+                <a:effectLst/>
+                <a:latin typeface="Century Gothic" panose="020B0502020202020204" pitchFamily="34" charset="0"/>
+              </a:rPr>
+              <a:t> Curve: Training and CV scores are consistent, suggesting no overfitting</a:t>
+            </a:r>
+          </a:p>
+          <a:p>
+            <a:pPr lvl="1"/>
+            <a:r>
+              <a:rPr lang="en-SG" sz="1400" b="1" i="0" dirty="0">
+                <a:effectLst/>
+                <a:latin typeface="Century Gothic" panose="020B0502020202020204" pitchFamily="34" charset="0"/>
+              </a:rPr>
+              <a:t>Decision Tree </a:t>
+            </a:r>
+            <a:r>
+              <a:rPr lang="en-SG" sz="1400" b="1" i="0" dirty="0" err="1">
+                <a:effectLst/>
+                <a:latin typeface="Century Gothic" panose="020B0502020202020204" pitchFamily="34" charset="0"/>
+              </a:rPr>
+              <a:t>Analysis:</a:t>
+            </a:r>
+            <a:r>
+              <a:rPr lang="en-SG" sz="1400" b="0" i="0" dirty="0" err="1">
+                <a:effectLst/>
+                <a:latin typeface="Century Gothic" panose="020B0502020202020204" pitchFamily="34" charset="0"/>
+              </a:rPr>
+              <a:t>Learning</a:t>
+            </a:r>
+            <a:r>
+              <a:rPr lang="en-SG" sz="1400" b="0" i="0" dirty="0">
+                <a:effectLst/>
+                <a:latin typeface="Century Gothic" panose="020B0502020202020204" pitchFamily="34" charset="0"/>
+              </a:rPr>
+              <a:t> Curve: High initial training score (potential overfitting) but improves with more data, indicating good generalization</a:t>
+            </a:r>
+          </a:p>
+          <a:p>
+            <a:r>
+              <a:rPr lang="en-SG" sz="1400" b="1" i="0" dirty="0">
+                <a:effectLst/>
+                <a:latin typeface="Century Gothic" panose="020B0502020202020204" pitchFamily="34" charset="0"/>
+              </a:rPr>
+              <a:t>Final Model Selection:</a:t>
+            </a:r>
+            <a:endParaRPr lang="en-SG" sz="1400" b="0" i="0" dirty="0">
+              <a:effectLst/>
+              <a:latin typeface="Century Gothic" panose="020B0502020202020204" pitchFamily="34" charset="0"/>
+            </a:endParaRPr>
+          </a:p>
+          <a:p>
+            <a:pPr marL="800100" lvl="1" indent="-342900"/>
+            <a:r>
+              <a:rPr lang="en-SG" sz="1400" b="0" i="0" dirty="0">
+                <a:effectLst/>
+                <a:latin typeface="Century Gothic" panose="020B0502020202020204" pitchFamily="34" charset="0"/>
+              </a:rPr>
+              <a:t>Decision Tree is selected based on its improving cross-validation score and ability to generalize with more data</a:t>
+            </a:r>
+          </a:p>
+          <a:p>
+            <a:pPr marL="530352" lvl="1" indent="0">
+              <a:buNone/>
+            </a:pPr>
+            <a:endParaRPr lang="en-SG" sz="1100" b="0" i="0" dirty="0">
+              <a:effectLst/>
+              <a:latin typeface="Inter"/>
+            </a:endParaRPr>
+          </a:p>
+          <a:p>
+            <a:endParaRPr lang="en-US" sz="1100" dirty="0"/>
+          </a:p>
+        </p:txBody>
+      </p:sp>
+      <p:pic>
+        <p:nvPicPr>
+          <p:cNvPr id="4" name="Picture 3">
+            <a:extLst>
+              <a:ext uri="{FF2B5EF4-FFF2-40B4-BE49-F238E27FC236}">
+                <a16:creationId xmlns:a16="http://schemas.microsoft.com/office/drawing/2014/main" id="{FA145DB2-68E6-E9E4-09F6-F209DED735AD}"/>
+              </a:ext>
+            </a:extLst>
+          </p:cNvPr>
+          <p:cNvPicPr>
+            <a:picLocks noChangeAspect="1"/>
+          </p:cNvPicPr>
+          <p:nvPr/>
+        </p:nvPicPr>
+        <p:blipFill>
+          <a:blip r:embed="rId2">
+            <a:extLst>
+              <a:ext uri="{28A0092B-C50C-407E-A947-70E740481C1C}">
+                <a14:useLocalDpi xmlns:a14="http://schemas.microsoft.com/office/drawing/2010/main" val="0"/>
+              </a:ext>
+            </a:extLst>
+          </a:blip>
+          <a:stretch>
+            <a:fillRect/>
+          </a:stretch>
+        </p:blipFill>
+        <p:spPr bwMode="auto">
+          <a:xfrm>
+            <a:off x="4654294" y="1403568"/>
+            <a:ext cx="7476900" cy="3850603"/>
+          </a:xfrm>
+          <a:prstGeom prst="rect">
+            <a:avLst/>
+          </a:prstGeom>
+          <a:noFill/>
+        </p:spPr>
+      </p:pic>
+    </p:spTree>
+    <p:extLst>
+      <p:ext uri="{BB962C8B-B14F-4D97-AF65-F5344CB8AC3E}">
+        <p14:creationId xmlns:p14="http://schemas.microsoft.com/office/powerpoint/2010/main" val="1571039621"/>
+      </p:ext>
+    </p:extLst>
+  </p:cSld>
+  <p:clrMapOvr>
+    <a:masterClrMapping/>
+  </p:clrMapOvr>
+</p:sld>
+</file>
+
+<file path=ppt/slides/slide13.xml><?xml version="1.0" encoding="utf-8"?>
+<p:sld xmlns:a="http://schemas.openxmlformats.org/drawingml/2006/main" xmlns:r="http://schemas.openxmlformats.org/officeDocument/2006/relationships" xmlns:p="http://schemas.openxmlformats.org/presentationml/2006/main">
+  <p:cSld>
+    <p:bg>
+      <p:bgPr>
+        <a:solidFill>
+          <a:schemeClr val="bg2"/>
+        </a:solidFill>
+        <a:effectLst/>
+      </p:bgPr>
+    </p:bg>
+    <p:spTree>
+      <p:nvGrpSpPr>
+        <p:cNvPr id="1" name=""/>
+        <p:cNvGrpSpPr/>
+        <p:nvPr/>
+      </p:nvGrpSpPr>
+      <p:grpSpPr>
+        <a:xfrm>
+          <a:off x="0" y="0"/>
+          <a:ext cx="0" cy="0"/>
+          <a:chOff x="0" y="0"/>
+          <a:chExt cx="0" cy="0"/>
+        </a:xfrm>
+      </p:grpSpPr>
+      <p:sp>
+        <p:nvSpPr>
+          <p:cNvPr id="2" name="Title 1">
+            <a:extLst>
+              <a:ext uri="{FF2B5EF4-FFF2-40B4-BE49-F238E27FC236}">
+                <a16:creationId xmlns:a16="http://schemas.microsoft.com/office/drawing/2014/main" id="{BFD538B8-20B9-670A-14A7-14F72DD9EFF5}"/>
+              </a:ext>
+            </a:extLst>
+          </p:cNvPr>
+          <p:cNvSpPr>
+            <a:spLocks noGrp="1"/>
+          </p:cNvSpPr>
+          <p:nvPr>
+            <p:ph type="title"/>
+          </p:nvPr>
+        </p:nvSpPr>
+        <p:spPr>
+          <a:xfrm>
+            <a:off x="1371600" y="685800"/>
+            <a:ext cx="10145486" cy="1485900"/>
+          </a:xfrm>
+        </p:spPr>
+        <p:txBody>
+          <a:bodyPr>
+            <a:normAutofit/>
+          </a:bodyPr>
+          <a:lstStyle/>
+          <a:p>
+            <a:r>
+              <a:rPr lang="en-SG" sz="3400" i="0" dirty="0">
+                <a:effectLst/>
+                <a:latin typeface="Century Gothic" panose="020B0502020202020204" pitchFamily="34" charset="0"/>
+              </a:rPr>
+              <a:t>Final Model Fitting and Feature Importance</a:t>
+            </a:r>
+          </a:p>
+        </p:txBody>
+      </p:sp>
+      <p:sp>
+        <p:nvSpPr>
+          <p:cNvPr id="9" name="Rectangle 8">
+            <a:extLst>
+              <a:ext uri="{FF2B5EF4-FFF2-40B4-BE49-F238E27FC236}">
+                <a16:creationId xmlns:a16="http://schemas.microsoft.com/office/drawing/2014/main" id="{A67E2D8A-19BE-48A0-889C-CCAC02348C99}"/>
+              </a:ext>
+              <a:ext uri="{C183D7F6-B498-43B3-948B-1728B52AA6E4}">
+                <adec:decorative xmlns:adec="http://schemas.microsoft.com/office/drawing/2017/decorative" val="1"/>
+              </a:ext>
+            </a:extLst>
+          </p:cNvPr>
+          <p:cNvSpPr>
+            <a:spLocks noGrp="1" noRot="1" noChangeAspect="1" noMove="1" noResize="1" noEditPoints="1" noAdjustHandles="1" noChangeArrowheads="1" noChangeShapeType="1" noTextEdit="1"/>
+          </p:cNvSpPr>
+          <p:nvPr>
+            <p:extLst>
+              <p:ext uri="{386F3935-93C4-4BCD-93E2-E3B085C9AB24}">
+                <p16:designElem xmlns:p16="http://schemas.microsoft.com/office/powerpoint/2015/main" val="1"/>
+              </p:ext>
+            </p:extLst>
+          </p:nvPr>
+        </p:nvSpPr>
+        <p:spPr>
+          <a:xfrm>
+            <a:off x="478095" y="376"/>
+            <a:ext cx="228600" cy="6858000"/>
+          </a:xfrm>
+          <a:prstGeom prst="rect">
+            <a:avLst/>
+          </a:prstGeom>
+          <a:solidFill>
+            <a:schemeClr val="tx2"/>
+          </a:solidFill>
+          <a:ln>
+            <a:noFill/>
+          </a:ln>
+        </p:spPr>
+        <p:style>
+          <a:lnRef idx="2">
+            <a:schemeClr val="accent1">
+              <a:shade val="50000"/>
+            </a:schemeClr>
+          </a:lnRef>
+          <a:fillRef idx="1">
+            <a:schemeClr val="accent1"/>
+          </a:fillRef>
+          <a:effectRef idx="0">
+            <a:schemeClr val="accent1"/>
+          </a:effectRef>
+          <a:fontRef idx="minor">
+            <a:schemeClr val="lt1"/>
+          </a:fontRef>
+        </p:style>
+        <p:txBody>
+          <a:bodyPr/>
+          <a:lstStyle/>
+          <a:p>
+            <a:endParaRPr lang="en-US"/>
+          </a:p>
+        </p:txBody>
+      </p:sp>
+      <p:pic>
+        <p:nvPicPr>
+          <p:cNvPr id="4" name="Picture 3" descr="A screenshot of a computer screen&#10;&#10;Description automatically generated">
+            <a:extLst>
+              <a:ext uri="{FF2B5EF4-FFF2-40B4-BE49-F238E27FC236}">
+                <a16:creationId xmlns:a16="http://schemas.microsoft.com/office/drawing/2014/main" id="{A0ABD04A-4195-9434-380C-7BBF28616E17}"/>
+              </a:ext>
+            </a:extLst>
+          </p:cNvPr>
+          <p:cNvPicPr>
+            <a:picLocks noChangeAspect="1"/>
+          </p:cNvPicPr>
+          <p:nvPr/>
+        </p:nvPicPr>
+        <p:blipFill>
+          <a:blip r:embed="rId2">
+            <a:extLst>
+              <a:ext uri="{28A0092B-C50C-407E-A947-70E740481C1C}">
+                <a14:useLocalDpi xmlns:a14="http://schemas.microsoft.com/office/drawing/2010/main" val="0"/>
+              </a:ext>
+            </a:extLst>
+          </a:blip>
+          <a:stretch>
+            <a:fillRect/>
+          </a:stretch>
+        </p:blipFill>
+        <p:spPr bwMode="auto">
+          <a:xfrm>
+            <a:off x="730830" y="1609934"/>
+            <a:ext cx="5349107" cy="2366979"/>
+          </a:xfrm>
+          <a:prstGeom prst="rect">
+            <a:avLst/>
+          </a:prstGeom>
+          <a:noFill/>
+        </p:spPr>
+      </p:pic>
+      <p:sp>
+        <p:nvSpPr>
+          <p:cNvPr id="3" name="Content Placeholder 2">
+            <a:extLst>
+              <a:ext uri="{FF2B5EF4-FFF2-40B4-BE49-F238E27FC236}">
+                <a16:creationId xmlns:a16="http://schemas.microsoft.com/office/drawing/2014/main" id="{1DA4C5D6-D910-AE61-327C-1D5B1B4B9CB4}"/>
+              </a:ext>
+            </a:extLst>
+          </p:cNvPr>
+          <p:cNvSpPr>
+            <a:spLocks noGrp="1"/>
+          </p:cNvSpPr>
+          <p:nvPr>
+            <p:ph idx="1"/>
+          </p:nvPr>
+        </p:nvSpPr>
+        <p:spPr>
+          <a:xfrm>
+            <a:off x="6227221" y="1436914"/>
+            <a:ext cx="5790608" cy="4735286"/>
+          </a:xfrm>
+        </p:spPr>
+        <p:txBody>
+          <a:bodyPr>
+            <a:normAutofit/>
+          </a:bodyPr>
+          <a:lstStyle/>
+          <a:p>
+            <a:pPr marL="0" indent="0">
+              <a:buNone/>
+            </a:pPr>
+            <a:r>
+              <a:rPr lang="en-SG" sz="1100" b="1" i="0" dirty="0">
+                <a:effectLst/>
+                <a:latin typeface="Century Gothic" panose="020B0502020202020204" pitchFamily="34" charset="0"/>
+              </a:rPr>
+              <a:t>Feature Importance:</a:t>
+            </a:r>
+          </a:p>
+          <a:p>
+            <a:pPr marL="742950" lvl="1" indent="-285750">
+              <a:buFont typeface="+mj-lt"/>
+              <a:buAutoNum type="arabicPeriod"/>
+            </a:pPr>
+            <a:r>
+              <a:rPr lang="en-SG" sz="1100" i="0" dirty="0">
+                <a:effectLst/>
+                <a:latin typeface="Century Gothic" panose="020B0502020202020204" pitchFamily="34" charset="0"/>
+              </a:rPr>
+              <a:t>Key Predictive Features: Victim descent and crime type</a:t>
+            </a:r>
+          </a:p>
+          <a:p>
+            <a:pPr marL="742950" lvl="1" indent="-285750">
+              <a:buFont typeface="+mj-lt"/>
+              <a:buAutoNum type="arabicPeriod"/>
+            </a:pPr>
+            <a:r>
+              <a:rPr lang="en-SG" sz="1100" i="0" dirty="0">
+                <a:effectLst/>
+                <a:latin typeface="Century Gothic" panose="020B0502020202020204" pitchFamily="34" charset="0"/>
+              </a:rPr>
+              <a:t>High Importance: Indicating these features greatly influence crime rate predictions</a:t>
+            </a:r>
+          </a:p>
+          <a:p>
+            <a:pPr marL="0" indent="0">
+              <a:buNone/>
+            </a:pPr>
+            <a:r>
+              <a:rPr lang="en-SG" sz="1100" b="1" i="0" dirty="0">
+                <a:effectLst/>
+                <a:latin typeface="Century Gothic" panose="020B0502020202020204" pitchFamily="34" charset="0"/>
+              </a:rPr>
+              <a:t>Model Prediction Accuracy by Crime Type:</a:t>
+            </a:r>
+          </a:p>
+          <a:p>
+            <a:pPr marL="742950" lvl="1" indent="-285750">
+              <a:buFont typeface="+mj-lt"/>
+              <a:buAutoNum type="arabicPeriod"/>
+            </a:pPr>
+            <a:r>
+              <a:rPr lang="en-SG" sz="1100" i="0" dirty="0">
+                <a:effectLst/>
+                <a:latin typeface="Century Gothic" panose="020B0502020202020204" pitchFamily="34" charset="0"/>
+              </a:rPr>
+              <a:t>Battery - Simple Assault: Predictions slightly higher than actual rates</a:t>
+            </a:r>
+          </a:p>
+          <a:p>
+            <a:pPr marL="742950" lvl="1" indent="-285750">
+              <a:buFont typeface="+mj-lt"/>
+              <a:buAutoNum type="arabicPeriod"/>
+            </a:pPr>
+            <a:r>
+              <a:rPr lang="en-SG" sz="1100" i="0" dirty="0">
+                <a:effectLst/>
+                <a:latin typeface="Century Gothic" panose="020B0502020202020204" pitchFamily="34" charset="0"/>
+              </a:rPr>
+              <a:t>Burglary: Predictions slightly higher than actual</a:t>
+            </a:r>
+          </a:p>
+          <a:p>
+            <a:pPr marL="742950" lvl="1" indent="-285750">
+              <a:buFont typeface="+mj-lt"/>
+              <a:buAutoNum type="arabicPeriod"/>
+            </a:pPr>
+            <a:r>
+              <a:rPr lang="en-SG" sz="1100" i="0" dirty="0">
+                <a:effectLst/>
+                <a:latin typeface="Century Gothic" panose="020B0502020202020204" pitchFamily="34" charset="0"/>
+              </a:rPr>
+              <a:t>Burglary from Vehicle: Predictions slightly lower than actual</a:t>
+            </a:r>
+          </a:p>
+          <a:p>
+            <a:pPr marL="742950" lvl="1" indent="-285750">
+              <a:buFont typeface="+mj-lt"/>
+              <a:buAutoNum type="arabicPeriod"/>
+            </a:pPr>
+            <a:r>
+              <a:rPr lang="en-SG" sz="1100" i="0" dirty="0">
+                <a:effectLst/>
+                <a:latin typeface="Century Gothic" panose="020B0502020202020204" pitchFamily="34" charset="0"/>
+              </a:rPr>
+              <a:t>Theft Plain - Petty: Predictions slightly higher than actual</a:t>
+            </a:r>
+          </a:p>
+          <a:p>
+            <a:pPr marL="742950" lvl="1" indent="-285750">
+              <a:buFont typeface="+mj-lt"/>
+              <a:buAutoNum type="arabicPeriod"/>
+            </a:pPr>
+            <a:r>
+              <a:rPr lang="en-SG" sz="1100" i="0" dirty="0">
+                <a:effectLst/>
+                <a:latin typeface="Century Gothic" panose="020B0502020202020204" pitchFamily="34" charset="0"/>
+              </a:rPr>
+              <a:t>Vehicle - Stolen: Predictions significantly lower, indicating an area for improvement</a:t>
+            </a:r>
+            <a:br>
+              <a:rPr lang="en-SG" sz="1100" b="0" i="0" dirty="0">
+                <a:effectLst/>
+                <a:latin typeface="Inter"/>
+              </a:rPr>
+            </a:br>
+            <a:endParaRPr lang="en-SG" sz="1100" b="0" i="0" dirty="0">
+              <a:effectLst/>
+              <a:latin typeface="Inter"/>
+            </a:endParaRPr>
+          </a:p>
+          <a:p>
+            <a:endParaRPr lang="en-US" sz="1100" dirty="0"/>
+          </a:p>
+        </p:txBody>
+      </p:sp>
+    </p:spTree>
+    <p:extLst>
+      <p:ext uri="{BB962C8B-B14F-4D97-AF65-F5344CB8AC3E}">
+        <p14:creationId xmlns:p14="http://schemas.microsoft.com/office/powerpoint/2010/main" val="3859184433"/>
+      </p:ext>
+    </p:extLst>
+  </p:cSld>
+  <p:clrMapOvr>
+    <a:masterClrMapping/>
+  </p:clrMapOvr>
+</p:sld>
+</file>
+
+<file path=ppt/slides/slide14.xml><?xml version="1.0" encoding="utf-8"?>
+<p:sld xmlns:a="http://schemas.openxmlformats.org/drawingml/2006/main" xmlns:r="http://schemas.openxmlformats.org/officeDocument/2006/relationships" xmlns:p="http://schemas.openxmlformats.org/presentationml/2006/main">
+  <p:cSld>
+    <p:bg>
+      <p:bgPr>
+        <a:solidFill>
+          <a:schemeClr val="bg2"/>
+        </a:solidFill>
+        <a:effectLst/>
+      </p:bgPr>
+    </p:bg>
+    <p:spTree>
+      <p:nvGrpSpPr>
+        <p:cNvPr id="1" name=""/>
+        <p:cNvGrpSpPr/>
+        <p:nvPr/>
+      </p:nvGrpSpPr>
+      <p:grpSpPr>
+        <a:xfrm>
+          <a:off x="0" y="0"/>
+          <a:ext cx="0" cy="0"/>
+          <a:chOff x="0" y="0"/>
+          <a:chExt cx="0" cy="0"/>
+        </a:xfrm>
+      </p:grpSpPr>
+      <p:sp>
+        <p:nvSpPr>
+          <p:cNvPr id="11" name="Rectangle 10">
+            <a:extLst>
+              <a:ext uri="{FF2B5EF4-FFF2-40B4-BE49-F238E27FC236}">
+                <a16:creationId xmlns:a16="http://schemas.microsoft.com/office/drawing/2014/main" id="{B98CA5AE-F2E4-4A6F-B986-89804B1EC016}"/>
+              </a:ext>
+              <a:ext uri="{C183D7F6-B498-43B3-948B-1728B52AA6E4}">
+                <adec:decorative xmlns:adec="http://schemas.microsoft.com/office/drawing/2017/decorative" val="1"/>
+              </a:ext>
+            </a:extLst>
+          </p:cNvPr>
+          <p:cNvSpPr>
+            <a:spLocks noGrp="1" noRot="1" noChangeAspect="1" noMove="1" noResize="1" noEditPoints="1" noAdjustHandles="1" noChangeArrowheads="1" noChangeShapeType="1" noTextEdit="1"/>
+          </p:cNvSpPr>
+          <p:nvPr>
+            <p:extLst>
+              <p:ext uri="{386F3935-93C4-4BCD-93E2-E3B085C9AB24}">
+                <p16:designElem xmlns:p16="http://schemas.microsoft.com/office/powerpoint/2015/main" val="1"/>
+              </p:ext>
+            </p:extLst>
+          </p:nvPr>
+        </p:nvSpPr>
+        <p:spPr>
+          <a:xfrm>
+            <a:off x="0" y="0"/>
+            <a:ext cx="12192000" cy="6858000"/>
+          </a:xfrm>
+          <a:prstGeom prst="rect">
+            <a:avLst/>
+          </a:prstGeom>
+          <a:solidFill>
+            <a:schemeClr val="bg2"/>
+          </a:solidFill>
+          <a:ln>
+            <a:noFill/>
+          </a:ln>
+        </p:spPr>
+        <p:style>
+          <a:lnRef idx="2">
+            <a:schemeClr val="accent1">
+              <a:shade val="50000"/>
+            </a:schemeClr>
+          </a:lnRef>
+          <a:fillRef idx="1">
+            <a:schemeClr val="accent1"/>
+          </a:fillRef>
+          <a:effectRef idx="0">
+            <a:schemeClr val="accent1"/>
+          </a:effectRef>
+          <a:fontRef idx="minor">
+            <a:schemeClr val="lt1"/>
+          </a:fontRef>
+        </p:style>
+        <p:txBody>
+          <a:bodyPr rtlCol="0" anchor="ctr"/>
+          <a:lstStyle/>
+          <a:p>
+            <a:pPr algn="ctr"/>
+            <a:endParaRPr lang="en-US"/>
+          </a:p>
+        </p:txBody>
+      </p:sp>
+      <p:sp>
+        <p:nvSpPr>
+          <p:cNvPr id="2" name="Title 1">
+            <a:extLst>
+              <a:ext uri="{FF2B5EF4-FFF2-40B4-BE49-F238E27FC236}">
                 <a16:creationId xmlns:a16="http://schemas.microsoft.com/office/drawing/2014/main" id="{2CDEF45D-BF09-19BE-E029-1642109FF6B8}"/>
               </a:ext>
             </a:extLst>
@@ -4026,12 +6317,45 @@
             <p:ph type="title"/>
           </p:nvPr>
         </p:nvSpPr>
-        <p:spPr/>
-        <p:txBody>
-          <a:bodyPr/>
+        <p:spPr>
+          <a:xfrm>
+            <a:off x="115941" y="400050"/>
+            <a:ext cx="7534423" cy="1485900"/>
+          </a:xfrm>
+        </p:spPr>
+        <p:txBody>
+          <a:bodyPr>
+            <a:normAutofit/>
+          </a:bodyPr>
           <a:lstStyle/>
           <a:p>
-            <a:endParaRPr lang="en-US"/>
+            <a:r>
+              <a:rPr lang="en-SG" sz="2400" i="0" dirty="0">
+                <a:effectLst/>
+                <a:latin typeface="Century Gothic" panose="020B0502020202020204" pitchFamily="34" charset="0"/>
+              </a:rPr>
+              <a:t>Predictive Performance </a:t>
+            </a:r>
+            <a:br>
+              <a:rPr lang="en-SG" sz="2400" i="0" dirty="0">
+                <a:effectLst/>
+                <a:latin typeface="Century Gothic" panose="020B0502020202020204" pitchFamily="34" charset="0"/>
+              </a:rPr>
+            </a:br>
+            <a:r>
+              <a:rPr lang="en-SG" sz="2400" i="0" dirty="0">
+                <a:effectLst/>
+                <a:latin typeface="Century Gothic" panose="020B0502020202020204" pitchFamily="34" charset="0"/>
+              </a:rPr>
+              <a:t>by Descent, Area, and Day of the Week</a:t>
+            </a:r>
+            <a:br>
+              <a:rPr lang="en-SG" sz="2400" b="1" i="0" dirty="0">
+                <a:effectLst/>
+                <a:latin typeface="Söhne"/>
+              </a:rPr>
+            </a:br>
+            <a:endParaRPr lang="en-US" sz="2400" dirty="0"/>
           </a:p>
         </p:txBody>
       </p:sp>
@@ -4051,7 +6375,269 @@
             <p:ph idx="1"/>
           </p:nvPr>
         </p:nvSpPr>
-        <p:spPr/>
+        <p:spPr>
+          <a:xfrm>
+            <a:off x="436400" y="1390651"/>
+            <a:ext cx="6690114" cy="4066720"/>
+          </a:xfrm>
+        </p:spPr>
+        <p:txBody>
+          <a:bodyPr>
+            <a:normAutofit/>
+          </a:bodyPr>
+          <a:lstStyle/>
+          <a:p>
+            <a:pPr>
+              <a:buFont typeface="+mj-lt"/>
+              <a:buAutoNum type="arabicPeriod"/>
+            </a:pPr>
+            <a:r>
+              <a:rPr lang="en-SG" sz="1300" b="1" i="0" dirty="0">
+                <a:effectLst/>
+                <a:latin typeface="Century Gothic" panose="020B0502020202020204" pitchFamily="34" charset="0"/>
+              </a:rPr>
+              <a:t>Accuracy Across Descent Groups:</a:t>
+            </a:r>
+            <a:endParaRPr lang="en-SG" sz="1300" b="0" i="0" dirty="0">
+              <a:effectLst/>
+              <a:latin typeface="Century Gothic" panose="020B0502020202020204" pitchFamily="34" charset="0"/>
+            </a:endParaRPr>
+          </a:p>
+          <a:p>
+            <a:pPr marL="742950" lvl="1" indent="-285750"/>
+            <a:r>
+              <a:rPr lang="en-SG" sz="1300" b="0" i="0" dirty="0">
+                <a:effectLst/>
+                <a:latin typeface="Century Gothic" panose="020B0502020202020204" pitchFamily="34" charset="0"/>
+              </a:rPr>
+              <a:t>Overestimations: American Indian/Alaskan Native, Asian Indian, Guamanian</a:t>
+            </a:r>
+          </a:p>
+          <a:p>
+            <a:pPr marL="742950" lvl="1" indent="-285750"/>
+            <a:r>
+              <a:rPr lang="en-SG" sz="1300" b="0" i="0" dirty="0">
+                <a:effectLst/>
+                <a:latin typeface="Century Gothic" panose="020B0502020202020204" pitchFamily="34" charset="0"/>
+              </a:rPr>
+              <a:t>Close Predictions: Hispanic/Latin/Mexican</a:t>
+            </a:r>
+          </a:p>
+          <a:p>
+            <a:pPr marL="742950" lvl="1" indent="-285750"/>
+            <a:r>
+              <a:rPr lang="en-SG" sz="1300" b="0" i="0" dirty="0">
+                <a:effectLst/>
+                <a:latin typeface="Century Gothic" panose="020B0502020202020204" pitchFamily="34" charset="0"/>
+              </a:rPr>
+              <a:t>Underestimation: "Unknown" descent group</a:t>
+            </a:r>
+          </a:p>
+          <a:p>
+            <a:pPr>
+              <a:buFont typeface="+mj-lt"/>
+              <a:buAutoNum type="arabicPeriod"/>
+            </a:pPr>
+            <a:r>
+              <a:rPr lang="en-SG" sz="1300" b="1" i="0" dirty="0">
+                <a:effectLst/>
+                <a:latin typeface="Century Gothic" panose="020B0502020202020204" pitchFamily="34" charset="0"/>
+              </a:rPr>
+              <a:t>Actual vs. Predicted Crime Rates by Area:</a:t>
+            </a:r>
+            <a:endParaRPr lang="en-SG" sz="1300" b="0" i="0" dirty="0">
+              <a:effectLst/>
+              <a:latin typeface="Century Gothic" panose="020B0502020202020204" pitchFamily="34" charset="0"/>
+            </a:endParaRPr>
+          </a:p>
+          <a:p>
+            <a:pPr marL="742950" lvl="1" indent="-285750"/>
+            <a:r>
+              <a:rPr lang="en-SG" sz="1300" b="0" i="0" dirty="0">
+                <a:effectLst/>
+                <a:latin typeface="Century Gothic" panose="020B0502020202020204" pitchFamily="34" charset="0"/>
+              </a:rPr>
+              <a:t>Higher Actual Rates: 77th Street, Hollenbeck, Mission, Newton, Van Nuys</a:t>
+            </a:r>
+          </a:p>
+          <a:p>
+            <a:pPr marL="742950" lvl="1" indent="-285750"/>
+            <a:r>
+              <a:rPr lang="en-SG" sz="1300" b="0" i="0" dirty="0">
+                <a:effectLst/>
+                <a:latin typeface="Century Gothic" panose="020B0502020202020204" pitchFamily="34" charset="0"/>
+              </a:rPr>
+              <a:t>Higher Predicted Rates: Central, Foothill, Olympic, West Valley</a:t>
+            </a:r>
+          </a:p>
+          <a:p>
+            <a:pPr>
+              <a:buFont typeface="+mj-lt"/>
+              <a:buAutoNum type="arabicPeriod"/>
+            </a:pPr>
+            <a:r>
+              <a:rPr lang="en-SG" sz="1300" b="1" i="0" dirty="0">
+                <a:effectLst/>
+                <a:latin typeface="Century Gothic" panose="020B0502020202020204" pitchFamily="34" charset="0"/>
+              </a:rPr>
+              <a:t>Prediction Variance by Day of the Week:</a:t>
+            </a:r>
+            <a:endParaRPr lang="en-SG" sz="1300" b="0" i="0" dirty="0">
+              <a:effectLst/>
+              <a:latin typeface="Century Gothic" panose="020B0502020202020204" pitchFamily="34" charset="0"/>
+            </a:endParaRPr>
+          </a:p>
+          <a:p>
+            <a:pPr marL="742950" lvl="1" indent="-285750"/>
+            <a:r>
+              <a:rPr lang="en-SG" sz="1300" b="0" i="0" dirty="0">
+                <a:effectLst/>
+                <a:latin typeface="Century Gothic" panose="020B0502020202020204" pitchFamily="34" charset="0"/>
+              </a:rPr>
+              <a:t>Higher Actual Weekend Rates: Fridays and Sundays</a:t>
+            </a:r>
+          </a:p>
+          <a:p>
+            <a:pPr marL="742950" lvl="1" indent="-285750"/>
+            <a:r>
+              <a:rPr lang="en-SG" sz="1300" b="0" i="0" dirty="0">
+                <a:effectLst/>
+                <a:latin typeface="Century Gothic" panose="020B0502020202020204" pitchFamily="34" charset="0"/>
+              </a:rPr>
+              <a:t>Alternating Over and Under Predictions: During weekdays</a:t>
+            </a:r>
+          </a:p>
+          <a:p>
+            <a:endParaRPr lang="en-US" sz="1300" dirty="0"/>
+          </a:p>
+        </p:txBody>
+      </p:sp>
+      <p:pic>
+        <p:nvPicPr>
+          <p:cNvPr id="6" name="Picture 5" descr="A graph with lines and a red line&#10;&#10;Description automatically generated with medium confidence">
+            <a:extLst>
+              <a:ext uri="{FF2B5EF4-FFF2-40B4-BE49-F238E27FC236}">
+                <a16:creationId xmlns:a16="http://schemas.microsoft.com/office/drawing/2014/main" id="{987DB2B2-3866-EBEB-04C3-A152FF7560AC}"/>
+              </a:ext>
+            </a:extLst>
+          </p:cNvPr>
+          <p:cNvPicPr>
+            <a:picLocks noChangeAspect="1"/>
+          </p:cNvPicPr>
+          <p:nvPr/>
+        </p:nvPicPr>
+        <p:blipFill rotWithShape="1">
+          <a:blip r:embed="rId2">
+            <a:extLst>
+              <a:ext uri="{28A0092B-C50C-407E-A947-70E740481C1C}">
+                <a14:useLocalDpi xmlns:a14="http://schemas.microsoft.com/office/drawing/2010/main" val="0"/>
+              </a:ext>
+            </a:extLst>
+          </a:blip>
+          <a:srcRect r="-2" b="4404"/>
+          <a:stretch/>
+        </p:blipFill>
+        <p:spPr bwMode="auto">
+          <a:xfrm>
+            <a:off x="7766304" y="2281428"/>
+            <a:ext cx="4425696" cy="2295144"/>
+          </a:xfrm>
+          <a:prstGeom prst="rect">
+            <a:avLst/>
+          </a:prstGeom>
+          <a:noFill/>
+        </p:spPr>
+      </p:pic>
+      <p:pic>
+        <p:nvPicPr>
+          <p:cNvPr id="4" name="Picture 3" descr="A graph with lines and dots&#10;&#10;Description automatically generated with medium confidence">
+            <a:extLst>
+              <a:ext uri="{FF2B5EF4-FFF2-40B4-BE49-F238E27FC236}">
+                <a16:creationId xmlns:a16="http://schemas.microsoft.com/office/drawing/2014/main" id="{2724A4F5-3325-6119-E3C7-846FC867454C}"/>
+              </a:ext>
+            </a:extLst>
+          </p:cNvPr>
+          <p:cNvPicPr>
+            <a:picLocks noChangeAspect="1"/>
+          </p:cNvPicPr>
+          <p:nvPr/>
+        </p:nvPicPr>
+        <p:blipFill rotWithShape="1">
+          <a:blip r:embed="rId3">
+            <a:extLst>
+              <a:ext uri="{28A0092B-C50C-407E-A947-70E740481C1C}">
+                <a14:useLocalDpi xmlns:a14="http://schemas.microsoft.com/office/drawing/2010/main" val="0"/>
+              </a:ext>
+            </a:extLst>
+          </a:blip>
+          <a:srcRect r="-3" b="18680"/>
+          <a:stretch/>
+        </p:blipFill>
+        <p:spPr bwMode="auto">
+          <a:xfrm>
+            <a:off x="7764663" y="10"/>
+            <a:ext cx="4427336" cy="2295134"/>
+          </a:xfrm>
+          <a:prstGeom prst="rect">
+            <a:avLst/>
+          </a:prstGeom>
+          <a:noFill/>
+        </p:spPr>
+      </p:pic>
+      <p:sp>
+        <p:nvSpPr>
+          <p:cNvPr id="13" name="Rectangle 12">
+            <a:extLst>
+              <a:ext uri="{FF2B5EF4-FFF2-40B4-BE49-F238E27FC236}">
+                <a16:creationId xmlns:a16="http://schemas.microsoft.com/office/drawing/2014/main" id="{E67E3959-D0D8-49DB-A48B-CE4FC36871C5}"/>
+              </a:ext>
+              <a:ext uri="{C183D7F6-B498-43B3-948B-1728B52AA6E4}">
+                <adec:decorative xmlns:adec="http://schemas.microsoft.com/office/drawing/2017/decorative" val="1"/>
+              </a:ext>
+            </a:extLst>
+          </p:cNvPr>
+          <p:cNvSpPr>
+            <a:spLocks noGrp="1" noRot="1" noChangeAspect="1" noMove="1" noResize="1" noEditPoints="1" noAdjustHandles="1" noChangeArrowheads="1" noChangeShapeType="1" noTextEdit="1"/>
+          </p:cNvSpPr>
+          <p:nvPr>
+            <p:extLst>
+              <p:ext uri="{386F3935-93C4-4BCD-93E2-E3B085C9AB24}">
+                <p16:designElem xmlns:p16="http://schemas.microsoft.com/office/powerpoint/2015/main" val="1"/>
+              </p:ext>
+            </p:extLst>
+          </p:nvPr>
+        </p:nvSpPr>
+        <p:spPr>
+          <a:xfrm>
+            <a:off x="7536064" y="0"/>
+            <a:ext cx="228600" cy="6858000"/>
+          </a:xfrm>
+          <a:prstGeom prst="rect">
+            <a:avLst/>
+          </a:prstGeom>
+          <a:solidFill>
+            <a:schemeClr val="tx2"/>
+          </a:solidFill>
+          <a:ln>
+            <a:noFill/>
+          </a:ln>
+        </p:spPr>
+        <p:style>
+          <a:lnRef idx="2">
+            <a:schemeClr val="accent1">
+              <a:shade val="50000"/>
+            </a:schemeClr>
+          </a:lnRef>
+          <a:fillRef idx="1">
+            <a:schemeClr val="accent1"/>
+          </a:fillRef>
+          <a:effectRef idx="0">
+            <a:schemeClr val="accent1"/>
+          </a:effectRef>
+          <a:fontRef idx="minor">
+            <a:schemeClr val="lt1"/>
+          </a:fontRef>
+        </p:style>
         <p:txBody>
           <a:bodyPr/>
           <a:lstStyle/>
@@ -4060,6 +6646,42 @@
           </a:p>
         </p:txBody>
       </p:sp>
+      <p:pic>
+        <p:nvPicPr>
+          <p:cNvPr id="5" name="Picture 4" descr="A graph with lines and points&#10;&#10;Description automatically generated with medium confidence">
+            <a:extLst>
+              <a:ext uri="{FF2B5EF4-FFF2-40B4-BE49-F238E27FC236}">
+                <a16:creationId xmlns:a16="http://schemas.microsoft.com/office/drawing/2014/main" id="{CAB5477D-EC8F-49D3-339A-C57D72B41DB0}"/>
+              </a:ext>
+            </a:extLst>
+          </p:cNvPr>
+          <p:cNvPicPr>
+            <a:picLocks noChangeAspect="1"/>
+          </p:cNvPicPr>
+          <p:nvPr/>
+        </p:nvPicPr>
+        <p:blipFill rotWithShape="1">
+          <a:blip r:embed="rId4">
+            <a:extLst>
+              <a:ext uri="{28A0092B-C50C-407E-A947-70E740481C1C}">
+                <a14:useLocalDpi xmlns:a14="http://schemas.microsoft.com/office/drawing/2010/main" val="0"/>
+              </a:ext>
+            </a:extLst>
+          </a:blip>
+          <a:srcRect r="-3" b="5709"/>
+          <a:stretch/>
+        </p:blipFill>
+        <p:spPr bwMode="auto">
+          <a:xfrm>
+            <a:off x="7764664" y="4576572"/>
+            <a:ext cx="4427336" cy="2295958"/>
+          </a:xfrm>
+          <a:prstGeom prst="rect">
+            <a:avLst/>
+          </a:prstGeom>
+          <a:noFill/>
+        </p:spPr>
+      </p:pic>
     </p:spTree>
     <p:extLst>
       <p:ext uri="{BB962C8B-B14F-4D97-AF65-F5344CB8AC3E}">
@@ -4073,7 +6695,7 @@
 </p:sld>
 </file>
 
-<file path=ppt/slides/slide12.xml><?xml version="1.0" encoding="utf-8"?>
+<file path=ppt/slides/slide15.xml><?xml version="1.0" encoding="utf-8"?>
 <p:sld xmlns:a="http://schemas.openxmlformats.org/drawingml/2006/main" xmlns:r="http://schemas.openxmlformats.org/officeDocument/2006/relationships" xmlns:p="http://schemas.openxmlformats.org/presentationml/2006/main">
   <p:cSld>
     <p:spTree>
@@ -4108,10 +6730,24 @@
         </p:nvSpPr>
         <p:spPr/>
         <p:txBody>
-          <a:bodyPr/>
+          <a:bodyPr>
+            <a:normAutofit/>
+          </a:bodyPr>
           <a:lstStyle/>
           <a:p>
-            <a:endParaRPr lang="en-US"/>
+            <a:r>
+              <a:rPr lang="en-SG" sz="3500" i="0" dirty="0">
+                <a:solidFill>
+                  <a:srgbClr val="374151"/>
+                </a:solidFill>
+                <a:effectLst/>
+                <a:latin typeface="Century Gothic" panose="020B0502020202020204" pitchFamily="34" charset="0"/>
+              </a:rPr>
+              <a:t>General Trends and Future Improvements</a:t>
+            </a:r>
+            <a:endParaRPr lang="en-US" sz="3500" dirty="0">
+              <a:latin typeface="Century Gothic" panose="020B0502020202020204" pitchFamily="34" charset="0"/>
+            </a:endParaRPr>
           </a:p>
         </p:txBody>
       </p:sp>
@@ -4131,12 +6767,99 @@
             <p:ph idx="1"/>
           </p:nvPr>
         </p:nvSpPr>
-        <p:spPr/>
-        <p:txBody>
-          <a:bodyPr/>
+        <p:spPr>
+          <a:xfrm>
+            <a:off x="1586753" y="2187836"/>
+            <a:ext cx="9601200" cy="3581400"/>
+          </a:xfrm>
+        </p:spPr>
+        <p:txBody>
+          <a:bodyPr>
+            <a:normAutofit/>
+          </a:bodyPr>
           <a:lstStyle/>
           <a:p>
-            <a:endParaRPr lang="en-US"/>
+            <a:pPr algn="l">
+              <a:buFont typeface="Arial" panose="020B0604020202020204" pitchFamily="34" charset="0"/>
+              <a:buChar char="•"/>
+            </a:pPr>
+            <a:r>
+              <a:rPr lang="en-SG" sz="1800" b="0" i="0" dirty="0">
+                <a:solidFill>
+                  <a:srgbClr val="374151"/>
+                </a:solidFill>
+                <a:effectLst/>
+                <a:latin typeface="Century Gothic" panose="020B0502020202020204" pitchFamily="34" charset="0"/>
+              </a:rPr>
+              <a:t>Model trends to overpredict for certain descent groups</a:t>
+            </a:r>
+          </a:p>
+          <a:p>
+            <a:pPr algn="l">
+              <a:buFont typeface="Arial" panose="020B0604020202020204" pitchFamily="34" charset="0"/>
+              <a:buChar char="•"/>
+            </a:pPr>
+            <a:r>
+              <a:rPr lang="en-SG" sz="1800" b="0" i="0" dirty="0">
+                <a:solidFill>
+                  <a:srgbClr val="374151"/>
+                </a:solidFill>
+                <a:effectLst/>
+                <a:latin typeface="Century Gothic" panose="020B0502020202020204" pitchFamily="34" charset="0"/>
+              </a:rPr>
+              <a:t>Notable underprediction for "Unknown" descent and Vehicle Theft</a:t>
+            </a:r>
+          </a:p>
+          <a:p>
+            <a:pPr algn="l">
+              <a:buFont typeface="Arial" panose="020B0604020202020204" pitchFamily="34" charset="0"/>
+              <a:buChar char="•"/>
+            </a:pPr>
+            <a:r>
+              <a:rPr lang="en-SG" sz="1800" b="0" i="0" dirty="0">
+                <a:solidFill>
+                  <a:srgbClr val="374151"/>
+                </a:solidFill>
+                <a:effectLst/>
+                <a:latin typeface="Century Gothic" panose="020B0502020202020204" pitchFamily="34" charset="0"/>
+              </a:rPr>
+              <a:t>Hispanic/Latin/Mexican descent group consistently targeted</a:t>
+            </a:r>
+          </a:p>
+          <a:p>
+            <a:pPr algn="l">
+              <a:buFont typeface="Arial" panose="020B0604020202020204" pitchFamily="34" charset="0"/>
+              <a:buChar char="•"/>
+            </a:pPr>
+            <a:r>
+              <a:rPr lang="en-SG" sz="1800" b="0" i="0" dirty="0">
+                <a:solidFill>
+                  <a:srgbClr val="374151"/>
+                </a:solidFill>
+                <a:effectLst/>
+                <a:latin typeface="Century Gothic" panose="020B0502020202020204" pitchFamily="34" charset="0"/>
+              </a:rPr>
+              <a:t>Limitations: Insufficient RAM, leading to data underutilization</a:t>
+            </a:r>
+          </a:p>
+          <a:p>
+            <a:pPr algn="l">
+              <a:buFont typeface="Arial" panose="020B0604020202020204" pitchFamily="34" charset="0"/>
+              <a:buChar char="•"/>
+            </a:pPr>
+            <a:r>
+              <a:rPr lang="en-SG" sz="1800" b="0" i="0" dirty="0">
+                <a:solidFill>
+                  <a:srgbClr val="374151"/>
+                </a:solidFill>
+                <a:effectLst/>
+                <a:latin typeface="Century Gothic" panose="020B0502020202020204" pitchFamily="34" charset="0"/>
+              </a:rPr>
+              <a:t>Suggestion: Investment in computational resources for better performance</a:t>
+            </a:r>
+          </a:p>
+          <a:p>
+            <a:endParaRPr lang="en-US" dirty="0"/>
           </a:p>
         </p:txBody>
       </p:sp>
@@ -4144,6 +6867,98 @@
     <p:extLst>
       <p:ext uri="{BB962C8B-B14F-4D97-AF65-F5344CB8AC3E}">
         <p14:creationId xmlns:p14="http://schemas.microsoft.com/office/powerpoint/2010/main" val="1108767783"/>
+      </p:ext>
+    </p:extLst>
+  </p:cSld>
+  <p:clrMapOvr>
+    <a:masterClrMapping/>
+  </p:clrMapOvr>
+</p:sld>
+</file>
+
+<file path=ppt/slides/slide16.xml><?xml version="1.0" encoding="utf-8"?>
+<p:sld xmlns:a="http://schemas.openxmlformats.org/drawingml/2006/main" xmlns:r="http://schemas.openxmlformats.org/officeDocument/2006/relationships" xmlns:p="http://schemas.openxmlformats.org/presentationml/2006/main">
+  <p:cSld>
+    <p:spTree>
+      <p:nvGrpSpPr>
+        <p:cNvPr id="1" name=""/>
+        <p:cNvGrpSpPr/>
+        <p:nvPr/>
+      </p:nvGrpSpPr>
+      <p:grpSpPr>
+        <a:xfrm>
+          <a:off x="0" y="0"/>
+          <a:ext cx="0" cy="0"/>
+          <a:chOff x="0" y="0"/>
+          <a:chExt cx="0" cy="0"/>
+        </a:xfrm>
+      </p:grpSpPr>
+      <p:sp>
+        <p:nvSpPr>
+          <p:cNvPr id="2" name="Title 1">
+            <a:extLst>
+              <a:ext uri="{FF2B5EF4-FFF2-40B4-BE49-F238E27FC236}">
+                <a16:creationId xmlns:a16="http://schemas.microsoft.com/office/drawing/2014/main" id="{01DEB25A-3D57-5F15-95AF-0328928B4A0C}"/>
+              </a:ext>
+            </a:extLst>
+          </p:cNvPr>
+          <p:cNvSpPr>
+            <a:spLocks noGrp="1"/>
+          </p:cNvSpPr>
+          <p:nvPr>
+            <p:ph type="ctrTitle"/>
+          </p:nvPr>
+        </p:nvSpPr>
+        <p:spPr>
+          <a:xfrm>
+            <a:off x="1807809" y="1202047"/>
+            <a:ext cx="8361229" cy="2684634"/>
+          </a:xfrm>
+        </p:spPr>
+        <p:txBody>
+          <a:bodyPr/>
+          <a:lstStyle/>
+          <a:p>
+            <a:r>
+              <a:rPr lang="en-US" sz="6500" dirty="0"/>
+              <a:t>Thank you</a:t>
+            </a:r>
+          </a:p>
+        </p:txBody>
+      </p:sp>
+      <p:sp>
+        <p:nvSpPr>
+          <p:cNvPr id="5" name="Subtitle 4">
+            <a:extLst>
+              <a:ext uri="{FF2B5EF4-FFF2-40B4-BE49-F238E27FC236}">
+                <a16:creationId xmlns:a16="http://schemas.microsoft.com/office/drawing/2014/main" id="{35AB005D-CC4E-8C18-EBC3-8B980B8EF7DB}"/>
+              </a:ext>
+            </a:extLst>
+          </p:cNvPr>
+          <p:cNvSpPr>
+            <a:spLocks noGrp="1"/>
+          </p:cNvSpPr>
+          <p:nvPr>
+            <p:ph type="subTitle" idx="1"/>
+          </p:nvPr>
+        </p:nvSpPr>
+        <p:spPr/>
+        <p:txBody>
+          <a:bodyPr/>
+          <a:lstStyle/>
+          <a:p>
+            <a:r>
+              <a:rPr lang="en-US" b="1"/>
+              <a:t>Q &amp; A</a:t>
+            </a:r>
+            <a:endParaRPr lang="en-US" b="1" dirty="0"/>
+          </a:p>
+        </p:txBody>
+      </p:sp>
+    </p:spTree>
+    <p:extLst>
+      <p:ext uri="{BB962C8B-B14F-4D97-AF65-F5344CB8AC3E}">
+        <p14:creationId xmlns:p14="http://schemas.microsoft.com/office/powerpoint/2010/main" val="2623606204"/>
       </p:ext>
     </p:extLst>
   </p:cSld>
@@ -4186,12 +7001,31 @@
             <p:ph type="title"/>
           </p:nvPr>
         </p:nvSpPr>
-        <p:spPr/>
-        <p:txBody>
-          <a:bodyPr/>
+        <p:spPr>
+          <a:xfrm>
+            <a:off x="1485900" y="685800"/>
+            <a:ext cx="10226370" cy="1341783"/>
+          </a:xfrm>
+        </p:spPr>
+        <p:txBody>
+          <a:bodyPr>
+            <a:noAutofit/>
+          </a:bodyPr>
           <a:lstStyle/>
           <a:p>
-            <a:endParaRPr lang="en-US"/>
+            <a:r>
+              <a:rPr lang="en-SG" sz="3800" b="0" i="0" dirty="0">
+                <a:solidFill>
+                  <a:srgbClr val="374151"/>
+                </a:solidFill>
+                <a:effectLst/>
+                <a:latin typeface="Century Gothic" panose="020B0502020202020204" pitchFamily="34" charset="0"/>
+              </a:rPr>
+              <a:t>Understanding Top 5 Frequent Crime Patterns in Los Angeles: A Data-Driven Approach</a:t>
+            </a:r>
+            <a:endParaRPr lang="en-US" sz="3800" dirty="0">
+              <a:latin typeface="Century Gothic" panose="020B0502020202020204" pitchFamily="34" charset="0"/>
+            </a:endParaRPr>
           </a:p>
         </p:txBody>
       </p:sp>
@@ -4211,12 +7045,216 @@
             <p:ph idx="1"/>
           </p:nvPr>
         </p:nvSpPr>
-        <p:spPr/>
-        <p:txBody>
-          <a:bodyPr/>
+        <p:spPr>
+          <a:xfrm>
+            <a:off x="1485900" y="2415209"/>
+            <a:ext cx="9601200" cy="3344284"/>
+          </a:xfrm>
+        </p:spPr>
+        <p:txBody>
+          <a:bodyPr>
+            <a:normAutofit fontScale="70000" lnSpcReduction="20000"/>
+          </a:bodyPr>
           <a:lstStyle/>
           <a:p>
-            <a:endParaRPr lang="en-US"/>
+            <a:pPr marL="0" indent="0" algn="l">
+              <a:buNone/>
+            </a:pPr>
+            <a:r>
+              <a:rPr lang="en-SG" b="1" i="0" dirty="0">
+                <a:solidFill>
+                  <a:srgbClr val="374151"/>
+                </a:solidFill>
+                <a:effectLst/>
+                <a:latin typeface="Century Gothic" panose="020B0502020202020204" pitchFamily="34" charset="0"/>
+              </a:rPr>
+              <a:t>Context</a:t>
+            </a:r>
+            <a:endParaRPr lang="en-SG" dirty="0">
+              <a:solidFill>
+                <a:srgbClr val="374151"/>
+              </a:solidFill>
+              <a:latin typeface="Century Gothic" panose="020B0502020202020204" pitchFamily="34" charset="0"/>
+            </a:endParaRPr>
+          </a:p>
+          <a:p>
+            <a:pPr marL="0" indent="0" algn="l">
+              <a:buNone/>
+            </a:pPr>
+            <a:r>
+              <a:rPr lang="en-SG" b="0" i="0" dirty="0">
+                <a:solidFill>
+                  <a:srgbClr val="374151"/>
+                </a:solidFill>
+                <a:effectLst/>
+                <a:latin typeface="Century Gothic" panose="020B0502020202020204" pitchFamily="34" charset="0"/>
+              </a:rPr>
+              <a:t>Los Angeles, known for its dynamic urban landscape, faces challenges with varying crime </a:t>
+            </a:r>
+            <a:r>
+              <a:rPr lang="en-SG" b="0" i="0" dirty="0" err="1">
+                <a:solidFill>
+                  <a:srgbClr val="374151"/>
+                </a:solidFill>
+                <a:effectLst/>
+                <a:latin typeface="Century Gothic" panose="020B0502020202020204" pitchFamily="34" charset="0"/>
+              </a:rPr>
+              <a:t>rates.Recognizing</a:t>
+            </a:r>
+            <a:r>
+              <a:rPr lang="en-SG" b="0" i="0" dirty="0">
+                <a:solidFill>
+                  <a:srgbClr val="374151"/>
+                </a:solidFill>
+                <a:effectLst/>
+                <a:latin typeface="Century Gothic" panose="020B0502020202020204" pitchFamily="34" charset="0"/>
+              </a:rPr>
+              <a:t> the need for a proactive approach to community safety.</a:t>
+            </a:r>
+          </a:p>
+          <a:p>
+            <a:pPr marL="0" indent="0" algn="l">
+              <a:buNone/>
+            </a:pPr>
+            <a:r>
+              <a:rPr lang="en-SG" b="1" i="0" dirty="0">
+                <a:solidFill>
+                  <a:srgbClr val="374151"/>
+                </a:solidFill>
+                <a:effectLst/>
+                <a:latin typeface="Century Gothic" panose="020B0502020202020204" pitchFamily="34" charset="0"/>
+              </a:rPr>
+              <a:t>Problem Definition</a:t>
+            </a:r>
+            <a:endParaRPr lang="en-SG" b="0" i="0" dirty="0">
+              <a:solidFill>
+                <a:srgbClr val="374151"/>
+              </a:solidFill>
+              <a:effectLst/>
+              <a:latin typeface="Century Gothic" panose="020B0502020202020204" pitchFamily="34" charset="0"/>
+            </a:endParaRPr>
+          </a:p>
+          <a:p>
+            <a:pPr marL="800100" lvl="1" indent="-342900"/>
+            <a:r>
+              <a:rPr lang="en-SG" b="0" i="0" dirty="0">
+                <a:solidFill>
+                  <a:srgbClr val="374151"/>
+                </a:solidFill>
+                <a:effectLst/>
+                <a:latin typeface="Century Gothic" panose="020B0502020202020204" pitchFamily="34" charset="0"/>
+              </a:rPr>
+              <a:t>The persistent issue of crime necessitates innovative solutions.</a:t>
+            </a:r>
+          </a:p>
+          <a:p>
+            <a:pPr marL="800100" lvl="1" indent="-342900"/>
+            <a:r>
+              <a:rPr lang="en-SG" b="0" i="0" dirty="0">
+                <a:solidFill>
+                  <a:srgbClr val="374151"/>
+                </a:solidFill>
+                <a:effectLst/>
+                <a:latin typeface="Century Gothic" panose="020B0502020202020204" pitchFamily="34" charset="0"/>
+              </a:rPr>
+              <a:t>Utilizing data analysis to uncover crime trends and predict future patterns.</a:t>
+            </a:r>
+          </a:p>
+          <a:p>
+            <a:pPr marL="0" indent="0" algn="l">
+              <a:buNone/>
+            </a:pPr>
+            <a:r>
+              <a:rPr lang="en-SG" b="1" i="0" dirty="0">
+                <a:solidFill>
+                  <a:srgbClr val="374151"/>
+                </a:solidFill>
+                <a:effectLst/>
+                <a:latin typeface="Century Gothic" panose="020B0502020202020204" pitchFamily="34" charset="0"/>
+              </a:rPr>
+              <a:t>Project Objective</a:t>
+            </a:r>
+            <a:endParaRPr lang="en-SG" b="0" i="0" dirty="0">
+              <a:solidFill>
+                <a:srgbClr val="374151"/>
+              </a:solidFill>
+              <a:effectLst/>
+              <a:latin typeface="Century Gothic" panose="020B0502020202020204" pitchFamily="34" charset="0"/>
+            </a:endParaRPr>
+          </a:p>
+          <a:p>
+            <a:pPr marL="800100" lvl="1" indent="-342900"/>
+            <a:r>
+              <a:rPr lang="en-SG" b="0" i="0" dirty="0">
+                <a:solidFill>
+                  <a:srgbClr val="374151"/>
+                </a:solidFill>
+                <a:effectLst/>
+                <a:latin typeface="Century Gothic" panose="020B0502020202020204" pitchFamily="34" charset="0"/>
+              </a:rPr>
+              <a:t>To develop a predictive model that analyses historical crime data.</a:t>
+            </a:r>
+          </a:p>
+          <a:p>
+            <a:pPr marL="800100" lvl="1" indent="-342900"/>
+            <a:r>
+              <a:rPr lang="en-SG" b="0" i="0" dirty="0">
+                <a:solidFill>
+                  <a:srgbClr val="374151"/>
+                </a:solidFill>
+                <a:effectLst/>
+                <a:latin typeface="Century Gothic" panose="020B0502020202020204" pitchFamily="34" charset="0"/>
+              </a:rPr>
+              <a:t>Aiming to provide insights that assist in informed decision-making for community welfare.</a:t>
+            </a:r>
+          </a:p>
+          <a:p>
+            <a:pPr marL="0" indent="0" algn="l">
+              <a:buNone/>
+            </a:pPr>
+            <a:r>
+              <a:rPr lang="en-SG" b="1" i="0" dirty="0">
+                <a:solidFill>
+                  <a:srgbClr val="374151"/>
+                </a:solidFill>
+                <a:effectLst/>
+                <a:latin typeface="Century Gothic" panose="020B0502020202020204" pitchFamily="34" charset="0"/>
+              </a:rPr>
+              <a:t>Impact</a:t>
+            </a:r>
+            <a:endParaRPr lang="en-SG" b="0" i="0" dirty="0">
+              <a:solidFill>
+                <a:srgbClr val="374151"/>
+              </a:solidFill>
+              <a:effectLst/>
+              <a:latin typeface="Century Gothic" panose="020B0502020202020204" pitchFamily="34" charset="0"/>
+            </a:endParaRPr>
+          </a:p>
+          <a:p>
+            <a:pPr marL="800100" lvl="1" indent="-342900"/>
+            <a:r>
+              <a:rPr lang="en-SG" b="0" i="0" dirty="0">
+                <a:solidFill>
+                  <a:srgbClr val="374151"/>
+                </a:solidFill>
+                <a:effectLst/>
+                <a:latin typeface="Century Gothic" panose="020B0502020202020204" pitchFamily="34" charset="0"/>
+              </a:rPr>
+              <a:t>Highlighting the potential of data-driven strategies in enhancing public safety measures.</a:t>
+            </a:r>
+          </a:p>
+          <a:p>
+            <a:pPr marL="800100" lvl="1" indent="-342900"/>
+            <a:r>
+              <a:rPr lang="en-SG" b="0" i="0" dirty="0">
+                <a:solidFill>
+                  <a:srgbClr val="374151"/>
+                </a:solidFill>
+                <a:effectLst/>
+                <a:latin typeface="Century Gothic" panose="020B0502020202020204" pitchFamily="34" charset="0"/>
+              </a:rPr>
+              <a:t>Empowering communities with knowledge for better preparedness and response.</a:t>
+            </a:r>
           </a:p>
         </p:txBody>
       </p:sp>
@@ -4255,7 +7293,7 @@
           <p:cNvPr id="2" name="Title 1">
             <a:extLst>
               <a:ext uri="{FF2B5EF4-FFF2-40B4-BE49-F238E27FC236}">
-                <a16:creationId xmlns:a16="http://schemas.microsoft.com/office/drawing/2014/main" id="{B2B31EB3-BCD7-3FAB-E984-BAF515B0D608}"/>
+                <a16:creationId xmlns:a16="http://schemas.microsoft.com/office/drawing/2014/main" id="{6C6C044D-CCB2-4BB1-6F67-8F5AD92506AA}"/>
               </a:ext>
             </a:extLst>
           </p:cNvPr>
@@ -4266,12 +7304,26 @@
             <p:ph type="title"/>
           </p:nvPr>
         </p:nvSpPr>
-        <p:spPr/>
+        <p:spPr>
+          <a:xfrm>
+            <a:off x="1371600" y="126402"/>
+            <a:ext cx="9601200" cy="723452"/>
+          </a:xfrm>
+        </p:spPr>
         <p:txBody>
           <a:bodyPr/>
           <a:lstStyle/>
           <a:p>
-            <a:endParaRPr lang="en-US"/>
+            <a:r>
+              <a:rPr lang="en-SG" i="0" dirty="0">
+                <a:effectLst/>
+                <a:latin typeface="Century Gothic" panose="020B0502020202020204" pitchFamily="34" charset="0"/>
+              </a:rPr>
+              <a:t>Data Acquisition</a:t>
+            </a:r>
+            <a:endParaRPr lang="en-US" dirty="0">
+              <a:latin typeface="Century Gothic" panose="020B0502020202020204" pitchFamily="34" charset="0"/>
+            </a:endParaRPr>
           </a:p>
         </p:txBody>
       </p:sp>
@@ -4280,7 +7332,7 @@
           <p:cNvPr id="3" name="Content Placeholder 2">
             <a:extLst>
               <a:ext uri="{FF2B5EF4-FFF2-40B4-BE49-F238E27FC236}">
-                <a16:creationId xmlns:a16="http://schemas.microsoft.com/office/drawing/2014/main" id="{0D73D922-D073-057D-5FD9-CFA9EE46F720}"/>
+                <a16:creationId xmlns:a16="http://schemas.microsoft.com/office/drawing/2014/main" id="{5990CE0E-B89E-3CAB-D91B-B39F714C8346}"/>
               </a:ext>
             </a:extLst>
           </p:cNvPr>
@@ -4291,19 +7343,272 @@
             <p:ph idx="1"/>
           </p:nvPr>
         </p:nvSpPr>
-        <p:spPr/>
-        <p:txBody>
-          <a:bodyPr/>
+        <p:spPr>
+          <a:xfrm>
+            <a:off x="1485900" y="685800"/>
+            <a:ext cx="9601200" cy="2627555"/>
+          </a:xfrm>
+        </p:spPr>
+        <p:txBody>
+          <a:bodyPr>
+            <a:normAutofit fontScale="40000" lnSpcReduction="20000"/>
+          </a:bodyPr>
           <a:lstStyle/>
           <a:p>
-            <a:endParaRPr lang="en-US"/>
-          </a:p>
-        </p:txBody>
-      </p:sp>
+            <a:pPr marL="0" indent="0" algn="l">
+              <a:buNone/>
+            </a:pPr>
+            <a:r>
+              <a:rPr lang="en-SG" sz="3000" b="1" i="0" dirty="0">
+                <a:solidFill>
+                  <a:srgbClr val="374151"/>
+                </a:solidFill>
+                <a:effectLst/>
+                <a:latin typeface="Century Gothic" panose="020B0502020202020204" pitchFamily="34" charset="0"/>
+              </a:rPr>
+              <a:t>Data Source:</a:t>
+            </a:r>
+            <a:endParaRPr lang="en-SG" sz="3000" b="0" i="0" dirty="0">
+              <a:solidFill>
+                <a:srgbClr val="374151"/>
+              </a:solidFill>
+              <a:effectLst/>
+              <a:latin typeface="Century Gothic" panose="020B0502020202020204" pitchFamily="34" charset="0"/>
+            </a:endParaRPr>
+          </a:p>
+          <a:p>
+            <a:pPr marL="457200" lvl="1" indent="0">
+              <a:buNone/>
+            </a:pPr>
+            <a:r>
+              <a:rPr lang="en-SG" sz="3000" b="0" i="0" dirty="0">
+                <a:solidFill>
+                  <a:srgbClr val="374151"/>
+                </a:solidFill>
+                <a:effectLst/>
+                <a:latin typeface="Century Gothic" panose="020B0502020202020204" pitchFamily="34" charset="0"/>
+              </a:rPr>
+              <a:t>Los Angeles city public data website (</a:t>
+            </a:r>
+            <a:r>
+              <a:rPr lang="en-SG" sz="3000" b="0" i="0" u="none" strike="noStrike" dirty="0">
+                <a:effectLst/>
+                <a:latin typeface="Century Gothic" panose="020B0502020202020204" pitchFamily="34" charset="0"/>
+                <a:hlinkClick r:id="rId2"/>
+              </a:rPr>
+              <a:t>https://data.lacity.org/Public-Safety/Crime-Data-from-2010-to-2019/63jg-8b9z/explore</a:t>
+            </a:r>
+            <a:r>
+              <a:rPr lang="en-SG" sz="3000" b="0" i="0" dirty="0">
+                <a:effectLst/>
+                <a:latin typeface="Century Gothic" panose="020B0502020202020204" pitchFamily="34" charset="0"/>
+              </a:rPr>
+              <a:t> ,</a:t>
+            </a:r>
+          </a:p>
+          <a:p>
+            <a:pPr marL="457200" lvl="1" indent="0">
+              <a:buNone/>
+            </a:pPr>
+            <a:r>
+              <a:rPr lang="en-SG" sz="3000" b="0" i="0" u="none" strike="noStrike" dirty="0">
+                <a:effectLst/>
+                <a:latin typeface="Century Gothic" panose="020B0502020202020204" pitchFamily="34" charset="0"/>
+                <a:hlinkClick r:id="rId3"/>
+              </a:rPr>
+              <a:t>https://data.lacity.org/Public-Safety/Crime-Data-from-2020-to-Present/2nrs-mtv8</a:t>
+            </a:r>
+            <a:r>
+              <a:rPr lang="en-SG" sz="3000" b="0" i="0" dirty="0">
+                <a:solidFill>
+                  <a:srgbClr val="374151"/>
+                </a:solidFill>
+                <a:effectLst/>
+                <a:latin typeface="Century Gothic" panose="020B0502020202020204" pitchFamily="34" charset="0"/>
+              </a:rPr>
+              <a:t>)</a:t>
+            </a:r>
+          </a:p>
+          <a:p>
+            <a:pPr marL="742950" lvl="1" indent="-285750" algn="l">
+              <a:buFont typeface="+mj-lt"/>
+              <a:buAutoNum type="arabicPeriod"/>
+            </a:pPr>
+            <a:r>
+              <a:rPr lang="en-SG" sz="3000" b="0" i="0" dirty="0">
+                <a:solidFill>
+                  <a:srgbClr val="374151"/>
+                </a:solidFill>
+                <a:effectLst/>
+                <a:latin typeface="Century Gothic" panose="020B0502020202020204" pitchFamily="34" charset="0"/>
+              </a:rPr>
+              <a:t>Time Range: 2012-2023</a:t>
+            </a:r>
+          </a:p>
+          <a:p>
+            <a:pPr marL="742950" lvl="1" indent="-285750" algn="l">
+              <a:buFont typeface="+mj-lt"/>
+              <a:buAutoNum type="arabicPeriod"/>
+            </a:pPr>
+            <a:r>
+              <a:rPr lang="en-SG" sz="3000" b="0" i="0" dirty="0">
+                <a:solidFill>
+                  <a:srgbClr val="374151"/>
+                </a:solidFill>
+                <a:effectLst/>
+                <a:latin typeface="Century Gothic" panose="020B0502020202020204" pitchFamily="34" charset="0"/>
+              </a:rPr>
+              <a:t>Record Count: ~3 million (2,993,433)</a:t>
+            </a:r>
+          </a:p>
+          <a:p>
+            <a:pPr marL="0" indent="0" algn="l">
+              <a:buNone/>
+            </a:pPr>
+            <a:r>
+              <a:rPr lang="en-SG" sz="3000" b="1" i="0" dirty="0">
+                <a:solidFill>
+                  <a:srgbClr val="374151"/>
+                </a:solidFill>
+                <a:effectLst/>
+                <a:latin typeface="Century Gothic" panose="020B0502020202020204" pitchFamily="34" charset="0"/>
+              </a:rPr>
+              <a:t>Key Variables:</a:t>
+            </a:r>
+            <a:endParaRPr lang="en-SG" sz="3000" b="0" i="0" dirty="0">
+              <a:solidFill>
+                <a:srgbClr val="374151"/>
+              </a:solidFill>
+              <a:effectLst/>
+              <a:latin typeface="Century Gothic" panose="020B0502020202020204" pitchFamily="34" charset="0"/>
+            </a:endParaRPr>
+          </a:p>
+          <a:p>
+            <a:pPr marL="742950" lvl="1" indent="-285750" algn="l">
+              <a:buFont typeface="+mj-lt"/>
+              <a:buAutoNum type="arabicPeriod"/>
+            </a:pPr>
+            <a:r>
+              <a:rPr lang="en-SG" sz="3000" b="0" i="0" dirty="0">
+                <a:solidFill>
+                  <a:srgbClr val="374151"/>
+                </a:solidFill>
+                <a:effectLst/>
+                <a:latin typeface="Century Gothic" panose="020B0502020202020204" pitchFamily="34" charset="0"/>
+              </a:rPr>
+              <a:t>Crime Codes, Modus Operandi, Victim's Age, Sex, Descent</a:t>
+            </a:r>
+          </a:p>
+          <a:p>
+            <a:pPr marL="742950" lvl="1" indent="-285750" algn="l">
+              <a:buFont typeface="+mj-lt"/>
+              <a:buAutoNum type="arabicPeriod"/>
+            </a:pPr>
+            <a:r>
+              <a:rPr lang="en-SG" sz="3000" b="0" i="0" dirty="0">
+                <a:solidFill>
+                  <a:srgbClr val="374151"/>
+                </a:solidFill>
+                <a:effectLst/>
+                <a:latin typeface="Century Gothic" panose="020B0502020202020204" pitchFamily="34" charset="0"/>
+              </a:rPr>
+              <a:t>Premise Type, Weapon Used, Case Status</a:t>
+            </a:r>
+          </a:p>
+          <a:p>
+            <a:pPr marL="742950" lvl="1" indent="-285750" algn="l">
+              <a:buFont typeface="+mj-lt"/>
+              <a:buAutoNum type="arabicPeriod"/>
+            </a:pPr>
+            <a:r>
+              <a:rPr lang="en-SG" sz="3000" b="0" i="0" dirty="0">
+                <a:solidFill>
+                  <a:srgbClr val="374151"/>
+                </a:solidFill>
+                <a:effectLst/>
+                <a:latin typeface="Century Gothic" panose="020B0502020202020204" pitchFamily="34" charset="0"/>
+              </a:rPr>
+              <a:t>Crime Severity (</a:t>
+            </a:r>
+            <a:r>
+              <a:rPr lang="en-SG" sz="3000" b="0" i="0" dirty="0" err="1">
+                <a:solidFill>
+                  <a:srgbClr val="374151"/>
+                </a:solidFill>
+                <a:effectLst/>
+                <a:latin typeface="Century Gothic" panose="020B0502020202020204" pitchFamily="34" charset="0"/>
+              </a:rPr>
+              <a:t>Crm</a:t>
+            </a:r>
+            <a:r>
+              <a:rPr lang="en-SG" sz="3000" b="0" i="0" dirty="0">
+                <a:solidFill>
+                  <a:srgbClr val="374151"/>
+                </a:solidFill>
+                <a:effectLst/>
+                <a:latin typeface="Century Gothic" panose="020B0502020202020204" pitchFamily="34" charset="0"/>
+              </a:rPr>
+              <a:t> Cd 1-4)</a:t>
+            </a:r>
+          </a:p>
+          <a:p>
+            <a:pPr marL="742950" lvl="1" indent="-285750" algn="l">
+              <a:buFont typeface="+mj-lt"/>
+              <a:buAutoNum type="arabicPeriod"/>
+            </a:pPr>
+            <a:r>
+              <a:rPr lang="en-SG" sz="3000" b="0" i="0" dirty="0">
+                <a:solidFill>
+                  <a:srgbClr val="374151"/>
+                </a:solidFill>
+                <a:effectLst/>
+                <a:latin typeface="Century Gothic" panose="020B0502020202020204" pitchFamily="34" charset="0"/>
+              </a:rPr>
+              <a:t>Location Details (Address, Latitude, Longitude)</a:t>
+            </a:r>
+          </a:p>
+          <a:p>
+            <a:endParaRPr lang="en-US" dirty="0"/>
+          </a:p>
+        </p:txBody>
+      </p:sp>
+      <p:pic>
+        <p:nvPicPr>
+          <p:cNvPr id="5" name="Picture 4" descr="Crime Data">
+            <a:extLst>
+              <a:ext uri="{FF2B5EF4-FFF2-40B4-BE49-F238E27FC236}">
+                <a16:creationId xmlns:a16="http://schemas.microsoft.com/office/drawing/2014/main" id="{618FB084-AAAE-AB52-F098-DE79CF875CD3}"/>
+              </a:ext>
+              <a:ext uri="{C183D7F6-B498-43B3-948B-1728B52AA6E4}">
+                <adec:decorative xmlns:adec="http://schemas.microsoft.com/office/drawing/2017/decorative" val="0"/>
+              </a:ext>
+            </a:extLst>
+          </p:cNvPr>
+          <p:cNvPicPr>
+            <a:picLocks noChangeAspect="1"/>
+          </p:cNvPicPr>
+          <p:nvPr/>
+        </p:nvPicPr>
+        <p:blipFill>
+          <a:blip r:embed="rId4"/>
+          <a:stretch>
+            <a:fillRect/>
+          </a:stretch>
+        </p:blipFill>
+        <p:spPr>
+          <a:xfrm>
+            <a:off x="1949450" y="3173361"/>
+            <a:ext cx="8674100" cy="3335601"/>
+          </a:xfrm>
+          <a:prstGeom prst="rect">
+            <a:avLst/>
+          </a:prstGeom>
+        </p:spPr>
+      </p:pic>
     </p:spTree>
     <p:extLst>
       <p:ext uri="{BB962C8B-B14F-4D97-AF65-F5344CB8AC3E}">
-        <p14:creationId xmlns:p14="http://schemas.microsoft.com/office/powerpoint/2010/main" val="3058945633"/>
+        <p14:creationId xmlns:p14="http://schemas.microsoft.com/office/powerpoint/2010/main" val="1497805129"/>
       </p:ext>
     </p:extLst>
   </p:cSld>
@@ -4335,7 +7640,7 @@
           <p:cNvPr id="2" name="Title 1">
             <a:extLst>
               <a:ext uri="{FF2B5EF4-FFF2-40B4-BE49-F238E27FC236}">
-                <a16:creationId xmlns:a16="http://schemas.microsoft.com/office/drawing/2014/main" id="{6C6C044D-CCB2-4BB1-6F67-8F5AD92506AA}"/>
+                <a16:creationId xmlns:a16="http://schemas.microsoft.com/office/drawing/2014/main" id="{2A9CC949-156D-4B62-8250-22EB121B6485}"/>
               </a:ext>
             </a:extLst>
           </p:cNvPr>
@@ -4346,12 +7651,26 @@
             <p:ph type="title"/>
           </p:nvPr>
         </p:nvSpPr>
-        <p:spPr/>
+        <p:spPr>
+          <a:xfrm>
+            <a:off x="1371600" y="167640"/>
+            <a:ext cx="9601200" cy="809513"/>
+          </a:xfrm>
+        </p:spPr>
         <p:txBody>
           <a:bodyPr/>
           <a:lstStyle/>
           <a:p>
-            <a:endParaRPr lang="en-US"/>
+            <a:r>
+              <a:rPr lang="en-SG" i="0" dirty="0">
+                <a:effectLst/>
+                <a:latin typeface="Century Gothic" panose="020B0502020202020204" pitchFamily="34" charset="0"/>
+              </a:rPr>
+              <a:t>Data Waggling </a:t>
+            </a:r>
+            <a:endParaRPr lang="en-US" dirty="0">
+              <a:latin typeface="Century Gothic" panose="020B0502020202020204" pitchFamily="34" charset="0"/>
+            </a:endParaRPr>
           </a:p>
         </p:txBody>
       </p:sp>
@@ -4360,7 +7679,7 @@
           <p:cNvPr id="3" name="Content Placeholder 2">
             <a:extLst>
               <a:ext uri="{FF2B5EF4-FFF2-40B4-BE49-F238E27FC236}">
-                <a16:creationId xmlns:a16="http://schemas.microsoft.com/office/drawing/2014/main" id="{5990CE0E-B89E-3CAB-D91B-B39F714C8346}"/>
+                <a16:creationId xmlns:a16="http://schemas.microsoft.com/office/drawing/2014/main" id="{F947B681-F58E-745C-C68F-94504CE700DF}"/>
               </a:ext>
             </a:extLst>
           </p:cNvPr>
@@ -4371,19 +7690,327 @@
             <p:ph idx="1"/>
           </p:nvPr>
         </p:nvSpPr>
-        <p:spPr/>
-        <p:txBody>
-          <a:bodyPr/>
+        <p:spPr>
+          <a:xfrm>
+            <a:off x="1485900" y="977153"/>
+            <a:ext cx="9601200" cy="4681369"/>
+          </a:xfrm>
+        </p:spPr>
+        <p:txBody>
+          <a:bodyPr>
+            <a:normAutofit fontScale="77500" lnSpcReduction="20000"/>
+          </a:bodyPr>
           <a:lstStyle/>
           <a:p>
-            <a:endParaRPr lang="en-US"/>
+            <a:pPr algn="l">
+              <a:buFont typeface="+mj-lt"/>
+              <a:buAutoNum type="arabicPeriod"/>
+            </a:pPr>
+            <a:r>
+              <a:rPr lang="en-SG" b="1" i="0" dirty="0">
+                <a:solidFill>
+                  <a:srgbClr val="374151"/>
+                </a:solidFill>
+                <a:effectLst/>
+                <a:latin typeface="Century Gothic" panose="020B0502020202020204" pitchFamily="34" charset="0"/>
+              </a:rPr>
+              <a:t>Initial Data Processing:</a:t>
+            </a:r>
+            <a:endParaRPr lang="en-SG" b="0" i="0" dirty="0">
+              <a:solidFill>
+                <a:srgbClr val="374151"/>
+              </a:solidFill>
+              <a:effectLst/>
+              <a:latin typeface="Century Gothic" panose="020B0502020202020204" pitchFamily="34" charset="0"/>
+            </a:endParaRPr>
+          </a:p>
+          <a:p>
+            <a:pPr marL="742950" lvl="1" indent="-285750" algn="l">
+              <a:buFont typeface="+mj-lt"/>
+              <a:buAutoNum type="arabicPeriod"/>
+            </a:pPr>
+            <a:r>
+              <a:rPr lang="en-SG" b="0" i="0" dirty="0">
+                <a:solidFill>
+                  <a:srgbClr val="374151"/>
+                </a:solidFill>
+                <a:effectLst/>
+                <a:latin typeface="Century Gothic" panose="020B0502020202020204" pitchFamily="34" charset="0"/>
+              </a:rPr>
+              <a:t>Merged two datasets (2010-2019, 2020-present)</a:t>
+            </a:r>
+          </a:p>
+          <a:p>
+            <a:pPr marL="742950" lvl="1" indent="-285750" algn="l">
+              <a:buFont typeface="+mj-lt"/>
+              <a:buAutoNum type="arabicPeriod"/>
+            </a:pPr>
+            <a:r>
+              <a:rPr lang="en-SG" b="0" i="0" dirty="0">
+                <a:solidFill>
+                  <a:srgbClr val="374151"/>
+                </a:solidFill>
+                <a:effectLst/>
+                <a:latin typeface="Century Gothic" panose="020B0502020202020204" pitchFamily="34" charset="0"/>
+              </a:rPr>
+              <a:t>Standardized column names</a:t>
+            </a:r>
+          </a:p>
+          <a:p>
+            <a:pPr marL="742950" lvl="1" indent="-285750" algn="l">
+              <a:buFont typeface="+mj-lt"/>
+              <a:buAutoNum type="arabicPeriod"/>
+            </a:pPr>
+            <a:r>
+              <a:rPr lang="en-SG" b="0" i="0" dirty="0">
+                <a:solidFill>
+                  <a:srgbClr val="374151"/>
+                </a:solidFill>
+                <a:effectLst/>
+                <a:latin typeface="Century Gothic" panose="020B0502020202020204" pitchFamily="34" charset="0"/>
+              </a:rPr>
+              <a:t>Filled missing values in key columns</a:t>
+            </a:r>
+          </a:p>
+          <a:p>
+            <a:pPr algn="l">
+              <a:buFont typeface="+mj-lt"/>
+              <a:buAutoNum type="arabicPeriod"/>
+            </a:pPr>
+            <a:r>
+              <a:rPr lang="en-SG" b="1" i="0" dirty="0">
+                <a:solidFill>
+                  <a:srgbClr val="374151"/>
+                </a:solidFill>
+                <a:effectLst/>
+                <a:latin typeface="Century Gothic" panose="020B0502020202020204" pitchFamily="34" charset="0"/>
+              </a:rPr>
+              <a:t>Data Transformation:</a:t>
+            </a:r>
+            <a:endParaRPr lang="en-SG" b="0" i="0" dirty="0">
+              <a:solidFill>
+                <a:srgbClr val="374151"/>
+              </a:solidFill>
+              <a:effectLst/>
+              <a:latin typeface="Century Gothic" panose="020B0502020202020204" pitchFamily="34" charset="0"/>
+            </a:endParaRPr>
+          </a:p>
+          <a:p>
+            <a:pPr marL="742950" lvl="1" indent="-285750" algn="l">
+              <a:buFont typeface="+mj-lt"/>
+              <a:buAutoNum type="arabicPeriod"/>
+            </a:pPr>
+            <a:r>
+              <a:rPr lang="en-SG" b="0" i="0" dirty="0">
+                <a:solidFill>
+                  <a:srgbClr val="374151"/>
+                </a:solidFill>
+                <a:effectLst/>
+                <a:latin typeface="Century Gothic" panose="020B0502020202020204" pitchFamily="34" charset="0"/>
+              </a:rPr>
+              <a:t>Renamed 'LAT' and 'LON' to 'latitude' and 'longitude'</a:t>
+            </a:r>
+          </a:p>
+          <a:p>
+            <a:pPr marL="742950" lvl="1" indent="-285750" algn="l">
+              <a:buFont typeface="+mj-lt"/>
+              <a:buAutoNum type="arabicPeriod"/>
+            </a:pPr>
+            <a:r>
+              <a:rPr lang="en-SG" b="0" i="0" dirty="0">
+                <a:solidFill>
+                  <a:srgbClr val="374151"/>
+                </a:solidFill>
+                <a:effectLst/>
+                <a:latin typeface="Century Gothic" panose="020B0502020202020204" pitchFamily="34" charset="0"/>
+              </a:rPr>
+              <a:t>Derived date and time components from 'DATE_OCC'</a:t>
+            </a:r>
+          </a:p>
+          <a:p>
+            <a:pPr marL="742950" lvl="1" indent="-285750" algn="l">
+              <a:buFont typeface="+mj-lt"/>
+              <a:buAutoNum type="arabicPeriod"/>
+            </a:pPr>
+            <a:r>
+              <a:rPr lang="en-SG" b="0" i="0" dirty="0">
+                <a:solidFill>
+                  <a:srgbClr val="374151"/>
+                </a:solidFill>
+                <a:effectLst/>
+                <a:latin typeface="Century Gothic" panose="020B0502020202020204" pitchFamily="34" charset="0"/>
+              </a:rPr>
+              <a:t>Mapped codes to descriptions for better readability</a:t>
+            </a:r>
+          </a:p>
+          <a:p>
+            <a:pPr algn="l">
+              <a:buFont typeface="+mj-lt"/>
+              <a:buAutoNum type="arabicPeriod"/>
+            </a:pPr>
+            <a:r>
+              <a:rPr lang="en-SG" b="1" i="0" dirty="0">
+                <a:solidFill>
+                  <a:srgbClr val="374151"/>
+                </a:solidFill>
+                <a:effectLst/>
+                <a:latin typeface="Century Gothic" panose="020B0502020202020204" pitchFamily="34" charset="0"/>
+              </a:rPr>
+              <a:t>Cleaning and Exploration:</a:t>
+            </a:r>
+            <a:endParaRPr lang="en-SG" b="0" i="0" dirty="0">
+              <a:solidFill>
+                <a:srgbClr val="374151"/>
+              </a:solidFill>
+              <a:effectLst/>
+              <a:latin typeface="Century Gothic" panose="020B0502020202020204" pitchFamily="34" charset="0"/>
+            </a:endParaRPr>
+          </a:p>
+          <a:p>
+            <a:pPr marL="742950" lvl="1" indent="-285750" algn="l">
+              <a:buFont typeface="+mj-lt"/>
+              <a:buAutoNum type="arabicPeriod"/>
+            </a:pPr>
+            <a:r>
+              <a:rPr lang="en-SG" b="0" i="0" dirty="0">
+                <a:solidFill>
+                  <a:srgbClr val="374151"/>
+                </a:solidFill>
+                <a:effectLst/>
+                <a:latin typeface="Century Gothic" panose="020B0502020202020204" pitchFamily="34" charset="0"/>
+              </a:rPr>
+              <a:t>Excluded incomplete year data (2023)</a:t>
+            </a:r>
+          </a:p>
+          <a:p>
+            <a:pPr marL="742950" lvl="1" indent="-285750" algn="l">
+              <a:buFont typeface="+mj-lt"/>
+              <a:buAutoNum type="arabicPeriod"/>
+            </a:pPr>
+            <a:r>
+              <a:rPr lang="en-SG" b="0" i="0" dirty="0">
+                <a:solidFill>
+                  <a:srgbClr val="374151"/>
+                </a:solidFill>
+                <a:effectLst/>
+                <a:latin typeface="Century Gothic" panose="020B0502020202020204" pitchFamily="34" charset="0"/>
+              </a:rPr>
+              <a:t>Dropped duplicates, sorted, and reindexed</a:t>
+            </a:r>
+          </a:p>
+          <a:p>
+            <a:pPr marL="742950" lvl="1" indent="-285750" algn="l">
+              <a:buFont typeface="+mj-lt"/>
+              <a:buAutoNum type="arabicPeriod"/>
+            </a:pPr>
+            <a:r>
+              <a:rPr lang="en-SG" b="0" i="0" dirty="0">
+                <a:solidFill>
+                  <a:srgbClr val="374151"/>
+                </a:solidFill>
+                <a:effectLst/>
+                <a:latin typeface="Century Gothic" panose="020B0502020202020204" pitchFamily="34" charset="0"/>
+              </a:rPr>
+              <a:t>Analysed crime frequency by area and weekdays</a:t>
+            </a:r>
+          </a:p>
+          <a:p>
+            <a:pPr algn="l">
+              <a:buFont typeface="+mj-lt"/>
+              <a:buAutoNum type="arabicPeriod"/>
+            </a:pPr>
+            <a:r>
+              <a:rPr lang="en-SG" b="1" i="0" dirty="0">
+                <a:solidFill>
+                  <a:srgbClr val="374151"/>
+                </a:solidFill>
+                <a:effectLst/>
+                <a:latin typeface="Century Gothic" panose="020B0502020202020204" pitchFamily="34" charset="0"/>
+              </a:rPr>
+              <a:t>Final Data State:</a:t>
+            </a:r>
+            <a:endParaRPr lang="en-SG" b="0" i="0" dirty="0">
+              <a:solidFill>
+                <a:srgbClr val="374151"/>
+              </a:solidFill>
+              <a:effectLst/>
+              <a:latin typeface="Century Gothic" panose="020B0502020202020204" pitchFamily="34" charset="0"/>
+            </a:endParaRPr>
+          </a:p>
+          <a:p>
+            <a:pPr marL="742950" lvl="1" indent="-285750" algn="l">
+              <a:buFont typeface="+mj-lt"/>
+              <a:buAutoNum type="arabicPeriod"/>
+            </a:pPr>
+            <a:r>
+              <a:rPr lang="en-SG" b="0" i="0" dirty="0">
+                <a:solidFill>
+                  <a:srgbClr val="374151"/>
+                </a:solidFill>
+                <a:effectLst/>
+                <a:latin typeface="Century Gothic" panose="020B0502020202020204" pitchFamily="34" charset="0"/>
+              </a:rPr>
+              <a:t>Total Records: 2,707,190</a:t>
+            </a:r>
+          </a:p>
+          <a:p>
+            <a:pPr marL="742950" lvl="1" indent="-285750" algn="l">
+              <a:buFont typeface="+mj-lt"/>
+              <a:buAutoNum type="arabicPeriod"/>
+            </a:pPr>
+            <a:r>
+              <a:rPr lang="en-SG" b="0" i="0" dirty="0">
+                <a:solidFill>
+                  <a:srgbClr val="374151"/>
+                </a:solidFill>
+                <a:effectLst/>
+                <a:latin typeface="Century Gothic" panose="020B0502020202020204" pitchFamily="34" charset="0"/>
+              </a:rPr>
+              <a:t>Total Columns: 18</a:t>
+            </a:r>
+          </a:p>
+          <a:p>
+            <a:pPr marL="742950" lvl="1" indent="-285750" algn="l">
+              <a:buFont typeface="+mj-lt"/>
+              <a:buAutoNum type="arabicPeriod"/>
+            </a:pPr>
+            <a:r>
+              <a:rPr lang="en-SG" b="0" i="0" dirty="0">
+                <a:solidFill>
+                  <a:srgbClr val="374151"/>
+                </a:solidFill>
+                <a:effectLst/>
+                <a:latin typeface="Century Gothic" panose="020B0502020202020204" pitchFamily="34" charset="0"/>
+              </a:rPr>
+              <a:t>Output File: '</a:t>
+            </a:r>
+            <a:r>
+              <a:rPr lang="en-SG" b="0" i="0" dirty="0" err="1">
+                <a:solidFill>
+                  <a:srgbClr val="374151"/>
+                </a:solidFill>
+                <a:effectLst/>
+                <a:latin typeface="Century Gothic" panose="020B0502020202020204" pitchFamily="34" charset="0"/>
+              </a:rPr>
+              <a:t>cleaned_crime_data.csv</a:t>
+            </a:r>
+            <a:r>
+              <a:rPr lang="en-SG" b="0" i="0" dirty="0">
+                <a:solidFill>
+                  <a:srgbClr val="374151"/>
+                </a:solidFill>
+                <a:effectLst/>
+                <a:latin typeface="Century Gothic" panose="020B0502020202020204" pitchFamily="34" charset="0"/>
+              </a:rPr>
+              <a:t>'</a:t>
+            </a:r>
           </a:p>
         </p:txBody>
       </p:sp>
     </p:spTree>
     <p:extLst>
       <p:ext uri="{BB962C8B-B14F-4D97-AF65-F5344CB8AC3E}">
-        <p14:creationId xmlns:p14="http://schemas.microsoft.com/office/powerpoint/2010/main" val="2309814561"/>
+        <p14:creationId xmlns:p14="http://schemas.microsoft.com/office/powerpoint/2010/main" val="2297393689"/>
       </p:ext>
     </p:extLst>
   </p:cSld>
@@ -4415,7 +8042,7 @@
           <p:cNvPr id="2" name="Title 1">
             <a:extLst>
               <a:ext uri="{FF2B5EF4-FFF2-40B4-BE49-F238E27FC236}">
-                <a16:creationId xmlns:a16="http://schemas.microsoft.com/office/drawing/2014/main" id="{2A9CC949-156D-4B62-8250-22EB121B6485}"/>
+                <a16:creationId xmlns:a16="http://schemas.microsoft.com/office/drawing/2014/main" id="{2ACCDF41-3C81-5362-1FA2-D67471367B08}"/>
               </a:ext>
             </a:extLst>
           </p:cNvPr>
@@ -4426,12 +8053,26 @@
             <p:ph type="title"/>
           </p:nvPr>
         </p:nvSpPr>
-        <p:spPr/>
-        <p:txBody>
-          <a:bodyPr/>
+        <p:spPr>
+          <a:xfrm>
+            <a:off x="1371600" y="169433"/>
+            <a:ext cx="10644692" cy="755725"/>
+          </a:xfrm>
+        </p:spPr>
+        <p:txBody>
+          <a:bodyPr>
+            <a:normAutofit/>
+          </a:bodyPr>
           <a:lstStyle/>
           <a:p>
-            <a:endParaRPr lang="en-US"/>
+            <a:pPr algn="l"/>
+            <a:r>
+              <a:rPr lang="en-SG" sz="3800" i="0" dirty="0">
+                <a:effectLst/>
+                <a:latin typeface="Century Gothic" panose="020B0502020202020204" pitchFamily="34" charset="0"/>
+              </a:rPr>
+              <a:t>Time-Based Analysis - EDA</a:t>
+            </a:r>
           </a:p>
         </p:txBody>
       </p:sp>
@@ -4440,7 +8081,7 @@
           <p:cNvPr id="3" name="Content Placeholder 2">
             <a:extLst>
               <a:ext uri="{FF2B5EF4-FFF2-40B4-BE49-F238E27FC236}">
-                <a16:creationId xmlns:a16="http://schemas.microsoft.com/office/drawing/2014/main" id="{F947B681-F58E-745C-C68F-94504CE700DF}"/>
+                <a16:creationId xmlns:a16="http://schemas.microsoft.com/office/drawing/2014/main" id="{40D92C4D-082D-4337-4A9A-F7A044E005C8}"/>
               </a:ext>
             </a:extLst>
           </p:cNvPr>
@@ -4451,19 +8092,494 @@
             <p:ph idx="1"/>
           </p:nvPr>
         </p:nvSpPr>
-        <p:spPr/>
-        <p:txBody>
-          <a:bodyPr/>
+        <p:spPr>
+          <a:xfrm>
+            <a:off x="1485900" y="685800"/>
+            <a:ext cx="8949018" cy="1078454"/>
+          </a:xfrm>
+        </p:spPr>
+        <p:txBody>
+          <a:bodyPr>
+            <a:normAutofit fontScale="77500" lnSpcReduction="20000"/>
+          </a:bodyPr>
           <a:lstStyle/>
           <a:p>
-            <a:endParaRPr lang="en-US"/>
-          </a:p>
-        </p:txBody>
-      </p:sp>
+            <a:pPr marL="0" indent="0" algn="l">
+              <a:buNone/>
+            </a:pPr>
+            <a:r>
+              <a:rPr lang="en-SG" sz="1800" b="1" i="0" dirty="0">
+                <a:solidFill>
+                  <a:srgbClr val="374151"/>
+                </a:solidFill>
+                <a:effectLst/>
+                <a:latin typeface="Century Gothic" panose="020B0502020202020204" pitchFamily="34" charset="0"/>
+              </a:rPr>
+              <a:t>EDA Overview:</a:t>
+            </a:r>
+            <a:endParaRPr lang="en-SG" sz="1800" b="0" i="0" dirty="0">
+              <a:solidFill>
+                <a:srgbClr val="374151"/>
+              </a:solidFill>
+              <a:effectLst/>
+              <a:latin typeface="Century Gothic" panose="020B0502020202020204" pitchFamily="34" charset="0"/>
+            </a:endParaRPr>
+          </a:p>
+          <a:p>
+            <a:pPr algn="l">
+              <a:buFont typeface="Arial" panose="020B0604020202020204" pitchFamily="34" charset="0"/>
+              <a:buChar char="•"/>
+            </a:pPr>
+            <a:r>
+              <a:rPr lang="en-SG" sz="1800" b="0" i="0" dirty="0">
+                <a:solidFill>
+                  <a:srgbClr val="374151"/>
+                </a:solidFill>
+                <a:effectLst/>
+                <a:latin typeface="Century Gothic" panose="020B0502020202020204" pitchFamily="34" charset="0"/>
+              </a:rPr>
+              <a:t>Dataset: '</a:t>
+            </a:r>
+            <a:r>
+              <a:rPr lang="en-SG" sz="1800" b="0" i="0" dirty="0" err="1">
+                <a:solidFill>
+                  <a:srgbClr val="374151"/>
+                </a:solidFill>
+                <a:effectLst/>
+                <a:latin typeface="Century Gothic" panose="020B0502020202020204" pitchFamily="34" charset="0"/>
+              </a:rPr>
+              <a:t>cleaned_crime_data.csv</a:t>
+            </a:r>
+            <a:r>
+              <a:rPr lang="en-SG" sz="1800" b="0" i="0" dirty="0">
+                <a:solidFill>
+                  <a:srgbClr val="374151"/>
+                </a:solidFill>
+                <a:effectLst/>
+                <a:latin typeface="Century Gothic" panose="020B0502020202020204" pitchFamily="34" charset="0"/>
+              </a:rPr>
+              <a:t>' (2010-2022)</a:t>
+            </a:r>
+          </a:p>
+          <a:p>
+            <a:pPr algn="l">
+              <a:buFont typeface="Arial" panose="020B0604020202020204" pitchFamily="34" charset="0"/>
+              <a:buChar char="•"/>
+            </a:pPr>
+            <a:r>
+              <a:rPr lang="en-SG" sz="1800" b="0" i="0" dirty="0">
+                <a:solidFill>
+                  <a:srgbClr val="374151"/>
+                </a:solidFill>
+                <a:effectLst/>
+                <a:latin typeface="Century Gothic" panose="020B0502020202020204" pitchFamily="34" charset="0"/>
+              </a:rPr>
+              <a:t>Focus: Timeframe, Weekdays, Crime Categories, Victim Characteristics, Area of Occurrence</a:t>
+            </a:r>
+          </a:p>
+          <a:p>
+            <a:pPr marL="0" indent="0">
+              <a:buNone/>
+            </a:pPr>
+            <a:endParaRPr lang="en-US" dirty="0"/>
+          </a:p>
+        </p:txBody>
+      </p:sp>
+      <p:sp>
+        <p:nvSpPr>
+          <p:cNvPr id="5" name="Content Placeholder 2">
+            <a:extLst>
+              <a:ext uri="{FF2B5EF4-FFF2-40B4-BE49-F238E27FC236}">
+                <a16:creationId xmlns:a16="http://schemas.microsoft.com/office/drawing/2014/main" id="{E0300AEA-253A-4BF3-4CA7-DF37EC9A6FC6}"/>
+              </a:ext>
+            </a:extLst>
+          </p:cNvPr>
+          <p:cNvSpPr txBox="1">
+            <a:spLocks/>
+          </p:cNvSpPr>
+          <p:nvPr/>
+        </p:nvSpPr>
+        <p:spPr>
+          <a:xfrm>
+            <a:off x="1485900" y="1684244"/>
+            <a:ext cx="9562204" cy="1037441"/>
+          </a:xfrm>
+          <a:prstGeom prst="rect">
+            <a:avLst/>
+          </a:prstGeom>
+        </p:spPr>
+        <p:txBody>
+          <a:bodyPr vert="horz" lIns="91440" tIns="45720" rIns="91440" bIns="45720" rtlCol="0">
+            <a:noAutofit/>
+          </a:bodyPr>
+          <a:lstStyle>
+            <a:lvl1pPr marL="384048" indent="-384048" algn="l" defTabSz="914400" rtl="0" eaLnBrk="1" latinLnBrk="0" hangingPunct="1">
+              <a:lnSpc>
+                <a:spcPct val="94000"/>
+              </a:lnSpc>
+              <a:spcBef>
+                <a:spcPts val="1000"/>
+              </a:spcBef>
+              <a:spcAft>
+                <a:spcPts val="200"/>
+              </a:spcAft>
+              <a:buFont typeface="Franklin Gothic Book" panose="020B0503020102020204" pitchFamily="34" charset="0"/>
+              <a:buChar char="■"/>
+              <a:defRPr sz="2000" kern="1200" baseline="0">
+                <a:solidFill>
+                  <a:schemeClr val="tx2"/>
+                </a:solidFill>
+                <a:latin typeface="+mn-lt"/>
+                <a:ea typeface="+mn-ea"/>
+                <a:cs typeface="+mn-cs"/>
+              </a:defRPr>
+            </a:lvl1pPr>
+            <a:lvl2pPr marL="914400" indent="-384048" algn="l" defTabSz="914400" rtl="0" eaLnBrk="1" latinLnBrk="0" hangingPunct="1">
+              <a:lnSpc>
+                <a:spcPct val="94000"/>
+              </a:lnSpc>
+              <a:spcBef>
+                <a:spcPts val="500"/>
+              </a:spcBef>
+              <a:spcAft>
+                <a:spcPts val="200"/>
+              </a:spcAft>
+              <a:buFont typeface="Franklin Gothic Book" panose="020B0503020102020204" pitchFamily="34" charset="0"/>
+              <a:buChar char="–"/>
+              <a:defRPr sz="2000" i="1" kern="1200" baseline="0">
+                <a:solidFill>
+                  <a:schemeClr val="tx2"/>
+                </a:solidFill>
+                <a:latin typeface="+mn-lt"/>
+                <a:ea typeface="+mn-ea"/>
+                <a:cs typeface="+mn-cs"/>
+              </a:defRPr>
+            </a:lvl2pPr>
+            <a:lvl3pPr marL="1371600" indent="-384048" algn="l" defTabSz="914400" rtl="0" eaLnBrk="1" latinLnBrk="0" hangingPunct="1">
+              <a:lnSpc>
+                <a:spcPct val="94000"/>
+              </a:lnSpc>
+              <a:spcBef>
+                <a:spcPts val="500"/>
+              </a:spcBef>
+              <a:spcAft>
+                <a:spcPts val="200"/>
+              </a:spcAft>
+              <a:buFont typeface="Franklin Gothic Book" panose="020B0503020102020204" pitchFamily="34" charset="0"/>
+              <a:buChar char="■"/>
+              <a:defRPr sz="1800" kern="1200" baseline="0">
+                <a:solidFill>
+                  <a:schemeClr val="tx2"/>
+                </a:solidFill>
+                <a:latin typeface="+mn-lt"/>
+                <a:ea typeface="+mn-ea"/>
+                <a:cs typeface="+mn-cs"/>
+              </a:defRPr>
+            </a:lvl3pPr>
+            <a:lvl4pPr marL="1828800" indent="-384048" algn="l" defTabSz="914400" rtl="0" eaLnBrk="1" latinLnBrk="0" hangingPunct="1">
+              <a:lnSpc>
+                <a:spcPct val="94000"/>
+              </a:lnSpc>
+              <a:spcBef>
+                <a:spcPts val="500"/>
+              </a:spcBef>
+              <a:spcAft>
+                <a:spcPts val="200"/>
+              </a:spcAft>
+              <a:buFont typeface="Franklin Gothic Book" panose="020B0503020102020204" pitchFamily="34" charset="0"/>
+              <a:buChar char="–"/>
+              <a:defRPr sz="1800" i="1" kern="1200" baseline="0">
+                <a:solidFill>
+                  <a:schemeClr val="tx2"/>
+                </a:solidFill>
+                <a:latin typeface="+mn-lt"/>
+                <a:ea typeface="+mn-ea"/>
+                <a:cs typeface="+mn-cs"/>
+              </a:defRPr>
+            </a:lvl4pPr>
+            <a:lvl5pPr marL="2286000" indent="-384048" algn="l" defTabSz="914400" rtl="0" eaLnBrk="1" latinLnBrk="0" hangingPunct="1">
+              <a:lnSpc>
+                <a:spcPct val="94000"/>
+              </a:lnSpc>
+              <a:spcBef>
+                <a:spcPts val="500"/>
+              </a:spcBef>
+              <a:spcAft>
+                <a:spcPts val="200"/>
+              </a:spcAft>
+              <a:buFont typeface="Franklin Gothic Book" panose="020B0503020102020204" pitchFamily="34" charset="0"/>
+              <a:buChar char="■"/>
+              <a:defRPr sz="1600" kern="1200" baseline="0">
+                <a:solidFill>
+                  <a:schemeClr val="tx2"/>
+                </a:solidFill>
+                <a:latin typeface="+mn-lt"/>
+                <a:ea typeface="+mn-ea"/>
+                <a:cs typeface="+mn-cs"/>
+              </a:defRPr>
+            </a:lvl5pPr>
+            <a:lvl6pPr marL="2743200" indent="-384048" algn="l" defTabSz="914400" rtl="0" eaLnBrk="1" latinLnBrk="0" hangingPunct="1">
+              <a:lnSpc>
+                <a:spcPct val="94000"/>
+              </a:lnSpc>
+              <a:spcBef>
+                <a:spcPts val="500"/>
+              </a:spcBef>
+              <a:spcAft>
+                <a:spcPts val="200"/>
+              </a:spcAft>
+              <a:buFont typeface="Franklin Gothic Book" panose="020B0503020102020204" pitchFamily="34" charset="0"/>
+              <a:buChar char="–"/>
+              <a:defRPr sz="1600" i="1" kern="1200" baseline="0">
+                <a:solidFill>
+                  <a:schemeClr val="tx2"/>
+                </a:solidFill>
+                <a:latin typeface="+mn-lt"/>
+                <a:ea typeface="+mn-ea"/>
+                <a:cs typeface="+mn-cs"/>
+              </a:defRPr>
+            </a:lvl6pPr>
+            <a:lvl7pPr marL="3200400" indent="-384048" algn="l" defTabSz="914400" rtl="0" eaLnBrk="1" latinLnBrk="0" hangingPunct="1">
+              <a:lnSpc>
+                <a:spcPct val="94000"/>
+              </a:lnSpc>
+              <a:spcBef>
+                <a:spcPts val="500"/>
+              </a:spcBef>
+              <a:spcAft>
+                <a:spcPts val="200"/>
+              </a:spcAft>
+              <a:buFont typeface="Franklin Gothic Book" panose="020B0503020102020204" pitchFamily="34" charset="0"/>
+              <a:buChar char="■"/>
+              <a:defRPr sz="1400" kern="1200" baseline="0">
+                <a:solidFill>
+                  <a:schemeClr val="tx2"/>
+                </a:solidFill>
+                <a:latin typeface="+mn-lt"/>
+                <a:ea typeface="+mn-ea"/>
+                <a:cs typeface="+mn-cs"/>
+              </a:defRPr>
+            </a:lvl7pPr>
+            <a:lvl8pPr marL="3657600" indent="-384048" algn="l" defTabSz="914400" rtl="0" eaLnBrk="1" latinLnBrk="0" hangingPunct="1">
+              <a:lnSpc>
+                <a:spcPct val="94000"/>
+              </a:lnSpc>
+              <a:spcBef>
+                <a:spcPts val="500"/>
+              </a:spcBef>
+              <a:spcAft>
+                <a:spcPts val="200"/>
+              </a:spcAft>
+              <a:buFont typeface="Franklin Gothic Book" panose="020B0503020102020204" pitchFamily="34" charset="0"/>
+              <a:buChar char="–"/>
+              <a:defRPr sz="1400" i="1" kern="1200" baseline="0">
+                <a:solidFill>
+                  <a:schemeClr val="tx2"/>
+                </a:solidFill>
+                <a:latin typeface="+mn-lt"/>
+                <a:ea typeface="+mn-ea"/>
+                <a:cs typeface="+mn-cs"/>
+              </a:defRPr>
+            </a:lvl8pPr>
+            <a:lvl9pPr marL="4114800" indent="-384048" algn="l" defTabSz="914400" rtl="0" eaLnBrk="1" latinLnBrk="0" hangingPunct="1">
+              <a:lnSpc>
+                <a:spcPct val="94000"/>
+              </a:lnSpc>
+              <a:spcBef>
+                <a:spcPts val="500"/>
+              </a:spcBef>
+              <a:spcAft>
+                <a:spcPts val="200"/>
+              </a:spcAft>
+              <a:buFont typeface="Franklin Gothic Book" panose="020B0503020102020204" pitchFamily="34" charset="0"/>
+              <a:buChar char="■"/>
+              <a:defRPr sz="1400" kern="1200" baseline="0">
+                <a:solidFill>
+                  <a:schemeClr val="tx2"/>
+                </a:solidFill>
+                <a:latin typeface="+mn-lt"/>
+                <a:ea typeface="+mn-ea"/>
+                <a:cs typeface="+mn-cs"/>
+              </a:defRPr>
+            </a:lvl9pPr>
+          </a:lstStyle>
+          <a:p>
+            <a:pPr marL="0" indent="0" algn="l">
+              <a:buNone/>
+            </a:pPr>
+            <a:r>
+              <a:rPr lang="en-SG" sz="1500" b="1" i="0" dirty="0">
+                <a:solidFill>
+                  <a:srgbClr val="374151"/>
+                </a:solidFill>
+                <a:effectLst/>
+                <a:latin typeface="Century Gothic" panose="020B0502020202020204" pitchFamily="34" charset="0"/>
+              </a:rPr>
+              <a:t>Crime Occurrence by Time:</a:t>
+            </a:r>
+            <a:endParaRPr lang="en-SG" sz="1500" b="0" i="0" dirty="0">
+              <a:solidFill>
+                <a:srgbClr val="374151"/>
+              </a:solidFill>
+              <a:effectLst/>
+              <a:latin typeface="Century Gothic" panose="020B0502020202020204" pitchFamily="34" charset="0"/>
+            </a:endParaRPr>
+          </a:p>
+          <a:p>
+            <a:pPr algn="l">
+              <a:buFont typeface="Arial" panose="020B0604020202020204" pitchFamily="34" charset="0"/>
+              <a:buChar char="•"/>
+            </a:pPr>
+            <a:r>
+              <a:rPr lang="en-SG" sz="1500" b="1" i="0" dirty="0">
+                <a:solidFill>
+                  <a:srgbClr val="374151"/>
+                </a:solidFill>
+                <a:effectLst/>
+                <a:latin typeface="Century Gothic" panose="020B0502020202020204" pitchFamily="34" charset="0"/>
+              </a:rPr>
+              <a:t>Weekdays:</a:t>
+            </a:r>
+            <a:r>
+              <a:rPr lang="en-SG" sz="1500" b="0" i="0" dirty="0">
+                <a:solidFill>
+                  <a:srgbClr val="374151"/>
+                </a:solidFill>
+                <a:effectLst/>
+                <a:latin typeface="Century Gothic" panose="020B0502020202020204" pitchFamily="34" charset="0"/>
+              </a:rPr>
+              <a:t> Higher incidents on Fridays and Saturdays, lowest on Sundays (Figure 1)</a:t>
+            </a:r>
+          </a:p>
+          <a:p>
+            <a:pPr algn="l">
+              <a:buFont typeface="Arial" panose="020B0604020202020204" pitchFamily="34" charset="0"/>
+              <a:buChar char="•"/>
+            </a:pPr>
+            <a:r>
+              <a:rPr lang="en-SG" sz="1500" b="1" i="0" dirty="0">
+                <a:solidFill>
+                  <a:srgbClr val="374151"/>
+                </a:solidFill>
+                <a:effectLst/>
+                <a:latin typeface="Century Gothic" panose="020B0502020202020204" pitchFamily="34" charset="0"/>
+              </a:rPr>
+              <a:t>Time of Day:</a:t>
+            </a:r>
+            <a:r>
+              <a:rPr lang="en-SG" sz="1500" b="0" i="0" dirty="0">
+                <a:solidFill>
+                  <a:srgbClr val="374151"/>
+                </a:solidFill>
+                <a:effectLst/>
+                <a:latin typeface="Century Gothic" panose="020B0502020202020204" pitchFamily="34" charset="0"/>
+              </a:rPr>
+              <a:t> Evenings see the highest crime rates (Figure 2)</a:t>
+            </a:r>
+          </a:p>
+          <a:p>
+            <a:pPr marL="0" indent="0">
+              <a:buFont typeface="Franklin Gothic Book" panose="020B0503020102020204" pitchFamily="34" charset="0"/>
+              <a:buNone/>
+            </a:pPr>
+            <a:endParaRPr lang="en-US" sz="1500" dirty="0">
+              <a:latin typeface="Century Gothic" panose="020B0502020202020204" pitchFamily="34" charset="0"/>
+            </a:endParaRPr>
+          </a:p>
+        </p:txBody>
+      </p:sp>
+      <p:pic>
+        <p:nvPicPr>
+          <p:cNvPr id="8" name="Picture 7" descr="A colorful rectangular boxes with numbers and text&#10;&#10;Description automatically generated with medium confidence">
+            <a:extLst>
+              <a:ext uri="{FF2B5EF4-FFF2-40B4-BE49-F238E27FC236}">
+                <a16:creationId xmlns:a16="http://schemas.microsoft.com/office/drawing/2014/main" id="{ACABC84B-5E30-FF0F-B0C3-BC7B2BB339DA}"/>
+              </a:ext>
+            </a:extLst>
+          </p:cNvPr>
+          <p:cNvPicPr>
+            <a:picLocks noChangeAspect="1"/>
+          </p:cNvPicPr>
+          <p:nvPr/>
+        </p:nvPicPr>
+        <p:blipFill>
+          <a:blip r:embed="rId2">
+            <a:extLst>
+              <a:ext uri="{28A0092B-C50C-407E-A947-70E740481C1C}">
+                <a14:useLocalDpi xmlns:a14="http://schemas.microsoft.com/office/drawing/2010/main" val="0"/>
+              </a:ext>
+            </a:extLst>
+          </a:blip>
+          <a:srcRect/>
+          <a:stretch>
+            <a:fillRect/>
+          </a:stretch>
+        </p:blipFill>
+        <p:spPr bwMode="auto">
+          <a:xfrm>
+            <a:off x="1016092" y="2991035"/>
+            <a:ext cx="5298647" cy="3155354"/>
+          </a:xfrm>
+          <a:prstGeom prst="rect">
+            <a:avLst/>
+          </a:prstGeom>
+          <a:noFill/>
+          <a:ln>
+            <a:noFill/>
+          </a:ln>
+        </p:spPr>
+      </p:pic>
+      <p:pic>
+        <p:nvPicPr>
+          <p:cNvPr id="1026" name="Picture 2" descr="A blue and orange rectangles&#10;&#10;Description automatically generated">
+            <a:extLst>
+              <a:ext uri="{FF2B5EF4-FFF2-40B4-BE49-F238E27FC236}">
+                <a16:creationId xmlns:a16="http://schemas.microsoft.com/office/drawing/2014/main" id="{B2C92012-D45A-7217-5B07-A0561B924DB5}"/>
+              </a:ext>
+            </a:extLst>
+          </p:cNvPr>
+          <p:cNvPicPr>
+            <a:picLocks noChangeAspect="1" noChangeArrowheads="1"/>
+          </p:cNvPicPr>
+          <p:nvPr/>
+        </p:nvPicPr>
+        <p:blipFill>
+          <a:blip r:embed="rId3">
+            <a:extLst>
+              <a:ext uri="{28A0092B-C50C-407E-A947-70E740481C1C}">
+                <a14:useLocalDpi xmlns:a14="http://schemas.microsoft.com/office/drawing/2010/main" val="0"/>
+              </a:ext>
+            </a:extLst>
+          </a:blip>
+          <a:srcRect/>
+          <a:stretch>
+            <a:fillRect/>
+          </a:stretch>
+        </p:blipFill>
+        <p:spPr bwMode="auto">
+          <a:xfrm>
+            <a:off x="6314739" y="2725046"/>
+            <a:ext cx="5501922" cy="3963521"/>
+          </a:xfrm>
+          <a:prstGeom prst="rect">
+            <a:avLst/>
+          </a:prstGeom>
+          <a:noFill/>
+          <a:extLst>
+            <a:ext uri="{909E8E84-426E-40DD-AFC4-6F175D3DCCD1}">
+              <a14:hiddenFill xmlns:a14="http://schemas.microsoft.com/office/drawing/2010/main">
+                <a:solidFill>
+                  <a:srgbClr val="FFFFFF"/>
+                </a:solidFill>
+              </a14:hiddenFill>
+            </a:ext>
+          </a:extLst>
+        </p:spPr>
+      </p:pic>
     </p:spTree>
     <p:extLst>
       <p:ext uri="{BB962C8B-B14F-4D97-AF65-F5344CB8AC3E}">
-        <p14:creationId xmlns:p14="http://schemas.microsoft.com/office/powerpoint/2010/main" val="2297393689"/>
+        <p14:creationId xmlns:p14="http://schemas.microsoft.com/office/powerpoint/2010/main" val="2737534933"/>
       </p:ext>
     </p:extLst>
   </p:cSld>
@@ -4476,6 +8592,14 @@
 <file path=ppt/slides/slide6.xml><?xml version="1.0" encoding="utf-8"?>
 <p:sld xmlns:a="http://schemas.openxmlformats.org/drawingml/2006/main" xmlns:r="http://schemas.openxmlformats.org/officeDocument/2006/relationships" xmlns:p="http://schemas.openxmlformats.org/presentationml/2006/main">
   <p:cSld>
+    <p:bg>
+      <p:bgPr>
+        <a:solidFill>
+          <a:schemeClr val="bg2"/>
+        </a:solidFill>
+        <a:effectLst/>
+      </p:bgPr>
+    </p:bg>
     <p:spTree>
       <p:nvGrpSpPr>
         <p:cNvPr id="1" name=""/>
@@ -4490,6 +8614,66 @@
           <a:chExt cx="0" cy="0"/>
         </a:xfrm>
       </p:grpSpPr>
+      <p:sp useBgFill="1">
+        <p:nvSpPr>
+          <p:cNvPr id="29" name="Rectangle 28">
+            <a:extLst>
+              <a:ext uri="{FF2B5EF4-FFF2-40B4-BE49-F238E27FC236}">
+                <a16:creationId xmlns:a16="http://schemas.microsoft.com/office/drawing/2014/main" id="{8E2B8A2D-F46F-4DA5-8AFF-BC57461C281A}"/>
+              </a:ext>
+              <a:ext uri="{C183D7F6-B498-43B3-948B-1728B52AA6E4}">
+                <adec:decorative xmlns:adec="http://schemas.microsoft.com/office/drawing/2017/decorative" val="1"/>
+              </a:ext>
+            </a:extLst>
+          </p:cNvPr>
+          <p:cNvSpPr>
+            <a:spLocks noGrp="1" noRot="1" noChangeAspect="1" noMove="1" noResize="1" noEditPoints="1" noAdjustHandles="1" noChangeArrowheads="1" noChangeShapeType="1" noTextEdit="1"/>
+          </p:cNvSpPr>
+          <p:nvPr>
+            <p:extLst>
+              <p:ext uri="{386F3935-93C4-4BCD-93E2-E3B085C9AB24}">
+                <p16:designElem xmlns:p16="http://schemas.microsoft.com/office/powerpoint/2015/main" val="1"/>
+              </p:ext>
+            </p:extLst>
+          </p:nvPr>
+        </p:nvSpPr>
+        <p:spPr>
+          <a:xfrm>
+            <a:off x="0" y="0"/>
+            <a:ext cx="12192000" cy="6858000"/>
+          </a:xfrm>
+          <a:prstGeom prst="rect">
+            <a:avLst/>
+          </a:prstGeom>
+          <a:ln>
+            <a:noFill/>
+          </a:ln>
+        </p:spPr>
+        <p:style>
+          <a:lnRef idx="2">
+            <a:schemeClr val="accent1">
+              <a:shade val="50000"/>
+            </a:schemeClr>
+          </a:lnRef>
+          <a:fillRef idx="1">
+            <a:schemeClr val="accent1"/>
+          </a:fillRef>
+          <a:effectRef idx="0">
+            <a:schemeClr val="accent1"/>
+          </a:effectRef>
+          <a:fontRef idx="minor">
+            <a:schemeClr val="lt1"/>
+          </a:fontRef>
+        </p:style>
+        <p:txBody>
+          <a:bodyPr rtlCol="0" anchor="ctr"/>
+          <a:lstStyle/>
+          <a:p>
+            <a:pPr algn="ctr"/>
+            <a:endParaRPr lang="en-US"/>
+          </a:p>
+        </p:txBody>
+      </p:sp>
       <p:sp>
         <p:nvSpPr>
           <p:cNvPr id="2" name="Title 1">
@@ -4506,40 +8690,448 @@
             <p:ph type="title"/>
           </p:nvPr>
         </p:nvSpPr>
-        <p:spPr/>
-        <p:txBody>
-          <a:bodyPr/>
+        <p:spPr>
+          <a:xfrm>
+            <a:off x="784743" y="685800"/>
+            <a:ext cx="5793475" cy="1485900"/>
+          </a:xfrm>
+        </p:spPr>
+        <p:txBody>
+          <a:bodyPr vert="horz" lIns="91440" tIns="45720" rIns="91440" bIns="45720" rtlCol="0" anchor="t">
+            <a:normAutofit/>
+          </a:bodyPr>
           <a:lstStyle/>
           <a:p>
-            <a:endParaRPr lang="en-US"/>
-          </a:p>
-        </p:txBody>
-      </p:sp>
-      <p:sp>
-        <p:nvSpPr>
-          <p:cNvPr id="3" name="Content Placeholder 2">
+            <a:r>
+              <a:rPr lang="en-US" i="0">
+                <a:effectLst/>
+              </a:rPr>
+              <a:t>Crime</a:t>
+            </a:r>
+            <a:r>
+              <a:rPr lang="en-US" b="1" i="0">
+                <a:effectLst/>
+              </a:rPr>
+              <a:t> </a:t>
+            </a:r>
+            <a:r>
+              <a:rPr lang="en-US" i="0">
+                <a:effectLst/>
+              </a:rPr>
+              <a:t>Description Analysis:- EDA</a:t>
+            </a:r>
+            <a:endParaRPr lang="en-US" i="0" dirty="0">
+              <a:effectLst/>
+            </a:endParaRPr>
+          </a:p>
+        </p:txBody>
+      </p:sp>
+      <p:sp>
+        <p:nvSpPr>
+          <p:cNvPr id="6" name="Content Placeholder 2">
             <a:extLst>
               <a:ext uri="{FF2B5EF4-FFF2-40B4-BE49-F238E27FC236}">
-                <a16:creationId xmlns:a16="http://schemas.microsoft.com/office/drawing/2014/main" id="{40D92C4D-082D-4337-4A9A-F7A044E005C8}"/>
+                <a16:creationId xmlns:a16="http://schemas.microsoft.com/office/drawing/2014/main" id="{E3F2FDAA-348C-E3BA-FB32-CACD79F98571}"/>
+              </a:ext>
+            </a:extLst>
+          </p:cNvPr>
+          <p:cNvSpPr txBox="1">
+            <a:spLocks/>
+          </p:cNvSpPr>
+          <p:nvPr/>
+        </p:nvSpPr>
+        <p:spPr>
+          <a:xfrm>
+            <a:off x="784743" y="2286000"/>
+            <a:ext cx="5793475" cy="3581400"/>
+          </a:xfrm>
+          <a:prstGeom prst="rect">
+            <a:avLst/>
+          </a:prstGeom>
+        </p:spPr>
+        <p:txBody>
+          <a:bodyPr vert="horz" lIns="91440" tIns="45720" rIns="91440" bIns="45720" rtlCol="0">
+            <a:normAutofit/>
+          </a:bodyPr>
+          <a:lstStyle>
+            <a:lvl1pPr marL="384048" indent="-384048" algn="l" defTabSz="914400" rtl="0" eaLnBrk="1" latinLnBrk="0" hangingPunct="1">
+              <a:lnSpc>
+                <a:spcPct val="94000"/>
+              </a:lnSpc>
+              <a:spcBef>
+                <a:spcPts val="1000"/>
+              </a:spcBef>
+              <a:spcAft>
+                <a:spcPts val="200"/>
+              </a:spcAft>
+              <a:buFont typeface="Franklin Gothic Book" panose="020B0503020102020204" pitchFamily="34" charset="0"/>
+              <a:buChar char="■"/>
+              <a:defRPr sz="2000" kern="1200" baseline="0">
+                <a:solidFill>
+                  <a:schemeClr val="tx2"/>
+                </a:solidFill>
+                <a:latin typeface="+mn-lt"/>
+                <a:ea typeface="+mn-ea"/>
+                <a:cs typeface="+mn-cs"/>
+              </a:defRPr>
+            </a:lvl1pPr>
+            <a:lvl2pPr marL="914400" indent="-384048" algn="l" defTabSz="914400" rtl="0" eaLnBrk="1" latinLnBrk="0" hangingPunct="1">
+              <a:lnSpc>
+                <a:spcPct val="94000"/>
+              </a:lnSpc>
+              <a:spcBef>
+                <a:spcPts val="500"/>
+              </a:spcBef>
+              <a:spcAft>
+                <a:spcPts val="200"/>
+              </a:spcAft>
+              <a:buFont typeface="Franklin Gothic Book" panose="020B0503020102020204" pitchFamily="34" charset="0"/>
+              <a:buChar char="–"/>
+              <a:defRPr sz="2000" i="1" kern="1200" baseline="0">
+                <a:solidFill>
+                  <a:schemeClr val="tx2"/>
+                </a:solidFill>
+                <a:latin typeface="+mn-lt"/>
+                <a:ea typeface="+mn-ea"/>
+                <a:cs typeface="+mn-cs"/>
+              </a:defRPr>
+            </a:lvl2pPr>
+            <a:lvl3pPr marL="1371600" indent="-384048" algn="l" defTabSz="914400" rtl="0" eaLnBrk="1" latinLnBrk="0" hangingPunct="1">
+              <a:lnSpc>
+                <a:spcPct val="94000"/>
+              </a:lnSpc>
+              <a:spcBef>
+                <a:spcPts val="500"/>
+              </a:spcBef>
+              <a:spcAft>
+                <a:spcPts val="200"/>
+              </a:spcAft>
+              <a:buFont typeface="Franklin Gothic Book" panose="020B0503020102020204" pitchFamily="34" charset="0"/>
+              <a:buChar char="■"/>
+              <a:defRPr sz="1800" kern="1200" baseline="0">
+                <a:solidFill>
+                  <a:schemeClr val="tx2"/>
+                </a:solidFill>
+                <a:latin typeface="+mn-lt"/>
+                <a:ea typeface="+mn-ea"/>
+                <a:cs typeface="+mn-cs"/>
+              </a:defRPr>
+            </a:lvl3pPr>
+            <a:lvl4pPr marL="1828800" indent="-384048" algn="l" defTabSz="914400" rtl="0" eaLnBrk="1" latinLnBrk="0" hangingPunct="1">
+              <a:lnSpc>
+                <a:spcPct val="94000"/>
+              </a:lnSpc>
+              <a:spcBef>
+                <a:spcPts val="500"/>
+              </a:spcBef>
+              <a:spcAft>
+                <a:spcPts val="200"/>
+              </a:spcAft>
+              <a:buFont typeface="Franklin Gothic Book" panose="020B0503020102020204" pitchFamily="34" charset="0"/>
+              <a:buChar char="–"/>
+              <a:defRPr sz="1800" i="1" kern="1200" baseline="0">
+                <a:solidFill>
+                  <a:schemeClr val="tx2"/>
+                </a:solidFill>
+                <a:latin typeface="+mn-lt"/>
+                <a:ea typeface="+mn-ea"/>
+                <a:cs typeface="+mn-cs"/>
+              </a:defRPr>
+            </a:lvl4pPr>
+            <a:lvl5pPr marL="2286000" indent="-384048" algn="l" defTabSz="914400" rtl="0" eaLnBrk="1" latinLnBrk="0" hangingPunct="1">
+              <a:lnSpc>
+                <a:spcPct val="94000"/>
+              </a:lnSpc>
+              <a:spcBef>
+                <a:spcPts val="500"/>
+              </a:spcBef>
+              <a:spcAft>
+                <a:spcPts val="200"/>
+              </a:spcAft>
+              <a:buFont typeface="Franklin Gothic Book" panose="020B0503020102020204" pitchFamily="34" charset="0"/>
+              <a:buChar char="■"/>
+              <a:defRPr sz="1600" kern="1200" baseline="0">
+                <a:solidFill>
+                  <a:schemeClr val="tx2"/>
+                </a:solidFill>
+                <a:latin typeface="+mn-lt"/>
+                <a:ea typeface="+mn-ea"/>
+                <a:cs typeface="+mn-cs"/>
+              </a:defRPr>
+            </a:lvl5pPr>
+            <a:lvl6pPr marL="2743200" indent="-384048" algn="l" defTabSz="914400" rtl="0" eaLnBrk="1" latinLnBrk="0" hangingPunct="1">
+              <a:lnSpc>
+                <a:spcPct val="94000"/>
+              </a:lnSpc>
+              <a:spcBef>
+                <a:spcPts val="500"/>
+              </a:spcBef>
+              <a:spcAft>
+                <a:spcPts val="200"/>
+              </a:spcAft>
+              <a:buFont typeface="Franklin Gothic Book" panose="020B0503020102020204" pitchFamily="34" charset="0"/>
+              <a:buChar char="–"/>
+              <a:defRPr sz="1600" i="1" kern="1200" baseline="0">
+                <a:solidFill>
+                  <a:schemeClr val="tx2"/>
+                </a:solidFill>
+                <a:latin typeface="+mn-lt"/>
+                <a:ea typeface="+mn-ea"/>
+                <a:cs typeface="+mn-cs"/>
+              </a:defRPr>
+            </a:lvl6pPr>
+            <a:lvl7pPr marL="3200400" indent="-384048" algn="l" defTabSz="914400" rtl="0" eaLnBrk="1" latinLnBrk="0" hangingPunct="1">
+              <a:lnSpc>
+                <a:spcPct val="94000"/>
+              </a:lnSpc>
+              <a:spcBef>
+                <a:spcPts val="500"/>
+              </a:spcBef>
+              <a:spcAft>
+                <a:spcPts val="200"/>
+              </a:spcAft>
+              <a:buFont typeface="Franklin Gothic Book" panose="020B0503020102020204" pitchFamily="34" charset="0"/>
+              <a:buChar char="■"/>
+              <a:defRPr sz="1400" kern="1200" baseline="0">
+                <a:solidFill>
+                  <a:schemeClr val="tx2"/>
+                </a:solidFill>
+                <a:latin typeface="+mn-lt"/>
+                <a:ea typeface="+mn-ea"/>
+                <a:cs typeface="+mn-cs"/>
+              </a:defRPr>
+            </a:lvl7pPr>
+            <a:lvl8pPr marL="3657600" indent="-384048" algn="l" defTabSz="914400" rtl="0" eaLnBrk="1" latinLnBrk="0" hangingPunct="1">
+              <a:lnSpc>
+                <a:spcPct val="94000"/>
+              </a:lnSpc>
+              <a:spcBef>
+                <a:spcPts val="500"/>
+              </a:spcBef>
+              <a:spcAft>
+                <a:spcPts val="200"/>
+              </a:spcAft>
+              <a:buFont typeface="Franklin Gothic Book" panose="020B0503020102020204" pitchFamily="34" charset="0"/>
+              <a:buChar char="–"/>
+              <a:defRPr sz="1400" i="1" kern="1200" baseline="0">
+                <a:solidFill>
+                  <a:schemeClr val="tx2"/>
+                </a:solidFill>
+                <a:latin typeface="+mn-lt"/>
+                <a:ea typeface="+mn-ea"/>
+                <a:cs typeface="+mn-cs"/>
+              </a:defRPr>
+            </a:lvl8pPr>
+            <a:lvl9pPr marL="4114800" indent="-384048" algn="l" defTabSz="914400" rtl="0" eaLnBrk="1" latinLnBrk="0" hangingPunct="1">
+              <a:lnSpc>
+                <a:spcPct val="94000"/>
+              </a:lnSpc>
+              <a:spcBef>
+                <a:spcPts val="500"/>
+              </a:spcBef>
+              <a:spcAft>
+                <a:spcPts val="200"/>
+              </a:spcAft>
+              <a:buFont typeface="Franklin Gothic Book" panose="020B0503020102020204" pitchFamily="34" charset="0"/>
+              <a:buChar char="■"/>
+              <a:defRPr sz="1400" kern="1200" baseline="0">
+                <a:solidFill>
+                  <a:schemeClr val="tx2"/>
+                </a:solidFill>
+                <a:latin typeface="+mn-lt"/>
+                <a:ea typeface="+mn-ea"/>
+                <a:cs typeface="+mn-cs"/>
+              </a:defRPr>
+            </a:lvl9pPr>
+          </a:lstStyle>
+          <a:p>
+            <a:pPr marL="0">
+              <a:buFont typeface="Franklin Gothic Book" panose="020B0503020102020204" pitchFamily="34" charset="0"/>
+              <a:buNone/>
+            </a:pPr>
+            <a:r>
+              <a:rPr lang="en-US" b="1" i="0">
+                <a:effectLst/>
+              </a:rPr>
+              <a:t>Crime Description Analysis:</a:t>
+            </a:r>
+            <a:endParaRPr lang="en-US" b="0" i="0">
+              <a:effectLst/>
+            </a:endParaRPr>
+          </a:p>
+          <a:p>
+            <a:pPr>
+              <a:buFont typeface="Franklin Gothic Book" panose="020B0503020102020204" pitchFamily="34" charset="0"/>
+              <a:buChar char="•"/>
+            </a:pPr>
+            <a:r>
+              <a:rPr lang="en-US" b="0" i="0">
+                <a:effectLst/>
+              </a:rPr>
+              <a:t>Common Crimes: Assault, Theft, Burglary </a:t>
+            </a:r>
+          </a:p>
+          <a:p>
+            <a:pPr>
+              <a:buFont typeface="Franklin Gothic Book" panose="020B0503020102020204" pitchFamily="34" charset="0"/>
+              <a:buChar char="•"/>
+            </a:pPr>
+            <a:r>
+              <a:rPr lang="en-US" b="0" i="0">
+                <a:effectLst/>
+              </a:rPr>
+              <a:t>Trend Analysis: 'Battery - Simple Assault' highest but inconsistent; 'Assault with Deadly Weapon' on an upward trend.</a:t>
+            </a:r>
+            <a:endParaRPr lang="en-US"/>
+          </a:p>
+        </p:txBody>
+      </p:sp>
+      <p:sp>
+        <p:nvSpPr>
+          <p:cNvPr id="31" name="Rectangle 30">
+            <a:extLst>
+              <a:ext uri="{FF2B5EF4-FFF2-40B4-BE49-F238E27FC236}">
+                <a16:creationId xmlns:a16="http://schemas.microsoft.com/office/drawing/2014/main" id="{292BAD85-00E4-4D0A-993C-8372E78E1ADD}"/>
+              </a:ext>
+              <a:ext uri="{C183D7F6-B498-43B3-948B-1728B52AA6E4}">
+                <adec:decorative xmlns:adec="http://schemas.microsoft.com/office/drawing/2017/decorative" val="1"/>
               </a:ext>
             </a:extLst>
           </p:cNvPr>
           <p:cNvSpPr>
-            <a:spLocks noGrp="1"/>
-          </p:cNvSpPr>
+            <a:spLocks noGrp="1" noRot="1" noChangeAspect="1" noMove="1" noResize="1" noEditPoints="1" noAdjustHandles="1" noChangeArrowheads="1" noChangeShapeType="1" noTextEdit="1"/>
+          </p:cNvSpPr>
+          <p:nvPr>
+            <p:extLst>
+              <p:ext uri="{386F3935-93C4-4BCD-93E2-E3B085C9AB24}">
+                <p16:designElem xmlns:p16="http://schemas.microsoft.com/office/powerpoint/2015/main" val="1"/>
+              </p:ext>
+            </p:extLst>
+          </p:nvPr>
+        </p:nvSpPr>
+        <p:spPr>
+          <a:xfrm>
+            <a:off x="7383661" y="0"/>
+            <a:ext cx="228600" cy="6858000"/>
+          </a:xfrm>
+          <a:prstGeom prst="rect">
+            <a:avLst/>
+          </a:prstGeom>
+          <a:solidFill>
+            <a:schemeClr val="tx2"/>
+          </a:solidFill>
+          <a:ln>
+            <a:noFill/>
+          </a:ln>
+        </p:spPr>
+        <p:style>
+          <a:lnRef idx="2">
+            <a:schemeClr val="accent1">
+              <a:shade val="50000"/>
+            </a:schemeClr>
+          </a:lnRef>
+          <a:fillRef idx="1">
+            <a:schemeClr val="accent1"/>
+          </a:fillRef>
+          <a:effectRef idx="0">
+            <a:schemeClr val="accent1"/>
+          </a:effectRef>
+          <a:fontRef idx="minor">
+            <a:schemeClr val="lt1"/>
+          </a:fontRef>
+        </p:style>
+        <p:txBody>
+          <a:bodyPr/>
+          <a:lstStyle/>
+          <a:p>
+            <a:endParaRPr lang="en-US"/>
+          </a:p>
+        </p:txBody>
+      </p:sp>
+      <p:pic>
+        <p:nvPicPr>
+          <p:cNvPr id="15" name="Content Placeholder 10">
+            <a:extLst>
+              <a:ext uri="{FF2B5EF4-FFF2-40B4-BE49-F238E27FC236}">
+                <a16:creationId xmlns:a16="http://schemas.microsoft.com/office/drawing/2014/main" id="{D3A656D5-5215-0E3F-E7E5-F96F4FE0FF0F}"/>
+              </a:ext>
+            </a:extLst>
+          </p:cNvPr>
+          <p:cNvPicPr>
+            <a:picLocks noGrp="1" noChangeAspect="1"/>
+          </p:cNvPicPr>
           <p:nvPr>
             <p:ph idx="1"/>
           </p:nvPr>
-        </p:nvSpPr>
-        <p:spPr/>
-        <p:txBody>
-          <a:bodyPr/>
-          <a:lstStyle/>
-          <a:p>
-            <a:endParaRPr lang="en-US"/>
-          </a:p>
-        </p:txBody>
-      </p:sp>
+        </p:nvPicPr>
+        <p:blipFill>
+          <a:blip r:embed="rId2">
+            <a:extLst>
+              <a:ext uri="{28A0092B-C50C-407E-A947-70E740481C1C}">
+                <a14:useLocalDpi xmlns:a14="http://schemas.microsoft.com/office/drawing/2010/main" val="0"/>
+              </a:ext>
+            </a:extLst>
+          </a:blip>
+          <a:stretch>
+            <a:fillRect/>
+          </a:stretch>
+        </p:blipFill>
+        <p:spPr bwMode="auto">
+          <a:xfrm>
+            <a:off x="7588345" y="237553"/>
+            <a:ext cx="4595683" cy="6382893"/>
+          </a:xfrm>
+          <a:prstGeom prst="rect">
+            <a:avLst/>
+          </a:prstGeom>
+          <a:noFill/>
+          <a:ln>
+            <a:noFill/>
+          </a:ln>
+          <a:effectLst/>
+        </p:spPr>
+      </p:pic>
+      <p:pic>
+        <p:nvPicPr>
+          <p:cNvPr id="12" name="Picture 11" descr="A graph of lines with different colored lines&#10;&#10;Description automatically generated">
+            <a:extLst>
+              <a:ext uri="{FF2B5EF4-FFF2-40B4-BE49-F238E27FC236}">
+                <a16:creationId xmlns:a16="http://schemas.microsoft.com/office/drawing/2014/main" id="{1CA7205A-52EE-61B5-24AE-54C36E6A7C8C}"/>
+              </a:ext>
+            </a:extLst>
+          </p:cNvPr>
+          <p:cNvPicPr>
+            <a:picLocks noChangeAspect="1"/>
+          </p:cNvPicPr>
+          <p:nvPr/>
+        </p:nvPicPr>
+        <p:blipFill>
+          <a:blip r:embed="rId3">
+            <a:extLst>
+              <a:ext uri="{28A0092B-C50C-407E-A947-70E740481C1C}">
+                <a14:useLocalDpi xmlns:a14="http://schemas.microsoft.com/office/drawing/2010/main" val="0"/>
+              </a:ext>
+            </a:extLst>
+          </a:blip>
+          <a:stretch>
+            <a:fillRect/>
+          </a:stretch>
+        </p:blipFill>
+        <p:spPr bwMode="auto">
+          <a:xfrm>
+            <a:off x="1078261" y="4331936"/>
+            <a:ext cx="4277510" cy="2309855"/>
+          </a:xfrm>
+          <a:prstGeom prst="rect">
+            <a:avLst/>
+          </a:prstGeom>
+          <a:noFill/>
+          <a:ln>
+            <a:noFill/>
+          </a:ln>
+          <a:effectLst/>
+        </p:spPr>
+      </p:pic>
     </p:spTree>
     <p:extLst>
       <p:ext uri="{BB962C8B-B14F-4D97-AF65-F5344CB8AC3E}">
@@ -4556,6 +9148,14 @@
 <file path=ppt/slides/slide7.xml><?xml version="1.0" encoding="utf-8"?>
 <p:sld xmlns:a="http://schemas.openxmlformats.org/drawingml/2006/main" xmlns:r="http://schemas.openxmlformats.org/officeDocument/2006/relationships" xmlns:p="http://schemas.openxmlformats.org/presentationml/2006/main">
   <p:cSld>
+    <p:bg>
+      <p:bgPr>
+        <a:solidFill>
+          <a:schemeClr val="bg2"/>
+        </a:solidFill>
+        <a:effectLst/>
+      </p:bgPr>
+    </p:bg>
     <p:spTree>
       <p:nvGrpSpPr>
         <p:cNvPr id="1" name=""/>
@@ -4570,6 +9170,66 @@
           <a:chExt cx="0" cy="0"/>
         </a:xfrm>
       </p:grpSpPr>
+      <p:sp useBgFill="1">
+        <p:nvSpPr>
+          <p:cNvPr id="28" name="Rectangle 27">
+            <a:extLst>
+              <a:ext uri="{FF2B5EF4-FFF2-40B4-BE49-F238E27FC236}">
+                <a16:creationId xmlns:a16="http://schemas.microsoft.com/office/drawing/2014/main" id="{CD5322C4-F75C-437F-A239-D2E23FD4EE4A}"/>
+              </a:ext>
+              <a:ext uri="{C183D7F6-B498-43B3-948B-1728B52AA6E4}">
+                <adec:decorative xmlns:adec="http://schemas.microsoft.com/office/drawing/2017/decorative" val="1"/>
+              </a:ext>
+            </a:extLst>
+          </p:cNvPr>
+          <p:cNvSpPr>
+            <a:spLocks noGrp="1" noRot="1" noChangeAspect="1" noMove="1" noResize="1" noEditPoints="1" noAdjustHandles="1" noChangeArrowheads="1" noChangeShapeType="1" noTextEdit="1"/>
+          </p:cNvSpPr>
+          <p:nvPr>
+            <p:extLst>
+              <p:ext uri="{386F3935-93C4-4BCD-93E2-E3B085C9AB24}">
+                <p16:designElem xmlns:p16="http://schemas.microsoft.com/office/powerpoint/2015/main" val="1"/>
+              </p:ext>
+            </p:extLst>
+          </p:nvPr>
+        </p:nvSpPr>
+        <p:spPr>
+          <a:xfrm>
+            <a:off x="0" y="0"/>
+            <a:ext cx="12192000" cy="6858000"/>
+          </a:xfrm>
+          <a:prstGeom prst="rect">
+            <a:avLst/>
+          </a:prstGeom>
+          <a:ln>
+            <a:noFill/>
+          </a:ln>
+        </p:spPr>
+        <p:style>
+          <a:lnRef idx="2">
+            <a:schemeClr val="accent1">
+              <a:shade val="50000"/>
+            </a:schemeClr>
+          </a:lnRef>
+          <a:fillRef idx="1">
+            <a:schemeClr val="accent1"/>
+          </a:fillRef>
+          <a:effectRef idx="0">
+            <a:schemeClr val="accent1"/>
+          </a:effectRef>
+          <a:fontRef idx="minor">
+            <a:schemeClr val="lt1"/>
+          </a:fontRef>
+        </p:style>
+        <p:txBody>
+          <a:bodyPr rtlCol="0" anchor="ctr"/>
+          <a:lstStyle/>
+          <a:p>
+            <a:pPr algn="ctr"/>
+            <a:endParaRPr lang="en-US"/>
+          </a:p>
+        </p:txBody>
+      </p:sp>
       <p:sp>
         <p:nvSpPr>
           <p:cNvPr id="2" name="Title 1">
@@ -4586,15 +9246,401 @@
             <p:ph type="title"/>
           </p:nvPr>
         </p:nvSpPr>
-        <p:spPr/>
-        <p:txBody>
-          <a:bodyPr/>
+        <p:spPr>
+          <a:xfrm>
+            <a:off x="6694712" y="685800"/>
+            <a:ext cx="4760685" cy="1485900"/>
+          </a:xfrm>
+        </p:spPr>
+        <p:txBody>
+          <a:bodyPr>
+            <a:normAutofit/>
+          </a:bodyPr>
           <a:lstStyle/>
           <a:p>
+            <a:r>
+              <a:rPr lang="en-SG" sz="3400" i="0" dirty="0">
+                <a:effectLst/>
+                <a:latin typeface="Century Gothic" panose="020B0502020202020204" pitchFamily="34" charset="0"/>
+              </a:rPr>
+              <a:t>Victim Demographics - EDA</a:t>
+            </a:r>
+            <a:br>
+              <a:rPr lang="en-SG" sz="3400" b="0" i="0" dirty="0">
+                <a:effectLst/>
+                <a:latin typeface="Söhne"/>
+              </a:rPr>
+            </a:br>
+            <a:endParaRPr lang="en-US" sz="3400" dirty="0"/>
+          </a:p>
+        </p:txBody>
+      </p:sp>
+      <p:sp>
+        <p:nvSpPr>
+          <p:cNvPr id="30" name="Freeform: Shape 29">
+            <a:extLst>
+              <a:ext uri="{FF2B5EF4-FFF2-40B4-BE49-F238E27FC236}">
+                <a16:creationId xmlns:a16="http://schemas.microsoft.com/office/drawing/2014/main" id="{9BEEA9C9-EE31-4A53-B812-CDFE913A41C8}"/>
+              </a:ext>
+              <a:ext uri="{C183D7F6-B498-43B3-948B-1728B52AA6E4}">
+                <adec:decorative xmlns:adec="http://schemas.microsoft.com/office/drawing/2017/decorative" val="1"/>
+              </a:ext>
+            </a:extLst>
+          </p:cNvPr>
+          <p:cNvSpPr>
+            <a:spLocks noGrp="1" noRot="1" noChangeAspect="1" noMove="1" noResize="1" noEditPoints="1" noAdjustHandles="1" noChangeArrowheads="1" noChangeShapeType="1" noTextEdit="1"/>
+          </p:cNvSpPr>
+          <p:nvPr>
+            <p:extLst>
+              <p:ext uri="{386F3935-93C4-4BCD-93E2-E3B085C9AB24}">
+                <p16:designElem xmlns:p16="http://schemas.microsoft.com/office/powerpoint/2015/main" val="1"/>
+              </p:ext>
+            </p:extLst>
+          </p:nvPr>
+        </p:nvSpPr>
+        <p:spPr>
+          <a:xfrm>
+            <a:off x="0" y="0"/>
+            <a:ext cx="6167832" cy="6858000"/>
+          </a:xfrm>
+          <a:custGeom>
+            <a:avLst/>
+            <a:gdLst>
+              <a:gd name="connsiteX0" fmla="*/ 2222074 w 6167832"/>
+              <a:gd name="connsiteY0" fmla="*/ 0 h 6858000"/>
+              <a:gd name="connsiteX1" fmla="*/ 2313514 w 6167832"/>
+              <a:gd name="connsiteY1" fmla="*/ 0 h 6858000"/>
+              <a:gd name="connsiteX2" fmla="*/ 2313514 w 6167832"/>
+              <a:gd name="connsiteY2" fmla="*/ 1289050 h 6858000"/>
+              <a:gd name="connsiteX3" fmla="*/ 2315124 w 6167832"/>
+              <a:gd name="connsiteY3" fmla="*/ 1289050 h 6858000"/>
+              <a:gd name="connsiteX4" fmla="*/ 2315124 w 6167832"/>
+              <a:gd name="connsiteY4" fmla="*/ 3064146 h 6858000"/>
+              <a:gd name="connsiteX5" fmla="*/ 4113801 w 6167832"/>
+              <a:gd name="connsiteY5" fmla="*/ 3064146 h 6858000"/>
+              <a:gd name="connsiteX6" fmla="*/ 4113801 w 6167832"/>
+              <a:gd name="connsiteY6" fmla="*/ 3991970 h 6858000"/>
+              <a:gd name="connsiteX7" fmla="*/ 6097611 w 6167832"/>
+              <a:gd name="connsiteY7" fmla="*/ 3991970 h 6858000"/>
+              <a:gd name="connsiteX8" fmla="*/ 6097611 w 6167832"/>
+              <a:gd name="connsiteY8" fmla="*/ 401294 h 6858000"/>
+              <a:gd name="connsiteX9" fmla="*/ 6096001 w 6167832"/>
+              <a:gd name="connsiteY9" fmla="*/ 401294 h 6858000"/>
+              <a:gd name="connsiteX10" fmla="*/ 6096001 w 6167832"/>
+              <a:gd name="connsiteY10" fmla="*/ 0 h 6858000"/>
+              <a:gd name="connsiteX11" fmla="*/ 6167832 w 6167832"/>
+              <a:gd name="connsiteY11" fmla="*/ 0 h 6858000"/>
+              <a:gd name="connsiteX12" fmla="*/ 6167832 w 6167832"/>
+              <a:gd name="connsiteY12" fmla="*/ 6858000 h 6858000"/>
+              <a:gd name="connsiteX13" fmla="*/ 6096000 w 6167832"/>
+              <a:gd name="connsiteY13" fmla="*/ 6858000 h 6858000"/>
+              <a:gd name="connsiteX14" fmla="*/ 6096000 w 6167832"/>
+              <a:gd name="connsiteY14" fmla="*/ 4070350 h 6858000"/>
+              <a:gd name="connsiteX15" fmla="*/ 4099283 w 6167832"/>
+              <a:gd name="connsiteY15" fmla="*/ 4070350 h 6858000"/>
+              <a:gd name="connsiteX16" fmla="*/ 4099283 w 6167832"/>
+              <a:gd name="connsiteY16" fmla="*/ 6858000 h 6858000"/>
+              <a:gd name="connsiteX17" fmla="*/ 4023084 w 6167832"/>
+              <a:gd name="connsiteY17" fmla="*/ 6858000 h 6858000"/>
+              <a:gd name="connsiteX18" fmla="*/ 4023084 w 6167832"/>
+              <a:gd name="connsiteY18" fmla="*/ 3142771 h 6858000"/>
+              <a:gd name="connsiteX19" fmla="*/ 0 w 6167832"/>
+              <a:gd name="connsiteY19" fmla="*/ 3142771 h 6858000"/>
+              <a:gd name="connsiteX20" fmla="*/ 0 w 6167832"/>
+              <a:gd name="connsiteY20" fmla="*/ 3051330 h 6858000"/>
+              <a:gd name="connsiteX21" fmla="*/ 2222074 w 6167832"/>
+              <a:gd name="connsiteY21" fmla="*/ 3051330 h 6858000"/>
+            </a:gdLst>
+            <a:ahLst/>
+            <a:cxnLst>
+              <a:cxn ang="0">
+                <a:pos x="connsiteX0" y="connsiteY0"/>
+              </a:cxn>
+              <a:cxn ang="0">
+                <a:pos x="connsiteX1" y="connsiteY1"/>
+              </a:cxn>
+              <a:cxn ang="0">
+                <a:pos x="connsiteX2" y="connsiteY2"/>
+              </a:cxn>
+              <a:cxn ang="0">
+                <a:pos x="connsiteX3" y="connsiteY3"/>
+              </a:cxn>
+              <a:cxn ang="0">
+                <a:pos x="connsiteX4" y="connsiteY4"/>
+              </a:cxn>
+              <a:cxn ang="0">
+                <a:pos x="connsiteX5" y="connsiteY5"/>
+              </a:cxn>
+              <a:cxn ang="0">
+                <a:pos x="connsiteX6" y="connsiteY6"/>
+              </a:cxn>
+              <a:cxn ang="0">
+                <a:pos x="connsiteX7" y="connsiteY7"/>
+              </a:cxn>
+              <a:cxn ang="0">
+                <a:pos x="connsiteX8" y="connsiteY8"/>
+              </a:cxn>
+              <a:cxn ang="0">
+                <a:pos x="connsiteX9" y="connsiteY9"/>
+              </a:cxn>
+              <a:cxn ang="0">
+                <a:pos x="connsiteX10" y="connsiteY10"/>
+              </a:cxn>
+              <a:cxn ang="0">
+                <a:pos x="connsiteX11" y="connsiteY11"/>
+              </a:cxn>
+              <a:cxn ang="0">
+                <a:pos x="connsiteX12" y="connsiteY12"/>
+              </a:cxn>
+              <a:cxn ang="0">
+                <a:pos x="connsiteX13" y="connsiteY13"/>
+              </a:cxn>
+              <a:cxn ang="0">
+                <a:pos x="connsiteX14" y="connsiteY14"/>
+              </a:cxn>
+              <a:cxn ang="0">
+                <a:pos x="connsiteX15" y="connsiteY15"/>
+              </a:cxn>
+              <a:cxn ang="0">
+                <a:pos x="connsiteX16" y="connsiteY16"/>
+              </a:cxn>
+              <a:cxn ang="0">
+                <a:pos x="connsiteX17" y="connsiteY17"/>
+              </a:cxn>
+              <a:cxn ang="0">
+                <a:pos x="connsiteX18" y="connsiteY18"/>
+              </a:cxn>
+              <a:cxn ang="0">
+                <a:pos x="connsiteX19" y="connsiteY19"/>
+              </a:cxn>
+              <a:cxn ang="0">
+                <a:pos x="connsiteX20" y="connsiteY20"/>
+              </a:cxn>
+              <a:cxn ang="0">
+                <a:pos x="connsiteX21" y="connsiteY21"/>
+              </a:cxn>
+            </a:cxnLst>
+            <a:rect l="l" t="t" r="r" b="b"/>
+            <a:pathLst>
+              <a:path w="6167832" h="6858000">
+                <a:moveTo>
+                  <a:pt x="2222074" y="0"/>
+                </a:moveTo>
+                <a:lnTo>
+                  <a:pt x="2313514" y="0"/>
+                </a:lnTo>
+                <a:lnTo>
+                  <a:pt x="2313514" y="1289050"/>
+                </a:lnTo>
+                <a:lnTo>
+                  <a:pt x="2315124" y="1289050"/>
+                </a:lnTo>
+                <a:lnTo>
+                  <a:pt x="2315124" y="3064146"/>
+                </a:lnTo>
+                <a:lnTo>
+                  <a:pt x="4113801" y="3064146"/>
+                </a:lnTo>
+                <a:lnTo>
+                  <a:pt x="4113801" y="3991970"/>
+                </a:lnTo>
+                <a:lnTo>
+                  <a:pt x="6097611" y="3991970"/>
+                </a:lnTo>
+                <a:lnTo>
+                  <a:pt x="6097611" y="401294"/>
+                </a:lnTo>
+                <a:lnTo>
+                  <a:pt x="6096001" y="401294"/>
+                </a:lnTo>
+                <a:lnTo>
+                  <a:pt x="6096001" y="0"/>
+                </a:lnTo>
+                <a:lnTo>
+                  <a:pt x="6167832" y="0"/>
+                </a:lnTo>
+                <a:lnTo>
+                  <a:pt x="6167832" y="6858000"/>
+                </a:lnTo>
+                <a:lnTo>
+                  <a:pt x="6096000" y="6858000"/>
+                </a:lnTo>
+                <a:lnTo>
+                  <a:pt x="6096000" y="4070350"/>
+                </a:lnTo>
+                <a:lnTo>
+                  <a:pt x="4099283" y="4070350"/>
+                </a:lnTo>
+                <a:lnTo>
+                  <a:pt x="4099283" y="6858000"/>
+                </a:lnTo>
+                <a:lnTo>
+                  <a:pt x="4023084" y="6858000"/>
+                </a:lnTo>
+                <a:lnTo>
+                  <a:pt x="4023084" y="3142771"/>
+                </a:lnTo>
+                <a:lnTo>
+                  <a:pt x="0" y="3142771"/>
+                </a:lnTo>
+                <a:lnTo>
+                  <a:pt x="0" y="3051330"/>
+                </a:lnTo>
+                <a:lnTo>
+                  <a:pt x="2222074" y="3051330"/>
+                </a:lnTo>
+                <a:close/>
+              </a:path>
+            </a:pathLst>
+          </a:custGeom>
+          <a:solidFill>
+            <a:schemeClr val="tx1">
+              <a:lumMod val="85000"/>
+              <a:lumOff val="15000"/>
+            </a:schemeClr>
+          </a:solidFill>
+          <a:ln>
+            <a:noFill/>
+          </a:ln>
+        </p:spPr>
+        <p:style>
+          <a:lnRef idx="2">
+            <a:schemeClr val="accent1">
+              <a:shade val="50000"/>
+            </a:schemeClr>
+          </a:lnRef>
+          <a:fillRef idx="1">
+            <a:schemeClr val="accent1"/>
+          </a:fillRef>
+          <a:effectRef idx="0">
+            <a:schemeClr val="accent1"/>
+          </a:effectRef>
+          <a:fontRef idx="minor">
+            <a:schemeClr val="lt1"/>
+          </a:fontRef>
+        </p:style>
+        <p:txBody>
+          <a:bodyPr wrap="square" rtlCol="0" anchor="ctr">
+            <a:noAutofit/>
+          </a:bodyPr>
+          <a:lstStyle/>
+          <a:p>
+            <a:pPr algn="ctr"/>
             <a:endParaRPr lang="en-US"/>
           </a:p>
         </p:txBody>
       </p:sp>
+      <p:pic>
+        <p:nvPicPr>
+          <p:cNvPr id="4" name="Picture 3" descr="A graph of blue bars&#10;&#10;Description automatically generated with medium confidence">
+            <a:extLst>
+              <a:ext uri="{FF2B5EF4-FFF2-40B4-BE49-F238E27FC236}">
+                <a16:creationId xmlns:a16="http://schemas.microsoft.com/office/drawing/2014/main" id="{189DCEC5-DB79-8BA5-C36A-D42DB6F4DC35}"/>
+              </a:ext>
+            </a:extLst>
+          </p:cNvPr>
+          <p:cNvPicPr>
+            <a:picLocks noChangeAspect="1"/>
+          </p:cNvPicPr>
+          <p:nvPr/>
+        </p:nvPicPr>
+        <p:blipFill>
+          <a:blip r:embed="rId2">
+            <a:extLst>
+              <a:ext uri="{28A0092B-C50C-407E-A947-70E740481C1C}">
+                <a14:useLocalDpi xmlns:a14="http://schemas.microsoft.com/office/drawing/2010/main" val="0"/>
+              </a:ext>
+            </a:extLst>
+          </a:blip>
+          <a:stretch>
+            <a:fillRect/>
+          </a:stretch>
+        </p:blipFill>
+        <p:spPr bwMode="auto">
+          <a:xfrm>
+            <a:off x="0" y="836330"/>
+            <a:ext cx="2294729" cy="1788535"/>
+          </a:xfrm>
+          <a:prstGeom prst="rect">
+            <a:avLst/>
+          </a:prstGeom>
+          <a:noFill/>
+        </p:spPr>
+      </p:pic>
+      <p:pic>
+        <p:nvPicPr>
+          <p:cNvPr id="5" name="Picture 4" descr="A blue rectangles and a black border&#10;&#10;Description automatically generated">
+            <a:extLst>
+              <a:ext uri="{FF2B5EF4-FFF2-40B4-BE49-F238E27FC236}">
+                <a16:creationId xmlns:a16="http://schemas.microsoft.com/office/drawing/2014/main" id="{906C5E09-8FBE-9BEC-BF1C-023CF9925BA1}"/>
+              </a:ext>
+            </a:extLst>
+          </p:cNvPr>
+          <p:cNvPicPr>
+            <a:picLocks noChangeAspect="1"/>
+          </p:cNvPicPr>
+          <p:nvPr/>
+        </p:nvPicPr>
+        <p:blipFill>
+          <a:blip r:embed="rId3">
+            <a:extLst>
+              <a:ext uri="{28A0092B-C50C-407E-A947-70E740481C1C}">
+                <a14:useLocalDpi xmlns:a14="http://schemas.microsoft.com/office/drawing/2010/main" val="0"/>
+              </a:ext>
+            </a:extLst>
+          </a:blip>
+          <a:stretch>
+            <a:fillRect/>
+          </a:stretch>
+        </p:blipFill>
+        <p:spPr bwMode="auto">
+          <a:xfrm>
+            <a:off x="4139346" y="4975566"/>
+            <a:ext cx="1906681" cy="1105875"/>
+          </a:xfrm>
+          <a:prstGeom prst="rect">
+            <a:avLst/>
+          </a:prstGeom>
+          <a:noFill/>
+        </p:spPr>
+      </p:pic>
+      <p:pic>
+        <p:nvPicPr>
+          <p:cNvPr id="7" name="Picture 6" descr="A screenshot of a computer&#10;&#10;Description automatically generated">
+            <a:extLst>
+              <a:ext uri="{FF2B5EF4-FFF2-40B4-BE49-F238E27FC236}">
+                <a16:creationId xmlns:a16="http://schemas.microsoft.com/office/drawing/2014/main" id="{AA174EC3-32EE-D2F0-1D92-267912BD86A1}"/>
+              </a:ext>
+            </a:extLst>
+          </p:cNvPr>
+          <p:cNvPicPr>
+            <a:picLocks noChangeAspect="1"/>
+          </p:cNvPicPr>
+          <p:nvPr/>
+        </p:nvPicPr>
+        <p:blipFill>
+          <a:blip r:embed="rId4">
+            <a:extLst>
+              <a:ext uri="{28A0092B-C50C-407E-A947-70E740481C1C}">
+                <a14:useLocalDpi xmlns:a14="http://schemas.microsoft.com/office/drawing/2010/main" val="0"/>
+              </a:ext>
+            </a:extLst>
+          </a:blip>
+          <a:stretch>
+            <a:fillRect/>
+          </a:stretch>
+        </p:blipFill>
+        <p:spPr bwMode="auto">
+          <a:xfrm>
+            <a:off x="181270" y="3704801"/>
+            <a:ext cx="3836272" cy="2541530"/>
+          </a:xfrm>
+          <a:prstGeom prst="rect">
+            <a:avLst/>
+          </a:prstGeom>
+          <a:noFill/>
+        </p:spPr>
+      </p:pic>
       <p:sp>
         <p:nvSpPr>
           <p:cNvPr id="3" name="Content Placeholder 2">
@@ -4611,15 +9657,104 @@
             <p:ph idx="1"/>
           </p:nvPr>
         </p:nvSpPr>
-        <p:spPr/>
-        <p:txBody>
-          <a:bodyPr/>
+        <p:spPr>
+          <a:xfrm>
+            <a:off x="6760330" y="2117569"/>
+            <a:ext cx="3955833" cy="3749831"/>
+          </a:xfrm>
+        </p:spPr>
+        <p:txBody>
+          <a:bodyPr>
+            <a:normAutofit/>
+          </a:bodyPr>
           <a:lstStyle/>
           <a:p>
-            <a:endParaRPr lang="en-US"/>
-          </a:p>
-        </p:txBody>
-      </p:sp>
+            <a:pPr marL="0" indent="0">
+              <a:buNone/>
+            </a:pPr>
+            <a:r>
+              <a:rPr lang="en-SG" b="1" i="0" dirty="0">
+                <a:effectLst/>
+                <a:latin typeface="Century Gothic" panose="020B0502020202020204" pitchFamily="34" charset="0"/>
+              </a:rPr>
+              <a:t>Victim Characteristics:</a:t>
+            </a:r>
+            <a:endParaRPr lang="en-SG" b="0" i="0" dirty="0">
+              <a:effectLst/>
+              <a:latin typeface="Century Gothic" panose="020B0502020202020204" pitchFamily="34" charset="0"/>
+            </a:endParaRPr>
+          </a:p>
+          <a:p>
+            <a:pPr>
+              <a:buFont typeface="Arial" panose="020B0604020202020204" pitchFamily="34" charset="0"/>
+              <a:buChar char="•"/>
+            </a:pPr>
+            <a:r>
+              <a:rPr lang="en-SG" b="0" i="0" dirty="0">
+                <a:effectLst/>
+                <a:latin typeface="Century Gothic" panose="020B0502020202020204" pitchFamily="34" charset="0"/>
+              </a:rPr>
+              <a:t>Age, Descent, Sex Analysis</a:t>
+            </a:r>
+          </a:p>
+          <a:p>
+            <a:pPr>
+              <a:buFont typeface="Arial" panose="020B0604020202020204" pitchFamily="34" charset="0"/>
+              <a:buChar char="•"/>
+            </a:pPr>
+            <a:r>
+              <a:rPr lang="en-SG" b="0" i="0" dirty="0">
+                <a:effectLst/>
+                <a:latin typeface="Century Gothic" panose="020B0502020202020204" pitchFamily="34" charset="0"/>
+              </a:rPr>
+              <a:t>Most victims: Hispanic/Latino/Mexican and Male</a:t>
+            </a:r>
+          </a:p>
+          <a:p>
+            <a:pPr marL="0" indent="0">
+              <a:buNone/>
+            </a:pPr>
+            <a:endParaRPr lang="en-US" dirty="0"/>
+          </a:p>
+        </p:txBody>
+      </p:sp>
+      <p:pic>
+        <p:nvPicPr>
+          <p:cNvPr id="6" name="Picture 5" descr="A screenshot of a computer&#10;&#10;Description automatically generated">
+            <a:extLst>
+              <a:ext uri="{FF2B5EF4-FFF2-40B4-BE49-F238E27FC236}">
+                <a16:creationId xmlns:a16="http://schemas.microsoft.com/office/drawing/2014/main" id="{81ADF785-F40B-184C-0463-73FAF947BD56}"/>
+              </a:ext>
+            </a:extLst>
+          </p:cNvPr>
+          <p:cNvPicPr>
+            <a:picLocks noChangeAspect="1"/>
+          </p:cNvPicPr>
+          <p:nvPr/>
+        </p:nvPicPr>
+        <p:blipFill>
+          <a:blip r:embed="rId5">
+            <a:extLst>
+              <a:ext uri="{28A0092B-C50C-407E-A947-70E740481C1C}">
+                <a14:useLocalDpi xmlns:a14="http://schemas.microsoft.com/office/drawing/2010/main" val="0"/>
+              </a:ext>
+            </a:extLst>
+          </a:blip>
+          <a:stretch>
+            <a:fillRect/>
+          </a:stretch>
+        </p:blipFill>
+        <p:spPr bwMode="auto">
+          <a:xfrm>
+            <a:off x="2367515" y="396103"/>
+            <a:ext cx="3649701" cy="2417925"/>
+          </a:xfrm>
+          <a:prstGeom prst="rect">
+            <a:avLst/>
+          </a:prstGeom>
+          <a:noFill/>
+        </p:spPr>
+      </p:pic>
     </p:spTree>
     <p:extLst>
       <p:ext uri="{BB962C8B-B14F-4D97-AF65-F5344CB8AC3E}">
@@ -4636,6 +9771,14 @@
 <file path=ppt/slides/slide8.xml><?xml version="1.0" encoding="utf-8"?>
 <p:sld xmlns:a="http://schemas.openxmlformats.org/drawingml/2006/main" xmlns:r="http://schemas.openxmlformats.org/officeDocument/2006/relationships" xmlns:p="http://schemas.openxmlformats.org/presentationml/2006/main">
   <p:cSld>
+    <p:bg>
+      <p:bgPr>
+        <a:solidFill>
+          <a:schemeClr val="bg2"/>
+        </a:solidFill>
+        <a:effectLst/>
+      </p:bgPr>
+    </p:bg>
     <p:spTree>
       <p:nvGrpSpPr>
         <p:cNvPr id="1" name=""/>
@@ -4650,12 +9793,72 @@
           <a:chExt cx="0" cy="0"/>
         </a:xfrm>
       </p:grpSpPr>
+      <p:sp useBgFill="1">
+        <p:nvSpPr>
+          <p:cNvPr id="10" name="Rectangle 9">
+            <a:extLst>
+              <a:ext uri="{FF2B5EF4-FFF2-40B4-BE49-F238E27FC236}">
+                <a16:creationId xmlns:a16="http://schemas.microsoft.com/office/drawing/2014/main" id="{48C110B4-D26A-44C6-8576-236CA24E98C1}"/>
+              </a:ext>
+              <a:ext uri="{C183D7F6-B498-43B3-948B-1728B52AA6E4}">
+                <adec:decorative xmlns:adec="http://schemas.microsoft.com/office/drawing/2017/decorative" val="1"/>
+              </a:ext>
+            </a:extLst>
+          </p:cNvPr>
+          <p:cNvSpPr>
+            <a:spLocks noGrp="1" noRot="1" noChangeAspect="1" noMove="1" noResize="1" noEditPoints="1" noAdjustHandles="1" noChangeArrowheads="1" noChangeShapeType="1" noTextEdit="1"/>
+          </p:cNvSpPr>
+          <p:nvPr>
+            <p:extLst>
+              <p:ext uri="{386F3935-93C4-4BCD-93E2-E3B085C9AB24}">
+                <p16:designElem xmlns:p16="http://schemas.microsoft.com/office/powerpoint/2015/main" val="1"/>
+              </p:ext>
+            </p:extLst>
+          </p:nvPr>
+        </p:nvSpPr>
+        <p:spPr>
+          <a:xfrm>
+            <a:off x="0" y="0"/>
+            <a:ext cx="12188952" cy="6858000"/>
+          </a:xfrm>
+          <a:prstGeom prst="rect">
+            <a:avLst/>
+          </a:prstGeom>
+          <a:ln>
+            <a:noFill/>
+          </a:ln>
+        </p:spPr>
+        <p:style>
+          <a:lnRef idx="2">
+            <a:schemeClr val="accent1">
+              <a:shade val="50000"/>
+            </a:schemeClr>
+          </a:lnRef>
+          <a:fillRef idx="1">
+            <a:schemeClr val="accent1"/>
+          </a:fillRef>
+          <a:effectRef idx="0">
+            <a:schemeClr val="accent1"/>
+          </a:effectRef>
+          <a:fontRef idx="minor">
+            <a:schemeClr val="lt1"/>
+          </a:fontRef>
+        </p:style>
+        <p:txBody>
+          <a:bodyPr rtlCol="0" anchor="ctr"/>
+          <a:lstStyle/>
+          <a:p>
+            <a:pPr algn="ctr"/>
+            <a:endParaRPr lang="en-US"/>
+          </a:p>
+        </p:txBody>
+      </p:sp>
       <p:sp>
         <p:nvSpPr>
           <p:cNvPr id="2" name="Title 1">
             <a:extLst>
               <a:ext uri="{FF2B5EF4-FFF2-40B4-BE49-F238E27FC236}">
-                <a16:creationId xmlns:a16="http://schemas.microsoft.com/office/drawing/2014/main" id="{2955DDFF-5AB1-E8AF-227B-D7A2FB665133}"/>
+                <a16:creationId xmlns:a16="http://schemas.microsoft.com/office/drawing/2014/main" id="{C5B74561-098C-DD6D-AC44-4316E8D01604}"/>
               </a:ext>
             </a:extLst>
           </p:cNvPr>
@@ -4666,7 +9869,205 @@
             <p:ph type="title"/>
           </p:nvPr>
         </p:nvSpPr>
-        <p:spPr/>
+        <p:spPr>
+          <a:xfrm>
+            <a:off x="1021750" y="4531058"/>
+            <a:ext cx="4913384" cy="1683474"/>
+          </a:xfrm>
+        </p:spPr>
+        <p:txBody>
+          <a:bodyPr>
+            <a:normAutofit/>
+          </a:bodyPr>
+          <a:lstStyle/>
+          <a:p>
+            <a:r>
+              <a:rPr lang="en-SG" sz="3700" i="0" dirty="0">
+                <a:effectLst/>
+                <a:latin typeface="Century Gothic" panose="020B0502020202020204" pitchFamily="34" charset="0"/>
+              </a:rPr>
+              <a:t>Area and Location Analysis - EDA</a:t>
+            </a:r>
+            <a:br>
+              <a:rPr lang="en-SG" sz="3700" b="0" i="0" dirty="0">
+                <a:effectLst/>
+                <a:latin typeface="Söhne"/>
+              </a:rPr>
+            </a:br>
+            <a:endParaRPr lang="en-US" sz="3700" dirty="0"/>
+          </a:p>
+        </p:txBody>
+      </p:sp>
+      <p:pic>
+        <p:nvPicPr>
+          <p:cNvPr id="4" name="Picture 3" descr="A graph of different colored bars&#10;&#10;Description automatically generated">
+            <a:extLst>
+              <a:ext uri="{FF2B5EF4-FFF2-40B4-BE49-F238E27FC236}">
+                <a16:creationId xmlns:a16="http://schemas.microsoft.com/office/drawing/2014/main" id="{09647242-F061-5D92-C366-6E08C68CF73B}"/>
+              </a:ext>
+            </a:extLst>
+          </p:cNvPr>
+          <p:cNvPicPr>
+            <a:picLocks noChangeAspect="1"/>
+          </p:cNvPicPr>
+          <p:nvPr/>
+        </p:nvPicPr>
+        <p:blipFill rotWithShape="1">
+          <a:blip r:embed="rId2">
+            <a:extLst>
+              <a:ext uri="{28A0092B-C50C-407E-A947-70E740481C1C}">
+                <a14:useLocalDpi xmlns:a14="http://schemas.microsoft.com/office/drawing/2010/main" val="0"/>
+              </a:ext>
+            </a:extLst>
+          </a:blip>
+          <a:srcRect l="1129" r="2425" b="-3"/>
+          <a:stretch/>
+        </p:blipFill>
+        <p:spPr bwMode="auto">
+          <a:xfrm>
+            <a:off x="1" y="10"/>
+            <a:ext cx="6050279" cy="3732653"/>
+          </a:xfrm>
+          <a:prstGeom prst="rect">
+            <a:avLst/>
+          </a:prstGeom>
+          <a:noFill/>
+        </p:spPr>
+      </p:pic>
+      <p:pic>
+        <p:nvPicPr>
+          <p:cNvPr id="5" name="Picture 4">
+            <a:extLst>
+              <a:ext uri="{FF2B5EF4-FFF2-40B4-BE49-F238E27FC236}">
+                <a16:creationId xmlns:a16="http://schemas.microsoft.com/office/drawing/2014/main" id="{6BFB377F-9824-1353-2AB7-C608A14CB578}"/>
+              </a:ext>
+            </a:extLst>
+          </p:cNvPr>
+          <p:cNvPicPr>
+            <a:picLocks noChangeAspect="1"/>
+          </p:cNvPicPr>
+          <p:nvPr/>
+        </p:nvPicPr>
+        <p:blipFill rotWithShape="1">
+          <a:blip r:embed="rId3"/>
+          <a:srcRect t="7400" r="2" b="12219"/>
+          <a:stretch/>
+        </p:blipFill>
+        <p:spPr>
+          <a:xfrm>
+            <a:off x="6138672" y="10"/>
+            <a:ext cx="6050280" cy="3732653"/>
+          </a:xfrm>
+          <a:prstGeom prst="rect">
+            <a:avLst/>
+          </a:prstGeom>
+        </p:spPr>
+      </p:pic>
+      <p:sp>
+        <p:nvSpPr>
+          <p:cNvPr id="12" name="Freeform: Shape 11">
+            <a:extLst>
+              <a:ext uri="{FF2B5EF4-FFF2-40B4-BE49-F238E27FC236}">
+                <a16:creationId xmlns:a16="http://schemas.microsoft.com/office/drawing/2014/main" id="{5BFD4DBB-3229-4DF6-A68A-CD91F8325879}"/>
+              </a:ext>
+              <a:ext uri="{C183D7F6-B498-43B3-948B-1728B52AA6E4}">
+                <adec:decorative xmlns:adec="http://schemas.microsoft.com/office/drawing/2017/decorative" val="1"/>
+              </a:ext>
+            </a:extLst>
+          </p:cNvPr>
+          <p:cNvSpPr>
+            <a:spLocks noGrp="1" noRot="1" noChangeAspect="1" noMove="1" noResize="1" noEditPoints="1" noAdjustHandles="1" noChangeArrowheads="1" noChangeShapeType="1" noTextEdit="1"/>
+          </p:cNvSpPr>
+          <p:nvPr>
+            <p:extLst>
+              <p:ext uri="{386F3935-93C4-4BCD-93E2-E3B085C9AB24}">
+                <p16:designElem xmlns:p16="http://schemas.microsoft.com/office/powerpoint/2015/main" val="1"/>
+              </p:ext>
+            </p:extLst>
+          </p:nvPr>
+        </p:nvSpPr>
+        <p:spPr bwMode="auto">
+          <a:xfrm flipH="1" flipV="1">
+            <a:off x="434936" y="4030294"/>
+            <a:ext cx="1957171" cy="1103687"/>
+          </a:xfrm>
+          <a:custGeom>
+            <a:avLst/>
+            <a:gdLst>
+              <a:gd name="connsiteX0" fmla="*/ 2017702 w 2017702"/>
+              <a:gd name="connsiteY0" fmla="*/ 1137821 h 1137821"/>
+              <a:gd name="connsiteX1" fmla="*/ 404 w 2017702"/>
+              <a:gd name="connsiteY1" fmla="*/ 1137821 h 1137821"/>
+              <a:gd name="connsiteX2" fmla="*/ 0 w 2017702"/>
+              <a:gd name="connsiteY2" fmla="*/ 900216 h 1137821"/>
+              <a:gd name="connsiteX3" fmla="*/ 1767759 w 2017702"/>
+              <a:gd name="connsiteY3" fmla="*/ 901031 h 1137821"/>
+              <a:gd name="connsiteX4" fmla="*/ 1767759 w 2017702"/>
+              <a:gd name="connsiteY4" fmla="*/ 0 h 1137821"/>
+              <a:gd name="connsiteX5" fmla="*/ 2017702 w 2017702"/>
+              <a:gd name="connsiteY5" fmla="*/ 0 h 1137821"/>
+            </a:gdLst>
+            <a:ahLst/>
+            <a:cxnLst>
+              <a:cxn ang="0">
+                <a:pos x="connsiteX0" y="connsiteY0"/>
+              </a:cxn>
+              <a:cxn ang="0">
+                <a:pos x="connsiteX1" y="connsiteY1"/>
+              </a:cxn>
+              <a:cxn ang="0">
+                <a:pos x="connsiteX2" y="connsiteY2"/>
+              </a:cxn>
+              <a:cxn ang="0">
+                <a:pos x="connsiteX3" y="connsiteY3"/>
+              </a:cxn>
+              <a:cxn ang="0">
+                <a:pos x="connsiteX4" y="connsiteY4"/>
+              </a:cxn>
+              <a:cxn ang="0">
+                <a:pos x="connsiteX5" y="connsiteY5"/>
+              </a:cxn>
+            </a:cxnLst>
+            <a:rect l="l" t="t" r="r" b="b"/>
+            <a:pathLst>
+              <a:path w="2017702" h="1137821">
+                <a:moveTo>
+                  <a:pt x="2017702" y="1137821"/>
+                </a:moveTo>
+                <a:lnTo>
+                  <a:pt x="404" y="1137821"/>
+                </a:lnTo>
+                <a:cubicBezTo>
+                  <a:pt x="-404" y="1055814"/>
+                  <a:pt x="807" y="982224"/>
+                  <a:pt x="0" y="900216"/>
+                </a:cubicBezTo>
+                <a:lnTo>
+                  <a:pt x="1767759" y="901031"/>
+                </a:lnTo>
+                <a:lnTo>
+                  <a:pt x="1767759" y="0"/>
+                </a:lnTo>
+                <a:lnTo>
+                  <a:pt x="2017702" y="0"/>
+                </a:lnTo>
+                <a:close/>
+              </a:path>
+            </a:pathLst>
+          </a:custGeom>
+          <a:solidFill>
+            <a:schemeClr val="tx2">
+              <a:alpha val="80000"/>
+            </a:schemeClr>
+          </a:solidFill>
+          <a:ln w="0">
+            <a:noFill/>
+            <a:prstDash val="solid"/>
+            <a:round/>
+            <a:headEnd/>
+            <a:tailEnd/>
+          </a:ln>
+        </p:spPr>
         <p:txBody>
           <a:bodyPr/>
           <a:lstStyle/>
@@ -4680,7 +10081,7 @@
           <p:cNvPr id="3" name="Content Placeholder 2">
             <a:extLst>
               <a:ext uri="{FF2B5EF4-FFF2-40B4-BE49-F238E27FC236}">
-                <a16:creationId xmlns:a16="http://schemas.microsoft.com/office/drawing/2014/main" id="{C16439B3-80E7-8CB9-3138-ABBC839DA32B}"/>
+                <a16:creationId xmlns:a16="http://schemas.microsoft.com/office/drawing/2014/main" id="{C68E11A4-918E-E9FF-306F-AEA2FFBD4DF1}"/>
               </a:ext>
             </a:extLst>
           </p:cNvPr>
@@ -4691,7 +10092,151 @@
             <p:ph idx="1"/>
           </p:nvPr>
         </p:nvSpPr>
-        <p:spPr/>
+        <p:spPr>
+          <a:xfrm>
+            <a:off x="6253810" y="4531059"/>
+            <a:ext cx="4718989" cy="1683474"/>
+          </a:xfrm>
+        </p:spPr>
+        <p:txBody>
+          <a:bodyPr>
+            <a:normAutofit/>
+          </a:bodyPr>
+          <a:lstStyle/>
+          <a:p>
+            <a:pPr>
+              <a:buFont typeface="Arial" panose="020B0604020202020204" pitchFamily="34" charset="0"/>
+              <a:buChar char="•"/>
+            </a:pPr>
+            <a:r>
+              <a:rPr lang="en-SG" sz="1800" b="0" i="0">
+                <a:effectLst/>
+                <a:latin typeface="Söhne"/>
+              </a:rPr>
+              <a:t>Highest Crime Rate: 77th Street, LA County </a:t>
+            </a:r>
+          </a:p>
+          <a:p>
+            <a:pPr>
+              <a:buFont typeface="Arial" panose="020B0604020202020204" pitchFamily="34" charset="0"/>
+              <a:buChar char="•"/>
+            </a:pPr>
+            <a:r>
+              <a:rPr lang="en-SG" sz="1800" b="0" i="0">
+                <a:effectLst/>
+                <a:latin typeface="Söhne"/>
+              </a:rPr>
+              <a:t>Geographic Distribution: Heatmaps and Point Maps</a:t>
+            </a:r>
+            <a:endParaRPr lang="en-US" sz="1800"/>
+          </a:p>
+        </p:txBody>
+      </p:sp>
+      <p:sp>
+        <p:nvSpPr>
+          <p:cNvPr id="14" name="Freeform: Shape 13">
+            <a:extLst>
+              <a:ext uri="{FF2B5EF4-FFF2-40B4-BE49-F238E27FC236}">
+                <a16:creationId xmlns:a16="http://schemas.microsoft.com/office/drawing/2014/main" id="{792979E5-1F93-4CE3-975E-3CAEC618BFB3}"/>
+              </a:ext>
+              <a:ext uri="{C183D7F6-B498-43B3-948B-1728B52AA6E4}">
+                <adec:decorative xmlns:adec="http://schemas.microsoft.com/office/drawing/2017/decorative" val="1"/>
+              </a:ext>
+            </a:extLst>
+          </p:cNvPr>
+          <p:cNvSpPr>
+            <a:spLocks noGrp="1" noRot="1" noChangeAspect="1" noMove="1" noResize="1" noEditPoints="1" noAdjustHandles="1" noChangeArrowheads="1" noChangeShapeType="1" noTextEdit="1"/>
+          </p:cNvSpPr>
+          <p:nvPr>
+            <p:extLst>
+              <p:ext uri="{386F3935-93C4-4BCD-93E2-E3B085C9AB24}">
+                <p16:designElem xmlns:p16="http://schemas.microsoft.com/office/powerpoint/2015/main" val="1"/>
+              </p:ext>
+            </p:extLst>
+          </p:nvPr>
+        </p:nvSpPr>
+        <p:spPr bwMode="auto">
+          <a:xfrm>
+            <a:off x="9796837" y="5311230"/>
+            <a:ext cx="2042265" cy="1213486"/>
+          </a:xfrm>
+          <a:custGeom>
+            <a:avLst/>
+            <a:gdLst>
+              <a:gd name="connsiteX0" fmla="*/ 1844618 w 2105428"/>
+              <a:gd name="connsiteY0" fmla="*/ 0 h 1251016"/>
+              <a:gd name="connsiteX1" fmla="*/ 2105428 w 2105428"/>
+              <a:gd name="connsiteY1" fmla="*/ 0 h 1251016"/>
+              <a:gd name="connsiteX2" fmla="*/ 2105428 w 2105428"/>
+              <a:gd name="connsiteY2" fmla="*/ 1251016 h 1251016"/>
+              <a:gd name="connsiteX3" fmla="*/ 421 w 2105428"/>
+              <a:gd name="connsiteY3" fmla="*/ 1251016 h 1251016"/>
+              <a:gd name="connsiteX4" fmla="*/ 0 w 2105428"/>
+              <a:gd name="connsiteY4" fmla="*/ 1003081 h 1251016"/>
+              <a:gd name="connsiteX5" fmla="*/ 1844618 w 2105428"/>
+              <a:gd name="connsiteY5" fmla="*/ 1003931 h 1251016"/>
+            </a:gdLst>
+            <a:ahLst/>
+            <a:cxnLst>
+              <a:cxn ang="0">
+                <a:pos x="connsiteX0" y="connsiteY0"/>
+              </a:cxn>
+              <a:cxn ang="0">
+                <a:pos x="connsiteX1" y="connsiteY1"/>
+              </a:cxn>
+              <a:cxn ang="0">
+                <a:pos x="connsiteX2" y="connsiteY2"/>
+              </a:cxn>
+              <a:cxn ang="0">
+                <a:pos x="connsiteX3" y="connsiteY3"/>
+              </a:cxn>
+              <a:cxn ang="0">
+                <a:pos x="connsiteX4" y="connsiteY4"/>
+              </a:cxn>
+              <a:cxn ang="0">
+                <a:pos x="connsiteX5" y="connsiteY5"/>
+              </a:cxn>
+            </a:cxnLst>
+            <a:rect l="l" t="t" r="r" b="b"/>
+            <a:pathLst>
+              <a:path w="2105428" h="1251016">
+                <a:moveTo>
+                  <a:pt x="1844618" y="0"/>
+                </a:moveTo>
+                <a:lnTo>
+                  <a:pt x="2105428" y="0"/>
+                </a:lnTo>
+                <a:lnTo>
+                  <a:pt x="2105428" y="1251016"/>
+                </a:lnTo>
+                <a:lnTo>
+                  <a:pt x="421" y="1251016"/>
+                </a:lnTo>
+                <a:cubicBezTo>
+                  <a:pt x="-421" y="1165443"/>
+                  <a:pt x="842" y="1088654"/>
+                  <a:pt x="0" y="1003081"/>
+                </a:cubicBezTo>
+                <a:lnTo>
+                  <a:pt x="1844618" y="1003931"/>
+                </a:lnTo>
+                <a:close/>
+              </a:path>
+            </a:pathLst>
+          </a:custGeom>
+          <a:solidFill>
+            <a:schemeClr val="tx2">
+              <a:alpha val="80000"/>
+            </a:schemeClr>
+          </a:solidFill>
+          <a:ln w="0">
+            <a:noFill/>
+            <a:prstDash val="solid"/>
+            <a:round/>
+            <a:headEnd/>
+            <a:tailEnd/>
+          </a:ln>
+        </p:spPr>
         <p:txBody>
           <a:bodyPr/>
           <a:lstStyle/>
@@ -4703,7 +10248,7 @@
     </p:spTree>
     <p:extLst>
       <p:ext uri="{BB962C8B-B14F-4D97-AF65-F5344CB8AC3E}">
-        <p14:creationId xmlns:p14="http://schemas.microsoft.com/office/powerpoint/2010/main" val="838821048"/>
+        <p14:creationId xmlns:p14="http://schemas.microsoft.com/office/powerpoint/2010/main" val="3718995909"/>
       </p:ext>
     </p:extLst>
   </p:cSld>
@@ -4716,6 +10261,14 @@
 <file path=ppt/slides/slide9.xml><?xml version="1.0" encoding="utf-8"?>
 <p:sld xmlns:a="http://schemas.openxmlformats.org/drawingml/2006/main" xmlns:r="http://schemas.openxmlformats.org/officeDocument/2006/relationships" xmlns:p="http://schemas.openxmlformats.org/presentationml/2006/main">
   <p:cSld>
+    <p:bg>
+      <p:bgPr>
+        <a:solidFill>
+          <a:schemeClr val="bg2"/>
+        </a:solidFill>
+        <a:effectLst/>
+      </p:bgPr>
+    </p:bg>
     <p:spTree>
       <p:nvGrpSpPr>
         <p:cNvPr id="1" name=""/>
@@ -4730,12 +10283,72 @@
           <a:chExt cx="0" cy="0"/>
         </a:xfrm>
       </p:grpSpPr>
+      <p:sp useBgFill="1">
+        <p:nvSpPr>
+          <p:cNvPr id="11" name="Rectangle 10">
+            <a:extLst>
+              <a:ext uri="{FF2B5EF4-FFF2-40B4-BE49-F238E27FC236}">
+                <a16:creationId xmlns:a16="http://schemas.microsoft.com/office/drawing/2014/main" id="{1D868099-6145-4BC0-A5EA-74BEF1776BA9}"/>
+              </a:ext>
+              <a:ext uri="{C183D7F6-B498-43B3-948B-1728B52AA6E4}">
+                <adec:decorative xmlns:adec="http://schemas.microsoft.com/office/drawing/2017/decorative" val="1"/>
+              </a:ext>
+            </a:extLst>
+          </p:cNvPr>
+          <p:cNvSpPr>
+            <a:spLocks noGrp="1" noRot="1" noChangeAspect="1" noMove="1" noResize="1" noEditPoints="1" noAdjustHandles="1" noChangeArrowheads="1" noChangeShapeType="1" noTextEdit="1"/>
+          </p:cNvSpPr>
+          <p:nvPr>
+            <p:extLst>
+              <p:ext uri="{386F3935-93C4-4BCD-93E2-E3B085C9AB24}">
+                <p16:designElem xmlns:p16="http://schemas.microsoft.com/office/powerpoint/2015/main" val="1"/>
+              </p:ext>
+            </p:extLst>
+          </p:nvPr>
+        </p:nvSpPr>
+        <p:spPr>
+          <a:xfrm>
+            <a:off x="0" y="0"/>
+            <a:ext cx="12192000" cy="6858000"/>
+          </a:xfrm>
+          <a:prstGeom prst="rect">
+            <a:avLst/>
+          </a:prstGeom>
+          <a:ln>
+            <a:noFill/>
+          </a:ln>
+        </p:spPr>
+        <p:style>
+          <a:lnRef idx="2">
+            <a:schemeClr val="accent1">
+              <a:shade val="50000"/>
+            </a:schemeClr>
+          </a:lnRef>
+          <a:fillRef idx="1">
+            <a:schemeClr val="accent1"/>
+          </a:fillRef>
+          <a:effectRef idx="0">
+            <a:schemeClr val="accent1"/>
+          </a:effectRef>
+          <a:fontRef idx="minor">
+            <a:schemeClr val="lt1"/>
+          </a:fontRef>
+        </p:style>
+        <p:txBody>
+          <a:bodyPr rtlCol="0" anchor="ctr"/>
+          <a:lstStyle/>
+          <a:p>
+            <a:pPr algn="ctr"/>
+            <a:endParaRPr lang="en-US"/>
+          </a:p>
+        </p:txBody>
+      </p:sp>
       <p:sp>
         <p:nvSpPr>
           <p:cNvPr id="2" name="Title 1">
             <a:extLst>
               <a:ext uri="{FF2B5EF4-FFF2-40B4-BE49-F238E27FC236}">
-                <a16:creationId xmlns:a16="http://schemas.microsoft.com/office/drawing/2014/main" id="{89BCAEF3-615E-B9F7-0AB3-4FC21B1E3B4C}"/>
+                <a16:creationId xmlns:a16="http://schemas.microsoft.com/office/drawing/2014/main" id="{C5B74561-098C-DD6D-AC44-4316E8D01604}"/>
               </a:ext>
             </a:extLst>
           </p:cNvPr>
@@ -4746,21 +10359,78 @@
             <p:ph type="title"/>
           </p:nvPr>
         </p:nvSpPr>
-        <p:spPr/>
-        <p:txBody>
-          <a:bodyPr/>
+        <p:spPr>
+          <a:xfrm>
+            <a:off x="8471424" y="1110882"/>
+            <a:ext cx="3053039" cy="1060817"/>
+          </a:xfrm>
+        </p:spPr>
+        <p:txBody>
+          <a:bodyPr anchor="b">
+            <a:normAutofit/>
+          </a:bodyPr>
           <a:lstStyle/>
           <a:p>
-            <a:endParaRPr lang="en-US"/>
-          </a:p>
-        </p:txBody>
-      </p:sp>
+            <a:r>
+              <a:rPr lang="en-SG" sz="2800" i="0">
+                <a:effectLst/>
+                <a:latin typeface="Century Gothic" panose="020B0502020202020204" pitchFamily="34" charset="0"/>
+              </a:rPr>
+              <a:t>EDA Summary</a:t>
+            </a:r>
+            <a:br>
+              <a:rPr lang="en-SG" sz="2800" b="0" i="0">
+                <a:effectLst/>
+                <a:latin typeface="Söhne"/>
+              </a:rPr>
+            </a:br>
+            <a:endParaRPr lang="en-US" sz="2800"/>
+          </a:p>
+        </p:txBody>
+      </p:sp>
+      <p:pic>
+        <p:nvPicPr>
+          <p:cNvPr id="6" name="Picture 5" descr="A diagram of red squares&#10;&#10;Description automatically generated">
+            <a:extLst>
+              <a:ext uri="{FF2B5EF4-FFF2-40B4-BE49-F238E27FC236}">
+                <a16:creationId xmlns:a16="http://schemas.microsoft.com/office/drawing/2014/main" id="{9AC7B633-8F6A-7088-ACCA-575B560F1823}"/>
+              </a:ext>
+            </a:extLst>
+          </p:cNvPr>
+          <p:cNvPicPr>
+            <a:picLocks noChangeAspect="1"/>
+          </p:cNvPicPr>
+          <p:nvPr/>
+        </p:nvPicPr>
+        <p:blipFill>
+          <a:blip r:embed="rId2">
+            <a:extLst>
+              <a:ext uri="{28A0092B-C50C-407E-A947-70E740481C1C}">
+                <a14:useLocalDpi xmlns:a14="http://schemas.microsoft.com/office/drawing/2010/main" val="0"/>
+              </a:ext>
+            </a:extLst>
+          </a:blip>
+          <a:stretch>
+            <a:fillRect/>
+          </a:stretch>
+        </p:blipFill>
+        <p:spPr bwMode="auto">
+          <a:xfrm>
+            <a:off x="415515" y="1256348"/>
+            <a:ext cx="7460345" cy="3767473"/>
+          </a:xfrm>
+          <a:prstGeom prst="rect">
+            <a:avLst/>
+          </a:prstGeom>
+          <a:noFill/>
+        </p:spPr>
+      </p:pic>
       <p:sp>
         <p:nvSpPr>
           <p:cNvPr id="3" name="Content Placeholder 2">
             <a:extLst>
               <a:ext uri="{FF2B5EF4-FFF2-40B4-BE49-F238E27FC236}">
-                <a16:creationId xmlns:a16="http://schemas.microsoft.com/office/drawing/2014/main" id="{166D4EEC-A315-3728-BEB7-15D475DA4DB8}"/>
+                <a16:creationId xmlns:a16="http://schemas.microsoft.com/office/drawing/2014/main" id="{C68E11A4-918E-E9FF-306F-AEA2FFBD4DF1}"/>
               </a:ext>
             </a:extLst>
           </p:cNvPr>
@@ -4771,7 +10441,145 @@
             <p:ph idx="1"/>
           </p:nvPr>
         </p:nvSpPr>
-        <p:spPr/>
+        <p:spPr>
+          <a:xfrm>
+            <a:off x="8471423" y="2286000"/>
+            <a:ext cx="3053039" cy="3931920"/>
+          </a:xfrm>
+        </p:spPr>
+        <p:txBody>
+          <a:bodyPr>
+            <a:normAutofit/>
+          </a:bodyPr>
+          <a:lstStyle/>
+          <a:p>
+            <a:pPr>
+              <a:buFont typeface="Arial" panose="020B0604020202020204" pitchFamily="34" charset="0"/>
+              <a:buChar char="•"/>
+            </a:pPr>
+            <a:r>
+              <a:rPr lang="en-SG" sz="1600" b="0" i="0" dirty="0">
+                <a:effectLst/>
+                <a:latin typeface="Century Gothic" panose="020B0502020202020204" pitchFamily="34" charset="0"/>
+              </a:rPr>
+              <a:t>Crime Trends: Mix of upward and downward trends in top 5 crimes over 12 years</a:t>
+            </a:r>
+          </a:p>
+          <a:p>
+            <a:pPr>
+              <a:buFont typeface="Arial" panose="020B0604020202020204" pitchFamily="34" charset="0"/>
+              <a:buChar char="•"/>
+            </a:pPr>
+            <a:r>
+              <a:rPr lang="en-SG" sz="1600" b="0" i="0" dirty="0">
+                <a:effectLst/>
+                <a:latin typeface="Century Gothic" panose="020B0502020202020204" pitchFamily="34" charset="0"/>
+              </a:rPr>
+              <a:t>Consistent High Crime Area: Downtown LA (77th Street)</a:t>
+            </a:r>
+          </a:p>
+          <a:p>
+            <a:pPr>
+              <a:buFont typeface="Arial" panose="020B0604020202020204" pitchFamily="34" charset="0"/>
+              <a:buChar char="•"/>
+            </a:pPr>
+            <a:r>
+              <a:rPr lang="en-SG" sz="1600" b="0" i="0" dirty="0">
+                <a:effectLst/>
+                <a:latin typeface="Century Gothic" panose="020B0502020202020204" pitchFamily="34" charset="0"/>
+              </a:rPr>
+              <a:t>Future Forecasting: Based on area, victim characteristics, and day of the week</a:t>
+            </a:r>
+          </a:p>
+          <a:p>
+            <a:pPr>
+              <a:buFont typeface="Arial" panose="020B0604020202020204" pitchFamily="34" charset="0"/>
+              <a:buChar char="•"/>
+            </a:pPr>
+            <a:r>
+              <a:rPr lang="en-SG" sz="1600" b="0" i="0" dirty="0">
+                <a:effectLst/>
+                <a:latin typeface="Century Gothic" panose="020B0502020202020204" pitchFamily="34" charset="0"/>
+              </a:rPr>
+              <a:t>Output File: 'top5_crime_data.csv'</a:t>
+            </a:r>
+          </a:p>
+        </p:txBody>
+      </p:sp>
+      <p:sp>
+        <p:nvSpPr>
+          <p:cNvPr id="13" name="Freeform 6">
+            <a:extLst>
+              <a:ext uri="{FF2B5EF4-FFF2-40B4-BE49-F238E27FC236}">
+                <a16:creationId xmlns:a16="http://schemas.microsoft.com/office/drawing/2014/main" id="{CC1026F7-DECB-49B4-A565-518BBA445471}"/>
+              </a:ext>
+              <a:ext uri="{C183D7F6-B498-43B3-948B-1728B52AA6E4}">
+                <adec:decorative xmlns:adec="http://schemas.microsoft.com/office/drawing/2017/decorative" val="1"/>
+              </a:ext>
+            </a:extLst>
+          </p:cNvPr>
+          <p:cNvSpPr>
+            <a:spLocks noGrp="1" noRot="1" noChangeAspect="1" noMove="1" noResize="1" noEditPoints="1" noAdjustHandles="1" noChangeArrowheads="1" noChangeShapeType="1" noTextEdit="1"/>
+          </p:cNvSpPr>
+          <p:nvPr>
+            <p:extLst>
+              <p:ext uri="{386F3935-93C4-4BCD-93E2-E3B085C9AB24}">
+                <p16:designElem xmlns:p16="http://schemas.microsoft.com/office/powerpoint/2015/main" val="1"/>
+              </p:ext>
+            </p:extLst>
+          </p:nvPr>
+        </p:nvSpPr>
+        <p:spPr bwMode="auto">
+          <a:xfrm flipH="1" flipV="1">
+            <a:off x="7983434" y="640080"/>
+            <a:ext cx="2296028" cy="3674981"/>
+          </a:xfrm>
+          <a:custGeom>
+            <a:avLst/>
+            <a:gdLst/>
+            <a:ahLst/>
+            <a:cxnLst/>
+            <a:rect l="l" t="t" r="r" b="b"/>
+            <a:pathLst>
+              <a:path w="10002" h="10000">
+                <a:moveTo>
+                  <a:pt x="8763" y="0"/>
+                </a:moveTo>
+                <a:lnTo>
+                  <a:pt x="10002" y="0"/>
+                </a:lnTo>
+                <a:lnTo>
+                  <a:pt x="10002" y="10000"/>
+                </a:lnTo>
+                <a:lnTo>
+                  <a:pt x="2" y="10000"/>
+                </a:lnTo>
+                <a:cubicBezTo>
+                  <a:pt x="-2" y="9698"/>
+                  <a:pt x="4" y="9427"/>
+                  <a:pt x="0" y="9125"/>
+                </a:cubicBezTo>
+                <a:lnTo>
+                  <a:pt x="8763" y="9128"/>
+                </a:lnTo>
+                <a:lnTo>
+                  <a:pt x="8763" y="0"/>
+                </a:lnTo>
+                <a:close/>
+              </a:path>
+            </a:pathLst>
+          </a:custGeom>
+          <a:solidFill>
+            <a:schemeClr val="tx2"/>
+          </a:solidFill>
+          <a:ln w="0">
+            <a:noFill/>
+            <a:prstDash val="solid"/>
+            <a:round/>
+            <a:headEnd/>
+            <a:tailEnd/>
+          </a:ln>
+        </p:spPr>
         <p:txBody>
           <a:bodyPr/>
           <a:lstStyle/>
@@ -4783,7 +10591,7 @@
     </p:spTree>
     <p:extLst>
       <p:ext uri="{BB962C8B-B14F-4D97-AF65-F5344CB8AC3E}">
-        <p14:creationId xmlns:p14="http://schemas.microsoft.com/office/powerpoint/2010/main" val="3177881104"/>
+        <p14:creationId xmlns:p14="http://schemas.microsoft.com/office/powerpoint/2010/main" val="366048478"/>
       </p:ext>
     </p:extLst>
   </p:cSld>
